--- a/基于多数据库的分布式缓存系统方案设计.pptx
+++ b/基于多数据库的分布式缓存系统方案设计.pptx
@@ -6,7 +6,7 @@
     <p:sldMasterId id="2147483650" r:id="rId2"/>
   </p:sldMasterIdLst>
   <p:notesMasterIdLst>
-    <p:notesMasterId r:id="rId22"/>
+    <p:notesMasterId r:id="rId25"/>
   </p:notesMasterIdLst>
   <p:sldIdLst>
     <p:sldId id="256" r:id="rId3"/>
@@ -27,7 +27,10 @@
     <p:sldId id="306" r:id="rId18"/>
     <p:sldId id="301" r:id="rId19"/>
     <p:sldId id="307" r:id="rId20"/>
-    <p:sldId id="261" r:id="rId21"/>
+    <p:sldId id="308" r:id="rId21"/>
+    <p:sldId id="309" r:id="rId22"/>
+    <p:sldId id="311" r:id="rId23"/>
+    <p:sldId id="261" r:id="rId24"/>
   </p:sldIdLst>
   <p:sldSz cx="13004800" cy="9753600"/>
   <p:notesSz cx="6858000" cy="9144000"/>
@@ -682,6 +685,180 @@
 </file>
 
 <file path=ppt/notesSlides/notesSlide5.xml><?xml version="1.0" encoding="utf-8"?>
+<p:notes xmlns:a="http://schemas.openxmlformats.org/drawingml/2006/main" xmlns:r="http://schemas.openxmlformats.org/officeDocument/2006/relationships" xmlns:p="http://schemas.openxmlformats.org/presentationml/2006/main">
+  <p:cSld>
+    <p:spTree>
+      <p:nvGrpSpPr>
+        <p:cNvPr id="1" name=""/>
+        <p:cNvGrpSpPr/>
+        <p:nvPr/>
+      </p:nvGrpSpPr>
+      <p:grpSpPr>
+        <a:xfrm>
+          <a:off x="0" y="0"/>
+          <a:ext cx="0" cy="0"/>
+          <a:chOff x="0" y="0"/>
+          <a:chExt cx="0" cy="0"/>
+        </a:xfrm>
+      </p:grpSpPr>
+      <p:sp>
+        <p:nvSpPr>
+          <p:cNvPr id="2" name="幻灯片图像占位符 1"/>
+          <p:cNvSpPr>
+            <a:spLocks noGrp="1" noRot="1" noChangeAspect="1"/>
+          </p:cNvSpPr>
+          <p:nvPr>
+            <p:ph type="sldImg"/>
+          </p:nvPr>
+        </p:nvSpPr>
+        <p:spPr/>
+      </p:sp>
+      <p:sp>
+        <p:nvSpPr>
+          <p:cNvPr id="3" name="备注占位符 2"/>
+          <p:cNvSpPr>
+            <a:spLocks noGrp="1"/>
+          </p:cNvSpPr>
+          <p:nvPr>
+            <p:ph type="body" idx="1"/>
+          </p:nvPr>
+        </p:nvSpPr>
+        <p:spPr/>
+        <p:txBody>
+          <a:bodyPr>
+            <a:normAutofit/>
+          </a:bodyPr>
+          <a:lstStyle/>
+          <a:p>
+            <a:endParaRPr lang="zh-CN" altLang="en-US" dirty="0"/>
+          </a:p>
+        </p:txBody>
+      </p:sp>
+    </p:spTree>
+  </p:cSld>
+  <p:clrMapOvr>
+    <a:masterClrMapping/>
+  </p:clrMapOvr>
+</p:notes>
+</file>
+
+<file path=ppt/notesSlides/notesSlide6.xml><?xml version="1.0" encoding="utf-8"?>
+<p:notes xmlns:a="http://schemas.openxmlformats.org/drawingml/2006/main" xmlns:r="http://schemas.openxmlformats.org/officeDocument/2006/relationships" xmlns:p="http://schemas.openxmlformats.org/presentationml/2006/main">
+  <p:cSld>
+    <p:spTree>
+      <p:nvGrpSpPr>
+        <p:cNvPr id="1" name=""/>
+        <p:cNvGrpSpPr/>
+        <p:nvPr/>
+      </p:nvGrpSpPr>
+      <p:grpSpPr>
+        <a:xfrm>
+          <a:off x="0" y="0"/>
+          <a:ext cx="0" cy="0"/>
+          <a:chOff x="0" y="0"/>
+          <a:chExt cx="0" cy="0"/>
+        </a:xfrm>
+      </p:grpSpPr>
+      <p:sp>
+        <p:nvSpPr>
+          <p:cNvPr id="2" name="幻灯片图像占位符 1"/>
+          <p:cNvSpPr>
+            <a:spLocks noGrp="1" noRot="1" noChangeAspect="1"/>
+          </p:cNvSpPr>
+          <p:nvPr>
+            <p:ph type="sldImg"/>
+          </p:nvPr>
+        </p:nvSpPr>
+        <p:spPr/>
+      </p:sp>
+      <p:sp>
+        <p:nvSpPr>
+          <p:cNvPr id="3" name="备注占位符 2"/>
+          <p:cNvSpPr>
+            <a:spLocks noGrp="1"/>
+          </p:cNvSpPr>
+          <p:nvPr>
+            <p:ph type="body" idx="1"/>
+          </p:nvPr>
+        </p:nvSpPr>
+        <p:spPr/>
+        <p:txBody>
+          <a:bodyPr>
+            <a:normAutofit/>
+          </a:bodyPr>
+          <a:lstStyle/>
+          <a:p>
+            <a:endParaRPr lang="zh-CN" altLang="en-US" dirty="0"/>
+          </a:p>
+        </p:txBody>
+      </p:sp>
+    </p:spTree>
+  </p:cSld>
+  <p:clrMapOvr>
+    <a:masterClrMapping/>
+  </p:clrMapOvr>
+</p:notes>
+</file>
+
+<file path=ppt/notesSlides/notesSlide7.xml><?xml version="1.0" encoding="utf-8"?>
+<p:notes xmlns:a="http://schemas.openxmlformats.org/drawingml/2006/main" xmlns:r="http://schemas.openxmlformats.org/officeDocument/2006/relationships" xmlns:p="http://schemas.openxmlformats.org/presentationml/2006/main">
+  <p:cSld>
+    <p:spTree>
+      <p:nvGrpSpPr>
+        <p:cNvPr id="1" name=""/>
+        <p:cNvGrpSpPr/>
+        <p:nvPr/>
+      </p:nvGrpSpPr>
+      <p:grpSpPr>
+        <a:xfrm>
+          <a:off x="0" y="0"/>
+          <a:ext cx="0" cy="0"/>
+          <a:chOff x="0" y="0"/>
+          <a:chExt cx="0" cy="0"/>
+        </a:xfrm>
+      </p:grpSpPr>
+      <p:sp>
+        <p:nvSpPr>
+          <p:cNvPr id="2" name="幻灯片图像占位符 1"/>
+          <p:cNvSpPr>
+            <a:spLocks noGrp="1" noRot="1" noChangeAspect="1"/>
+          </p:cNvSpPr>
+          <p:nvPr>
+            <p:ph type="sldImg"/>
+          </p:nvPr>
+        </p:nvSpPr>
+        <p:spPr/>
+      </p:sp>
+      <p:sp>
+        <p:nvSpPr>
+          <p:cNvPr id="3" name="备注占位符 2"/>
+          <p:cNvSpPr>
+            <a:spLocks noGrp="1"/>
+          </p:cNvSpPr>
+          <p:nvPr>
+            <p:ph type="body" idx="1"/>
+          </p:nvPr>
+        </p:nvSpPr>
+        <p:spPr/>
+        <p:txBody>
+          <a:bodyPr>
+            <a:normAutofit/>
+          </a:bodyPr>
+          <a:lstStyle/>
+          <a:p>
+            <a:endParaRPr lang="zh-CN" altLang="en-US" dirty="0"/>
+          </a:p>
+        </p:txBody>
+      </p:sp>
+    </p:spTree>
+  </p:cSld>
+  <p:clrMapOvr>
+    <a:masterClrMapping/>
+  </p:clrMapOvr>
+</p:notes>
+</file>
+
+<file path=ppt/notesSlides/notesSlide8.xml><?xml version="1.0" encoding="utf-8"?>
 <p:notes xmlns:a="http://schemas.openxmlformats.org/drawingml/2006/main" xmlns:r="http://schemas.openxmlformats.org/officeDocument/2006/relationships" xmlns:p="http://schemas.openxmlformats.org/presentationml/2006/main">
   <p:cSld>
     <p:spTree>
@@ -5622,11 +5799,7 @@
             </a:pPr>
             <a:r>
               <a:rPr lang="en-US" altLang="zh-CN" dirty="0" smtClean="0"/>
-              <a:t> </a:t>
-            </a:r>
-            <a:r>
-              <a:rPr lang="en-US" altLang="zh-CN" dirty="0" smtClean="0"/>
-              <a:t>keys (key</a:t>
+              <a:t> keys (key</a:t>
             </a:r>
             <a:r>
               <a:rPr lang="zh-CN" altLang="en-US" dirty="0" smtClean="0"/>
@@ -5652,11 +5825,7 @@
             </a:pPr>
             <a:r>
               <a:rPr lang="en-US" altLang="zh-CN" dirty="0" smtClean="0"/>
-              <a:t> </a:t>
-            </a:r>
-            <a:r>
-              <a:rPr lang="en-US" altLang="zh-CN" dirty="0" smtClean="0"/>
-              <a:t>save/</a:t>
+              <a:t> save/</a:t>
             </a:r>
             <a:r>
               <a:rPr lang="en-US" altLang="zh-CN" dirty="0" err="1" smtClean="0"/>
@@ -5682,11 +5851,7 @@
             </a:pPr>
             <a:r>
               <a:rPr lang="en-US" altLang="zh-CN" dirty="0" smtClean="0"/>
-              <a:t> </a:t>
-            </a:r>
-            <a:r>
-              <a:rPr lang="en-US" altLang="zh-CN" dirty="0" smtClean="0"/>
-              <a:t>publish/subscribe (</a:t>
+              <a:t> publish/subscribe (</a:t>
             </a:r>
             <a:r>
               <a:rPr lang="en-US" altLang="zh-CN" dirty="0" err="1" smtClean="0"/>
@@ -5840,7 +6005,6 @@
               <a:rPr lang="en-US" altLang="zh-CN" dirty="0" smtClean="0"/>
               <a:t>:</a:t>
             </a:r>
-            <a:endParaRPr lang="en-US" altLang="zh-CN" dirty="0" smtClean="0"/>
           </a:p>
           <a:p>
             <a:pPr lvl="1" algn="l">
@@ -5875,13 +6039,8 @@
             </a:r>
             <a:r>
               <a:rPr lang="en-US" altLang="zh-CN" dirty="0" smtClean="0"/>
-              <a:t> #product#id_1 #</a:t>
-            </a:r>
-            <a:r>
-              <a:rPr lang="en-US" altLang="zh-CN" dirty="0" smtClean="0"/>
-              <a:t>product#id_2</a:t>
-            </a:r>
-            <a:endParaRPr lang="en-US" altLang="zh-CN" dirty="0" smtClean="0"/>
+              <a:t> #product#id_1 #product#id_2</a:t>
+            </a:r>
           </a:p>
           <a:p>
             <a:pPr lvl="1" algn="l"/>
@@ -5891,11 +6050,7 @@
             </a:r>
             <a:r>
               <a:rPr lang="en-US" altLang="zh-CN" dirty="0" smtClean="0"/>
-              <a:t>#product</a:t>
-            </a:r>
-            <a:r>
-              <a:rPr lang="en-US" altLang="zh-CN" dirty="0" smtClean="0"/>
-              <a:t>#</a:t>
+              <a:t>#product#</a:t>
             </a:r>
             <a:r>
               <a:rPr lang="zh-CN" altLang="en-US" dirty="0" smtClean="0"/>
@@ -6165,11 +6320,7 @@
             </a:r>
             <a:r>
               <a:rPr lang="zh-CN" altLang="en-US" sz="4800" dirty="0" smtClean="0"/>
-              <a:t>代理层实现</a:t>
-            </a:r>
-            <a:r>
-              <a:rPr lang="zh-CN" altLang="en-US" sz="4800" dirty="0" smtClean="0"/>
-              <a:t>考虑四</a:t>
+              <a:t>代理层实现考虑四</a:t>
             </a:r>
             <a:r>
               <a:rPr lang="en-US" altLang="zh-CN" sz="4800" dirty="0" smtClean="0"/>
@@ -6280,15 +6431,7 @@
                   <a:srgbClr val="FF0000"/>
                 </a:solidFill>
               </a:rPr>
-              <a:t>因此需要避免</a:t>
-            </a:r>
-            <a:r>
-              <a:rPr lang="zh-CN" altLang="en-US" dirty="0" smtClean="0">
-                <a:solidFill>
-                  <a:srgbClr val="FF0000"/>
-                </a:solidFill>
-              </a:rPr>
-              <a:t>单点部署</a:t>
+              <a:t>因此需要避免单点部署</a:t>
             </a:r>
             <a:r>
               <a:rPr lang="en-US" altLang="zh-CN" dirty="0" smtClean="0">
@@ -6827,7 +6970,11 @@
             </a:pPr>
             <a:r>
               <a:rPr lang="en-US" altLang="zh-CN" sz="2400" dirty="0" smtClean="0"/>
-              <a:t>(ZK)</a:t>
+              <a:t>(</a:t>
+            </a:r>
+            <a:r>
+              <a:rPr lang="en-US" altLang="zh-CN" sz="2400" dirty="0" smtClean="0"/>
+              <a:t>ZK cluster)</a:t>
             </a:r>
             <a:endParaRPr kumimoji="0" lang="zh-CN" altLang="en-US" sz="2400" b="1" i="0" u="none" strike="noStrike" cap="none" normalizeH="0" baseline="0" dirty="0" smtClean="0">
               <a:ln>
@@ -8099,11 +8246,7 @@
             </a:r>
             <a:r>
               <a:rPr lang="zh-CN" altLang="en-US" sz="2800" dirty="0" smtClean="0"/>
-              <a:t>不同的业务系统使用的集群应相互</a:t>
-            </a:r>
-            <a:r>
-              <a:rPr lang="zh-CN" altLang="en-US" sz="2800" dirty="0" smtClean="0"/>
-              <a:t>隔离</a:t>
+              <a:t>不同的业务系统使用的集群应相互隔离</a:t>
             </a:r>
             <a:r>
               <a:rPr lang="en-US" altLang="zh-CN" sz="2800" dirty="0" smtClean="0"/>
@@ -8117,7 +8260,6 @@
               <a:rPr lang="en-US" altLang="zh-CN" sz="2800" dirty="0" smtClean="0"/>
               <a:t>)</a:t>
             </a:r>
-            <a:endParaRPr lang="en-US" altLang="zh-CN" sz="2800" dirty="0" smtClean="0"/>
           </a:p>
           <a:p>
             <a:pPr algn="l">
@@ -8211,7 +8353,6 @@
               <a:rPr lang="en-US" altLang="zh-CN" sz="2800" dirty="0" smtClean="0"/>
               <a:t>)</a:t>
             </a:r>
-            <a:endParaRPr lang="en-US" altLang="zh-CN" sz="2800" dirty="0" smtClean="0"/>
           </a:p>
           <a:p>
             <a:pPr algn="l">
@@ -8220,15 +8361,7 @@
             </a:pPr>
             <a:r>
               <a:rPr lang="zh-CN" altLang="en-US" sz="2800" dirty="0" smtClean="0"/>
-              <a:t> 集群</a:t>
-            </a:r>
-            <a:r>
-              <a:rPr lang="zh-CN" altLang="en-US" sz="2800" dirty="0" smtClean="0"/>
-              <a:t>需要有认证</a:t>
-            </a:r>
-            <a:r>
-              <a:rPr lang="zh-CN" altLang="en-US" sz="2800" dirty="0" smtClean="0"/>
-              <a:t>机制</a:t>
+              <a:t> 集群需要有认证机制</a:t>
             </a:r>
             <a:endParaRPr lang="en-US" altLang="zh-CN" sz="2800" dirty="0" smtClean="0"/>
           </a:p>
@@ -8723,7 +8856,11 @@
             </a:pPr>
             <a:r>
               <a:rPr lang="en-US" altLang="zh-CN" sz="2400" dirty="0" smtClean="0"/>
-              <a:t>(ZK)</a:t>
+              <a:t>(</a:t>
+            </a:r>
+            <a:r>
+              <a:rPr lang="en-US" altLang="zh-CN" sz="2400" dirty="0" smtClean="0"/>
+              <a:t>ZK cluster)</a:t>
             </a:r>
             <a:endParaRPr kumimoji="0" lang="zh-CN" altLang="en-US" sz="2400" b="1" i="0" u="none" strike="noStrike" cap="none" normalizeH="0" baseline="0" dirty="0" smtClean="0">
               <a:ln>
@@ -10693,11 +10830,7 @@
             </a:r>
             <a:r>
               <a:rPr lang="zh-CN" altLang="en-US" sz="4800" dirty="0" smtClean="0"/>
-              <a:t>持久化</a:t>
-            </a:r>
-            <a:r>
-              <a:rPr lang="zh-CN" altLang="en-US" sz="4800" dirty="0" smtClean="0"/>
-              <a:t>考虑二</a:t>
+              <a:t>持久化考虑二</a:t>
             </a:r>
             <a:r>
               <a:rPr lang="en-US" altLang="zh-CN" sz="4800" dirty="0" smtClean="0"/>
@@ -11074,7 +11207,6 @@
               <a:rPr lang="en-US" altLang="zh-CN" sz="2800" dirty="0" smtClean="0"/>
               <a:t>192.168.64.0~192.168.71.255</a:t>
             </a:r>
-            <a:endParaRPr lang="en-US" altLang="zh-CN" sz="2800" dirty="0" smtClean="0"/>
           </a:p>
           <a:p>
             <a:pPr marL="742950" indent="-742950" algn="l"/>
@@ -11082,7 +11214,6 @@
               <a:rPr lang="en-US" altLang="zh-CN" sz="2800" dirty="0" smtClean="0"/>
               <a:t>192.168.0.0~192.168.7.255</a:t>
             </a:r>
-            <a:endParaRPr lang="en-US" altLang="zh-CN" sz="2800" dirty="0" smtClean="0"/>
           </a:p>
           <a:p>
             <a:pPr marL="742950" indent="-742950" algn="l"/>
@@ -11723,11 +11854,7 @@
             </a:pPr>
             <a:r>
               <a:rPr lang="zh-CN" altLang="en-US" dirty="0" smtClean="0"/>
-              <a:t>日志</a:t>
-            </a:r>
-            <a:r>
-              <a:rPr lang="zh-CN" altLang="en-US" dirty="0" smtClean="0"/>
-              <a:t>异常记录</a:t>
+              <a:t>日志异常记录</a:t>
             </a:r>
             <a:endParaRPr lang="en-US" altLang="zh-CN" dirty="0" smtClean="0"/>
           </a:p>
@@ -13484,7 +13611,11 @@
             </a:pPr>
             <a:r>
               <a:rPr lang="en-US" altLang="zh-CN" sz="2400" dirty="0" smtClean="0"/>
-              <a:t>(ZK)</a:t>
+              <a:t>(</a:t>
+            </a:r>
+            <a:r>
+              <a:rPr lang="en-US" altLang="zh-CN" sz="2400" dirty="0" smtClean="0"/>
+              <a:t>ZK cluster)</a:t>
             </a:r>
             <a:endParaRPr kumimoji="0" lang="zh-CN" altLang="en-US" sz="2400" b="1" i="0" u="none" strike="noStrike" cap="none" normalizeH="0" baseline="0" dirty="0" smtClean="0">
               <a:ln>
@@ -14844,8 +14975,8 @@
         </p:nvSpPr>
         <p:spPr>
           <a:xfrm>
-            <a:off x="525736" y="1348408"/>
-            <a:ext cx="11881320" cy="6986528"/>
+            <a:off x="525736" y="1204392"/>
+            <a:ext cx="11881320" cy="7417415"/>
           </a:xfrm>
           <a:prstGeom prst="rect">
             <a:avLst/>
@@ -14924,7 +15055,47 @@
             </a:r>
             <a:r>
               <a:rPr lang="zh-CN" altLang="en-US" sz="2800" dirty="0" smtClean="0"/>
-              <a:t>集群并建立连接</a:t>
+              <a:t>集群并建立</a:t>
+            </a:r>
+            <a:r>
+              <a:rPr lang="zh-CN" altLang="en-US" sz="2800" dirty="0" smtClean="0"/>
+              <a:t>连接</a:t>
+            </a:r>
+            <a:r>
+              <a:rPr lang="en-US" altLang="zh-CN" sz="2800" dirty="0" smtClean="0"/>
+              <a:t>. </a:t>
+            </a:r>
+            <a:r>
+              <a:rPr lang="zh-CN" altLang="en-US" sz="2800" dirty="0" smtClean="0"/>
+              <a:t>如是集群连接</a:t>
+            </a:r>
+            <a:r>
+              <a:rPr lang="en-US" altLang="zh-CN" sz="2800" dirty="0" smtClean="0"/>
+              <a:t>, </a:t>
+            </a:r>
+            <a:r>
+              <a:rPr lang="zh-CN" altLang="en-US" sz="2800" dirty="0" smtClean="0"/>
+              <a:t>还可配置集群使用策略</a:t>
+            </a:r>
+            <a:r>
+              <a:rPr lang="en-US" altLang="zh-CN" sz="2800" dirty="0" smtClean="0"/>
+              <a:t>, </a:t>
+            </a:r>
+            <a:r>
+              <a:rPr lang="zh-CN" altLang="en-US" sz="2800" dirty="0" smtClean="0"/>
+              <a:t>比如</a:t>
+            </a:r>
+            <a:r>
+              <a:rPr lang="en-US" altLang="zh-CN" sz="2800" dirty="0" err="1" smtClean="0"/>
+              <a:t>roundrobin</a:t>
+            </a:r>
+            <a:r>
+              <a:rPr lang="en-US" altLang="zh-CN" sz="2800" dirty="0" smtClean="0"/>
+              <a:t>, failover, random</a:t>
+            </a:r>
+            <a:r>
+              <a:rPr lang="zh-CN" altLang="en-US" sz="2800" dirty="0" smtClean="0"/>
+              <a:t>等等</a:t>
             </a:r>
             <a:endParaRPr lang="en-US" altLang="zh-CN" sz="2800" dirty="0" smtClean="0"/>
           </a:p>
@@ -15182,11 +15353,7 @@
             </a:pPr>
             <a:r>
               <a:rPr lang="en-US" altLang="zh-CN" sz="2800" dirty="0" smtClean="0"/>
-              <a:t> </a:t>
-            </a:r>
-            <a:r>
-              <a:rPr lang="en-US" altLang="zh-CN" sz="2800" dirty="0" smtClean="0"/>
-              <a:t>server-</a:t>
+              <a:t> server-</a:t>
             </a:r>
             <a:r>
               <a:rPr lang="en-US" altLang="zh-CN" sz="2800" dirty="0" err="1" smtClean="0"/>
@@ -15232,11 +15399,7 @@
             </a:pPr>
             <a:r>
               <a:rPr lang="en-US" altLang="zh-CN" sz="2800" dirty="0" smtClean="0"/>
-              <a:t> </a:t>
-            </a:r>
-            <a:r>
-              <a:rPr lang="en-US" altLang="zh-CN" sz="2800" dirty="0" smtClean="0"/>
-              <a:t>unified db </a:t>
+              <a:t> unified db </a:t>
             </a:r>
             <a:r>
               <a:rPr lang="en-US" altLang="zh-CN" sz="2800" dirty="0" err="1" smtClean="0"/>
@@ -15271,6 +15434,3914 @@
 </file>
 
 <file path=ppt/slides/slide19.xml><?xml version="1.0" encoding="utf-8"?>
+<p:sld xmlns:a="http://schemas.openxmlformats.org/drawingml/2006/main" xmlns:r="http://schemas.openxmlformats.org/officeDocument/2006/relationships" xmlns:p="http://schemas.openxmlformats.org/presentationml/2006/main">
+  <p:cSld>
+    <p:spTree>
+      <p:nvGrpSpPr>
+        <p:cNvPr id="1" name=""/>
+        <p:cNvGrpSpPr/>
+        <p:nvPr/>
+      </p:nvGrpSpPr>
+      <p:grpSpPr>
+        <a:xfrm>
+          <a:off x="0" y="0"/>
+          <a:ext cx="0" cy="0"/>
+          <a:chOff x="0" y="0"/>
+          <a:chExt cx="0" cy="0"/>
+        </a:xfrm>
+      </p:grpSpPr>
+      <p:sp>
+        <p:nvSpPr>
+          <p:cNvPr id="7170" name="Text Box 2" descr="harmony_tile_blue"/>
+          <p:cNvSpPr txBox="1">
+            <a:spLocks noChangeArrowheads="1"/>
+          </p:cNvSpPr>
+          <p:nvPr/>
+        </p:nvSpPr>
+        <p:spPr bwMode="auto">
+          <a:xfrm>
+            <a:off x="311150" y="125413"/>
+            <a:ext cx="5905500" cy="650875"/>
+          </a:xfrm>
+          <a:prstGeom prst="rect">
+            <a:avLst/>
+          </a:prstGeom>
+          <a:noFill/>
+          <a:ln w="9525">
+            <a:noFill/>
+            <a:miter lim="800000"/>
+            <a:headEnd/>
+            <a:tailEnd/>
+          </a:ln>
+        </p:spPr>
+        <p:txBody>
+          <a:bodyPr lIns="50800" tIns="50800" rIns="50800" bIns="50800">
+            <a:spAutoFit/>
+          </a:bodyPr>
+          <a:lstStyle/>
+          <a:p>
+            <a:pPr marL="342900" algn="l">
+              <a:spcBef>
+                <a:spcPct val="50000"/>
+              </a:spcBef>
+            </a:pPr>
+            <a:endParaRPr lang="zh-CN" altLang="en-US">
+              <a:ea typeface="黑体" pitchFamily="49" charset="-122"/>
+            </a:endParaRPr>
+          </a:p>
+        </p:txBody>
+      </p:sp>
+      <p:sp>
+        <p:nvSpPr>
+          <p:cNvPr id="7172" name="未知"/>
+          <p:cNvSpPr>
+            <a:spLocks/>
+          </p:cNvSpPr>
+          <p:nvPr/>
+        </p:nvSpPr>
+        <p:spPr bwMode="auto">
+          <a:xfrm>
+            <a:off x="22225" y="844550"/>
+            <a:ext cx="5041900" cy="76200"/>
+          </a:xfrm>
+          <a:custGeom>
+            <a:avLst/>
+            <a:gdLst>
+              <a:gd name="T0" fmla="*/ 0 w 5367"/>
+              <a:gd name="T1" fmla="*/ 0 h 644"/>
+              <a:gd name="T2" fmla="*/ 2147483647 w 5367"/>
+              <a:gd name="T3" fmla="*/ 0 h 644"/>
+              <a:gd name="T4" fmla="*/ 0 60000 65536"/>
+              <a:gd name="T5" fmla="*/ 0 60000 65536"/>
+              <a:gd name="T6" fmla="*/ 0 w 5367"/>
+              <a:gd name="T7" fmla="*/ 0 h 644"/>
+              <a:gd name="T8" fmla="*/ 5367 w 5367"/>
+              <a:gd name="T9" fmla="*/ 644 h 644"/>
+            </a:gdLst>
+            <a:ahLst/>
+            <a:cxnLst>
+              <a:cxn ang="T4">
+                <a:pos x="T0" y="T1"/>
+              </a:cxn>
+              <a:cxn ang="T5">
+                <a:pos x="T2" y="T3"/>
+              </a:cxn>
+            </a:cxnLst>
+            <a:rect l="T6" t="T7" r="T8" b="T9"/>
+            <a:pathLst>
+              <a:path w="5367" h="644">
+                <a:moveTo>
+                  <a:pt x="0" y="0"/>
+                </a:moveTo>
+                <a:lnTo>
+                  <a:pt x="5367" y="0"/>
+                </a:lnTo>
+              </a:path>
+            </a:pathLst>
+          </a:custGeom>
+          <a:noFill/>
+          <a:ln w="22225">
+            <a:solidFill>
+              <a:srgbClr val="E83100"/>
+            </a:solidFill>
+            <a:round/>
+            <a:headEnd/>
+            <a:tailEnd/>
+          </a:ln>
+        </p:spPr>
+        <p:txBody>
+          <a:bodyPr lIns="0" tIns="0" rIns="0" bIns="0" anchor="ctr">
+            <a:spAutoFit/>
+          </a:bodyPr>
+          <a:lstStyle/>
+          <a:p>
+            <a:endParaRPr lang="zh-CN" altLang="en-US"/>
+          </a:p>
+        </p:txBody>
+      </p:sp>
+      <p:sp>
+        <p:nvSpPr>
+          <p:cNvPr id="7173" name="TextBox 5"/>
+          <p:cNvSpPr txBox="1">
+            <a:spLocks noChangeArrowheads="1"/>
+          </p:cNvSpPr>
+          <p:nvPr/>
+        </p:nvSpPr>
+        <p:spPr bwMode="auto">
+          <a:xfrm>
+            <a:off x="165696" y="31750"/>
+            <a:ext cx="7776864" cy="830997"/>
+          </a:xfrm>
+          <a:prstGeom prst="rect">
+            <a:avLst/>
+          </a:prstGeom>
+          <a:noFill/>
+          <a:ln w="9525">
+            <a:noFill/>
+            <a:miter lim="800000"/>
+            <a:headEnd/>
+            <a:tailEnd/>
+          </a:ln>
+        </p:spPr>
+        <p:txBody>
+          <a:bodyPr wrap="square">
+            <a:spAutoFit/>
+          </a:bodyPr>
+          <a:lstStyle/>
+          <a:p>
+            <a:pPr algn="l"/>
+            <a:r>
+              <a:rPr lang="en-US" altLang="zh-CN" sz="4800" dirty="0"/>
+              <a:t>Part </a:t>
+            </a:r>
+            <a:r>
+              <a:rPr lang="en-US" altLang="zh-CN" sz="4800" dirty="0" smtClean="0"/>
+              <a:t>4- </a:t>
+            </a:r>
+            <a:r>
+              <a:rPr lang="en-US" altLang="zh-CN" sz="4800" dirty="0" err="1" smtClean="0"/>
+              <a:t>zk</a:t>
+            </a:r>
+            <a:r>
+              <a:rPr lang="zh-CN" altLang="en-US" sz="4800" dirty="0" smtClean="0"/>
+              <a:t>资源管理</a:t>
+            </a:r>
+            <a:r>
+              <a:rPr lang="en-US" altLang="zh-CN" sz="4800" dirty="0" smtClean="0"/>
+              <a:t>(</a:t>
+            </a:r>
+            <a:r>
+              <a:rPr lang="zh-CN" altLang="en-US" sz="4800" dirty="0" smtClean="0"/>
+              <a:t>一</a:t>
+            </a:r>
+            <a:r>
+              <a:rPr lang="en-US" altLang="zh-CN" sz="4800" dirty="0" smtClean="0"/>
+              <a:t>)</a:t>
+            </a:r>
+            <a:endParaRPr lang="zh-CN" altLang="en-US" sz="4800" dirty="0"/>
+          </a:p>
+        </p:txBody>
+      </p:sp>
+      <p:graphicFrame>
+        <p:nvGraphicFramePr>
+          <p:cNvPr id="7" name="表格 6"/>
+          <p:cNvGraphicFramePr>
+            <a:graphicFrameLocks noGrp="1"/>
+          </p:cNvGraphicFramePr>
+          <p:nvPr/>
+        </p:nvGraphicFramePr>
+        <p:xfrm>
+          <a:off x="453728" y="993760"/>
+          <a:ext cx="12169352" cy="7699464"/>
+        </p:xfrm>
+        <a:graphic>
+          <a:graphicData uri="http://schemas.openxmlformats.org/drawingml/2006/table">
+            <a:tbl>
+              <a:tblPr firstRow="1" bandRow="1">
+                <a:tableStyleId>{5C22544A-7EE6-4342-B048-85BDC9FD1C3A}</a:tableStyleId>
+              </a:tblPr>
+              <a:tblGrid>
+                <a:gridCol w="2664296"/>
+                <a:gridCol w="4320480"/>
+                <a:gridCol w="5184576"/>
+              </a:tblGrid>
+              <a:tr h="829128">
+                <a:tc>
+                  <a:txBody>
+                    <a:bodyPr/>
+                    <a:lstStyle/>
+                    <a:p>
+                      <a:pPr algn="ctr"/>
+                      <a:r>
+                        <a:rPr lang="zh-CN" altLang="en-US" sz="2400" b="1" dirty="0" smtClean="0"/>
+                        <a:t>管理资源</a:t>
+                      </a:r>
+                      <a:endParaRPr lang="zh-CN" altLang="en-US" sz="2400" b="1" dirty="0"/>
+                    </a:p>
+                  </a:txBody>
+                  <a:tcPr anchor="ctr"/>
+                </a:tc>
+                <a:tc>
+                  <a:txBody>
+                    <a:bodyPr/>
+                    <a:lstStyle/>
+                    <a:p>
+                      <a:pPr algn="ctr"/>
+                      <a:r>
+                        <a:rPr lang="zh-CN" altLang="en-US" sz="2400" b="1" dirty="0" smtClean="0"/>
+                        <a:t>路径</a:t>
+                      </a:r>
+                      <a:endParaRPr lang="zh-CN" altLang="en-US" sz="2400" b="1" dirty="0"/>
+                    </a:p>
+                  </a:txBody>
+                  <a:tcPr anchor="ctr"/>
+                </a:tc>
+                <a:tc>
+                  <a:txBody>
+                    <a:bodyPr/>
+                    <a:lstStyle/>
+                    <a:p>
+                      <a:pPr algn="ctr"/>
+                      <a:r>
+                        <a:rPr lang="zh-CN" altLang="en-US" sz="2400" b="1" dirty="0" smtClean="0"/>
+                        <a:t>说明</a:t>
+                      </a:r>
+                      <a:endParaRPr lang="zh-CN" altLang="en-US" sz="2400" b="1" dirty="0"/>
+                    </a:p>
+                  </a:txBody>
+                  <a:tcPr anchor="ctr"/>
+                </a:tc>
+              </a:tr>
+              <a:tr h="1972966">
+                <a:tc>
+                  <a:txBody>
+                    <a:bodyPr/>
+                    <a:lstStyle/>
+                    <a:p>
+                      <a:r>
+                        <a:rPr lang="en-US" altLang="zh-CN" sz="2400" b="1" dirty="0" smtClean="0">
+                          <a:solidFill>
+                            <a:schemeClr val="bg1"/>
+                          </a:solidFill>
+                        </a:rPr>
+                        <a:t>server-proxy</a:t>
+                      </a:r>
+                      <a:endParaRPr lang="zh-CN" altLang="en-US" sz="2400" b="1" dirty="0">
+                        <a:solidFill>
+                          <a:schemeClr val="bg1"/>
+                        </a:solidFill>
+                      </a:endParaRPr>
+                    </a:p>
+                  </a:txBody>
+                  <a:tcPr anchor="ctr"/>
+                </a:tc>
+                <a:tc>
+                  <a:txBody>
+                    <a:bodyPr/>
+                    <a:lstStyle/>
+                    <a:p>
+                      <a:r>
+                        <a:rPr lang="en-US" altLang="zh-CN" sz="2400" b="1" dirty="0" smtClean="0">
+                          <a:solidFill>
+                            <a:schemeClr val="bg1"/>
+                          </a:solidFill>
+                        </a:rPr>
+                        <a:t>/cache/${</a:t>
+                      </a:r>
+                      <a:r>
+                        <a:rPr lang="en-US" altLang="zh-CN" sz="2400" b="1" dirty="0" err="1" smtClean="0">
+                          <a:solidFill>
+                            <a:schemeClr val="bg1"/>
+                          </a:solidFill>
+                        </a:rPr>
+                        <a:t>namspace</a:t>
+                      </a:r>
+                      <a:r>
+                        <a:rPr lang="en-US" altLang="zh-CN" sz="2400" b="1" dirty="0" smtClean="0">
+                          <a:solidFill>
+                            <a:schemeClr val="bg1"/>
+                          </a:solidFill>
+                        </a:rPr>
+                        <a:t>}/</a:t>
+                      </a:r>
+                      <a:r>
+                        <a:rPr lang="en-US" altLang="zh-CN" sz="2400" b="1" dirty="0" smtClean="0">
+                          <a:solidFill>
+                            <a:schemeClr val="bg1"/>
+                          </a:solidFill>
+                        </a:rPr>
+                        <a:t>server</a:t>
+                      </a:r>
+                    </a:p>
+                    <a:p>
+                      <a:endParaRPr lang="zh-CN" altLang="en-US" sz="2400" b="1" dirty="0">
+                        <a:solidFill>
+                          <a:schemeClr val="bg1"/>
+                        </a:solidFill>
+                      </a:endParaRPr>
+                    </a:p>
+                  </a:txBody>
+                  <a:tcPr anchor="ctr"/>
+                </a:tc>
+                <a:tc>
+                  <a:txBody>
+                    <a:bodyPr/>
+                    <a:lstStyle/>
+                    <a:p>
+                      <a:pPr marL="457200" indent="-457200">
+                        <a:buAutoNum type="arabicParenBoth"/>
+                      </a:pPr>
+                      <a:r>
+                        <a:rPr lang="zh-CN" altLang="en-US" sz="2000" b="1" kern="1200" dirty="0" smtClean="0">
+                          <a:solidFill>
+                            <a:schemeClr val="bg1"/>
+                          </a:solidFill>
+                          <a:latin typeface="+mn-lt"/>
+                          <a:ea typeface="+mn-ea"/>
+                          <a:cs typeface="+mn-cs"/>
+                        </a:rPr>
+                        <a:t>对此</a:t>
+                      </a:r>
+                      <a:r>
+                        <a:rPr lang="zh-CN" altLang="en-US" sz="2000" b="1" kern="1200" dirty="0" smtClean="0">
+                          <a:solidFill>
+                            <a:schemeClr val="bg1"/>
+                          </a:solidFill>
+                          <a:latin typeface="+mn-lt"/>
+                          <a:ea typeface="+mn-ea"/>
+                          <a:cs typeface="+mn-cs"/>
+                        </a:rPr>
+                        <a:t>路径添加</a:t>
+                      </a:r>
+                      <a:r>
+                        <a:rPr lang="en-US" altLang="zh-CN" sz="2000" b="1" kern="1200" dirty="0" err="1" smtClean="0">
+                          <a:solidFill>
+                            <a:schemeClr val="bg1"/>
+                          </a:solidFill>
+                          <a:latin typeface="+mn-lt"/>
+                          <a:ea typeface="+mn-ea"/>
+                          <a:cs typeface="+mn-cs"/>
+                        </a:rPr>
+                        <a:t>NodeChildrenChanged</a:t>
+                      </a:r>
+                      <a:r>
+                        <a:rPr lang="en-US" altLang="zh-CN" sz="2000" b="1" kern="1200" dirty="0" smtClean="0">
+                          <a:solidFill>
+                            <a:schemeClr val="bg1"/>
+                          </a:solidFill>
+                          <a:latin typeface="+mn-lt"/>
+                          <a:ea typeface="+mn-ea"/>
+                          <a:cs typeface="+mn-cs"/>
+                        </a:rPr>
+                        <a:t> </a:t>
+                      </a:r>
+                      <a:r>
+                        <a:rPr lang="en-US" altLang="zh-CN" sz="2000" b="1" kern="1200" dirty="0" smtClean="0">
+                          <a:solidFill>
+                            <a:schemeClr val="bg1"/>
+                          </a:solidFill>
+                          <a:latin typeface="+mn-lt"/>
+                          <a:ea typeface="+mn-ea"/>
+                          <a:cs typeface="+mn-cs"/>
+                        </a:rPr>
+                        <a:t>watch, </a:t>
+                      </a:r>
+                      <a:r>
+                        <a:rPr lang="zh-CN" altLang="en-US" sz="2000" b="1" kern="1200" dirty="0" smtClean="0">
+                          <a:solidFill>
+                            <a:schemeClr val="bg1"/>
+                          </a:solidFill>
+                          <a:latin typeface="+mn-lt"/>
+                          <a:ea typeface="+mn-ea"/>
+                          <a:cs typeface="+mn-cs"/>
+                        </a:rPr>
+                        <a:t>检测</a:t>
+                      </a:r>
+                      <a:r>
+                        <a:rPr lang="en-US" altLang="zh-CN" sz="2000" b="1" kern="1200" dirty="0" smtClean="0">
+                          <a:solidFill>
+                            <a:schemeClr val="bg1"/>
+                          </a:solidFill>
+                          <a:latin typeface="+mn-lt"/>
+                          <a:ea typeface="+mn-ea"/>
+                          <a:cs typeface="+mn-cs"/>
+                        </a:rPr>
+                        <a:t>server-proxy</a:t>
+                      </a:r>
+                      <a:r>
+                        <a:rPr lang="zh-CN" altLang="en-US" sz="2000" b="1" kern="1200" dirty="0" smtClean="0">
+                          <a:solidFill>
+                            <a:schemeClr val="bg1"/>
+                          </a:solidFill>
+                          <a:latin typeface="+mn-lt"/>
+                          <a:ea typeface="+mn-ea"/>
+                          <a:cs typeface="+mn-cs"/>
+                        </a:rPr>
+                        <a:t>集群变化</a:t>
+                      </a:r>
+                      <a:endParaRPr lang="en-US" altLang="zh-CN" sz="2000" b="1" kern="1200" dirty="0" smtClean="0">
+                        <a:solidFill>
+                          <a:schemeClr val="bg1"/>
+                        </a:solidFill>
+                        <a:latin typeface="+mn-lt"/>
+                        <a:ea typeface="+mn-ea"/>
+                        <a:cs typeface="+mn-cs"/>
+                      </a:endParaRPr>
+                    </a:p>
+                    <a:p>
+                      <a:pPr marL="457200" marR="0" indent="-457200" algn="l" defTabSz="914400" rtl="0" eaLnBrk="1" fontAlgn="auto" latinLnBrk="0" hangingPunct="1">
+                        <a:lnSpc>
+                          <a:spcPct val="100000"/>
+                        </a:lnSpc>
+                        <a:spcBef>
+                          <a:spcPts val="0"/>
+                        </a:spcBef>
+                        <a:spcAft>
+                          <a:spcPts val="0"/>
+                        </a:spcAft>
+                        <a:buClrTx/>
+                        <a:buSzTx/>
+                        <a:buFontTx/>
+                        <a:buAutoNum type="arabicParenBoth"/>
+                        <a:tabLst/>
+                        <a:defRPr/>
+                      </a:pPr>
+                      <a:r>
+                        <a:rPr lang="en-US" altLang="zh-CN" sz="2000" b="1" kern="1200" dirty="0" smtClean="0">
+                          <a:solidFill>
+                            <a:schemeClr val="bg1"/>
+                          </a:solidFill>
+                          <a:latin typeface="+mn-lt"/>
+                          <a:ea typeface="+mn-ea"/>
+                          <a:cs typeface="+mn-cs"/>
+                        </a:rPr>
+                        <a:t> </a:t>
+                      </a:r>
+                      <a:r>
+                        <a:rPr lang="zh-CN" altLang="en-US" sz="2000" b="1" kern="1200" dirty="0" smtClean="0">
+                          <a:solidFill>
+                            <a:schemeClr val="bg1"/>
+                          </a:solidFill>
+                          <a:latin typeface="+mn-lt"/>
+                          <a:ea typeface="+mn-ea"/>
+                          <a:cs typeface="+mn-cs"/>
+                        </a:rPr>
+                        <a:t>每个</a:t>
+                      </a:r>
+                      <a:r>
+                        <a:rPr lang="en-US" altLang="zh-CN" sz="2000" b="1" kern="1200" dirty="0" smtClean="0">
+                          <a:solidFill>
+                            <a:schemeClr val="bg1"/>
+                          </a:solidFill>
+                          <a:latin typeface="+mn-lt"/>
+                          <a:ea typeface="+mn-ea"/>
+                          <a:cs typeface="+mn-cs"/>
+                        </a:rPr>
+                        <a:t>server-proxy</a:t>
+                      </a:r>
+                      <a:r>
+                        <a:rPr lang="zh-CN" altLang="en-US" sz="2000" b="1" kern="1200" dirty="0" smtClean="0">
+                          <a:solidFill>
+                            <a:schemeClr val="bg1"/>
+                          </a:solidFill>
+                          <a:latin typeface="+mn-lt"/>
+                          <a:ea typeface="+mn-ea"/>
+                          <a:cs typeface="+mn-cs"/>
+                        </a:rPr>
+                        <a:t>存放</a:t>
+                      </a:r>
+                      <a:r>
+                        <a:rPr lang="zh-CN" altLang="en-US" sz="2000" b="1" kern="1200" dirty="0" smtClean="0">
+                          <a:solidFill>
+                            <a:schemeClr val="bg1"/>
+                          </a:solidFill>
+                          <a:latin typeface="+mn-lt"/>
+                          <a:ea typeface="+mn-ea"/>
+                          <a:cs typeface="+mn-cs"/>
+                        </a:rPr>
+                        <a:t>在此目录</a:t>
+                      </a:r>
+                      <a:r>
+                        <a:rPr lang="zh-CN" altLang="en-US" sz="2000" b="1" kern="1200" dirty="0" smtClean="0">
+                          <a:solidFill>
+                            <a:schemeClr val="bg1"/>
+                          </a:solidFill>
+                          <a:latin typeface="+mn-lt"/>
+                          <a:ea typeface="+mn-ea"/>
+                          <a:cs typeface="+mn-cs"/>
+                        </a:rPr>
+                        <a:t>下</a:t>
+                      </a:r>
+                      <a:r>
+                        <a:rPr lang="en-US" altLang="zh-CN" sz="2000" b="1" kern="1200" dirty="0" smtClean="0">
+                          <a:solidFill>
+                            <a:schemeClr val="bg1"/>
+                          </a:solidFill>
+                          <a:latin typeface="+mn-lt"/>
+                          <a:ea typeface="+mn-ea"/>
+                          <a:cs typeface="+mn-cs"/>
+                        </a:rPr>
+                        <a:t>, </a:t>
+                      </a:r>
+                      <a:r>
+                        <a:rPr lang="zh-CN" altLang="en-US" sz="2000" b="1" kern="1200" dirty="0" smtClean="0">
+                          <a:solidFill>
+                            <a:schemeClr val="bg1"/>
+                          </a:solidFill>
+                          <a:latin typeface="+mn-lt"/>
+                          <a:ea typeface="+mn-ea"/>
+                          <a:cs typeface="+mn-cs"/>
+                        </a:rPr>
+                        <a:t>节点类型</a:t>
+                      </a:r>
+                      <a:r>
+                        <a:rPr lang="zh-CN" altLang="en-US" sz="2000" b="1" kern="1200" dirty="0" smtClean="0">
+                          <a:solidFill>
+                            <a:schemeClr val="bg1"/>
+                          </a:solidFill>
+                          <a:latin typeface="+mn-lt"/>
+                          <a:ea typeface="+mn-ea"/>
+                          <a:cs typeface="+mn-cs"/>
+                        </a:rPr>
+                        <a:t>为</a:t>
+                      </a:r>
+                      <a:r>
+                        <a:rPr lang="en-US" altLang="zh-CN" sz="2000" b="1" kern="1200" dirty="0" smtClean="0">
+                          <a:solidFill>
+                            <a:schemeClr val="bg1"/>
+                          </a:solidFill>
+                          <a:latin typeface="+mn-lt"/>
+                          <a:ea typeface="+mn-ea"/>
+                          <a:cs typeface="+mn-cs"/>
+                        </a:rPr>
+                        <a:t>Sequential </a:t>
+                      </a:r>
+                      <a:r>
+                        <a:rPr lang="en-US" altLang="en-US" sz="2000" b="1" kern="1200" dirty="0" smtClean="0">
+                          <a:solidFill>
+                            <a:schemeClr val="bg1"/>
+                          </a:solidFill>
+                          <a:latin typeface="+mn-lt"/>
+                          <a:ea typeface="+mn-ea"/>
+                          <a:cs typeface="+mn-cs"/>
+                        </a:rPr>
+                        <a:t>Ephemeral </a:t>
+                      </a:r>
+                      <a:r>
+                        <a:rPr lang="zh-CN" altLang="en-US" sz="2000" b="1" kern="1200" dirty="0" smtClean="0">
+                          <a:solidFill>
+                            <a:schemeClr val="bg1"/>
+                          </a:solidFill>
+                          <a:latin typeface="+mn-lt"/>
+                          <a:ea typeface="+mn-ea"/>
+                          <a:cs typeface="+mn-cs"/>
+                        </a:rPr>
+                        <a:t>节点</a:t>
+                      </a:r>
+                      <a:r>
+                        <a:rPr lang="en-US" altLang="zh-CN" sz="2000" b="1" kern="1200" dirty="0" smtClean="0">
+                          <a:solidFill>
+                            <a:schemeClr val="bg1"/>
+                          </a:solidFill>
+                          <a:latin typeface="+mn-lt"/>
+                          <a:ea typeface="+mn-ea"/>
+                          <a:cs typeface="+mn-cs"/>
+                        </a:rPr>
+                        <a:t>.</a:t>
+                      </a:r>
+                      <a:r>
+                        <a:rPr lang="en-US" altLang="zh-CN" sz="2000" b="1" kern="1200" baseline="0" dirty="0" smtClean="0">
+                          <a:solidFill>
+                            <a:schemeClr val="bg1"/>
+                          </a:solidFill>
+                          <a:latin typeface="+mn-lt"/>
+                          <a:ea typeface="+mn-ea"/>
+                          <a:cs typeface="+mn-cs"/>
+                        </a:rPr>
+                        <a:t> </a:t>
+                      </a:r>
+                      <a:r>
+                        <a:rPr lang="zh-CN" altLang="en-US" sz="2000" b="1" kern="1200" baseline="0" dirty="0" smtClean="0">
+                          <a:solidFill>
+                            <a:schemeClr val="bg1"/>
+                          </a:solidFill>
+                          <a:latin typeface="+mn-lt"/>
+                          <a:ea typeface="+mn-ea"/>
+                          <a:cs typeface="+mn-cs"/>
+                        </a:rPr>
+                        <a:t>当</a:t>
+                      </a:r>
+                      <a:r>
+                        <a:rPr lang="en-US" altLang="zh-CN" sz="2000" b="1" kern="1200" baseline="0" dirty="0" smtClean="0">
+                          <a:solidFill>
+                            <a:schemeClr val="bg1"/>
+                          </a:solidFill>
+                          <a:latin typeface="+mn-lt"/>
+                          <a:ea typeface="+mn-ea"/>
+                          <a:cs typeface="+mn-cs"/>
+                        </a:rPr>
+                        <a:t>server-proxy</a:t>
+                      </a:r>
+                      <a:r>
+                        <a:rPr lang="zh-CN" altLang="en-US" sz="2000" b="1" kern="1200" baseline="0" dirty="0" smtClean="0">
+                          <a:solidFill>
+                            <a:schemeClr val="bg1"/>
+                          </a:solidFill>
+                          <a:latin typeface="+mn-lt"/>
+                          <a:ea typeface="+mn-ea"/>
+                          <a:cs typeface="+mn-cs"/>
+                        </a:rPr>
+                        <a:t>宕机后</a:t>
+                      </a:r>
+                      <a:r>
+                        <a:rPr lang="en-US" altLang="zh-CN" sz="2000" b="1" kern="1200" baseline="0" dirty="0" smtClean="0">
+                          <a:solidFill>
+                            <a:schemeClr val="bg1"/>
+                          </a:solidFill>
+                          <a:latin typeface="+mn-lt"/>
+                          <a:ea typeface="+mn-ea"/>
+                          <a:cs typeface="+mn-cs"/>
+                        </a:rPr>
+                        <a:t>, </a:t>
+                      </a:r>
+                      <a:r>
+                        <a:rPr lang="zh-CN" altLang="en-US" sz="2000" b="1" kern="1200" baseline="0" dirty="0" smtClean="0">
+                          <a:solidFill>
+                            <a:schemeClr val="bg1"/>
+                          </a:solidFill>
+                          <a:latin typeface="+mn-lt"/>
+                          <a:ea typeface="+mn-ea"/>
+                          <a:cs typeface="+mn-cs"/>
+                        </a:rPr>
+                        <a:t>节点会被自动删除</a:t>
+                      </a:r>
+                      <a:endParaRPr lang="zh-CN" altLang="en-US" sz="2000" b="1" kern="1200" dirty="0" smtClean="0">
+                        <a:solidFill>
+                          <a:schemeClr val="bg1"/>
+                        </a:solidFill>
+                        <a:latin typeface="+mn-lt"/>
+                        <a:ea typeface="+mn-ea"/>
+                        <a:cs typeface="+mn-cs"/>
+                      </a:endParaRPr>
+                    </a:p>
+                    <a:p>
+                      <a:pPr marL="457200" indent="-457200">
+                        <a:buAutoNum type="arabicParenBoth"/>
+                      </a:pPr>
+                      <a:endParaRPr lang="zh-CN" altLang="en-US" sz="2400" b="1" kern="1200" dirty="0" smtClean="0">
+                        <a:solidFill>
+                          <a:schemeClr val="bg1"/>
+                        </a:solidFill>
+                        <a:latin typeface="+mn-lt"/>
+                        <a:ea typeface="+mn-ea"/>
+                        <a:cs typeface="+mn-cs"/>
+                      </a:endParaRPr>
+                    </a:p>
+                  </a:txBody>
+                  <a:tcPr anchor="ctr"/>
+                </a:tc>
+              </a:tr>
+              <a:tr h="829128">
+                <a:tc>
+                  <a:txBody>
+                    <a:bodyPr/>
+                    <a:lstStyle/>
+                    <a:p>
+                      <a:r>
+                        <a:rPr lang="en-US" altLang="zh-CN" sz="2400" b="1" dirty="0" err="1" smtClean="0">
+                          <a:solidFill>
+                            <a:schemeClr val="bg1"/>
+                          </a:solidFill>
+                        </a:rPr>
+                        <a:t>datasource</a:t>
+                      </a:r>
+                      <a:endParaRPr lang="zh-CN" altLang="en-US" sz="2400" b="1" dirty="0">
+                        <a:solidFill>
+                          <a:schemeClr val="bg1"/>
+                        </a:solidFill>
+                      </a:endParaRPr>
+                    </a:p>
+                  </a:txBody>
+                  <a:tcPr anchor="ctr"/>
+                </a:tc>
+                <a:tc>
+                  <a:txBody>
+                    <a:bodyPr/>
+                    <a:lstStyle/>
+                    <a:p>
+                      <a:r>
+                        <a:rPr lang="en-US" altLang="zh-CN" sz="2400" b="1" dirty="0" smtClean="0">
+                          <a:solidFill>
+                            <a:schemeClr val="bg1"/>
+                          </a:solidFill>
+                        </a:rPr>
+                        <a:t>/cache/${namespace}/db</a:t>
+                      </a:r>
+                      <a:endParaRPr lang="zh-CN" altLang="en-US" sz="2400" b="1" dirty="0">
+                        <a:solidFill>
+                          <a:schemeClr val="bg1"/>
+                        </a:solidFill>
+                      </a:endParaRPr>
+                    </a:p>
+                  </a:txBody>
+                  <a:tcPr anchor="ctr"/>
+                </a:tc>
+                <a:tc>
+                  <a:txBody>
+                    <a:bodyPr/>
+                    <a:lstStyle/>
+                    <a:p>
+                      <a:pPr marL="457200" marR="0" indent="-457200" algn="l" defTabSz="914400" rtl="0" eaLnBrk="1" fontAlgn="auto" latinLnBrk="0" hangingPunct="1">
+                        <a:lnSpc>
+                          <a:spcPct val="100000"/>
+                        </a:lnSpc>
+                        <a:spcBef>
+                          <a:spcPts val="0"/>
+                        </a:spcBef>
+                        <a:spcAft>
+                          <a:spcPts val="0"/>
+                        </a:spcAft>
+                        <a:buClrTx/>
+                        <a:buSzTx/>
+                        <a:buFontTx/>
+                        <a:buAutoNum type="arabicParenBoth"/>
+                        <a:tabLst/>
+                        <a:defRPr/>
+                      </a:pPr>
+                      <a:r>
+                        <a:rPr lang="zh-CN" altLang="en-US" sz="2000" b="1" kern="1200" dirty="0" smtClean="0">
+                          <a:solidFill>
+                            <a:schemeClr val="bg1"/>
+                          </a:solidFill>
+                          <a:latin typeface="+mn-lt"/>
+                          <a:ea typeface="+mn-ea"/>
+                          <a:cs typeface="+mn-cs"/>
+                        </a:rPr>
+                        <a:t>对此路径添加</a:t>
+                      </a:r>
+                      <a:r>
+                        <a:rPr lang="en-US" altLang="zh-CN" sz="2000" b="1" kern="1200" dirty="0" err="1" smtClean="0">
+                          <a:solidFill>
+                            <a:schemeClr val="bg1"/>
+                          </a:solidFill>
+                          <a:latin typeface="+mn-lt"/>
+                          <a:ea typeface="+mn-ea"/>
+                          <a:cs typeface="+mn-cs"/>
+                        </a:rPr>
+                        <a:t>NodeChildrenChanged</a:t>
+                      </a:r>
+                      <a:r>
+                        <a:rPr lang="en-US" altLang="zh-CN" sz="2000" b="1" kern="1200" dirty="0" smtClean="0">
+                          <a:solidFill>
+                            <a:schemeClr val="bg1"/>
+                          </a:solidFill>
+                          <a:latin typeface="+mn-lt"/>
+                          <a:ea typeface="+mn-ea"/>
+                          <a:cs typeface="+mn-cs"/>
+                        </a:rPr>
+                        <a:t> watch, </a:t>
+                      </a:r>
+                      <a:r>
+                        <a:rPr lang="zh-CN" altLang="en-US" sz="2000" b="1" kern="1200" dirty="0" smtClean="0">
+                          <a:solidFill>
+                            <a:schemeClr val="bg1"/>
+                          </a:solidFill>
+                          <a:latin typeface="+mn-lt"/>
+                          <a:ea typeface="+mn-ea"/>
+                          <a:cs typeface="+mn-cs"/>
+                        </a:rPr>
+                        <a:t>检测</a:t>
+                      </a:r>
+                      <a:r>
+                        <a:rPr lang="en-US" altLang="zh-CN" sz="2000" b="1" kern="1200" dirty="0" err="1" smtClean="0">
+                          <a:solidFill>
+                            <a:schemeClr val="bg1"/>
+                          </a:solidFill>
+                          <a:latin typeface="+mn-lt"/>
+                          <a:ea typeface="+mn-ea"/>
+                          <a:cs typeface="+mn-cs"/>
+                        </a:rPr>
+                        <a:t>datasource</a:t>
+                      </a:r>
+                      <a:r>
+                        <a:rPr lang="zh-CN" altLang="en-US" sz="2000" b="1" kern="1200" dirty="0" smtClean="0">
+                          <a:solidFill>
+                            <a:schemeClr val="bg1"/>
+                          </a:solidFill>
+                          <a:latin typeface="+mn-lt"/>
+                          <a:ea typeface="+mn-ea"/>
+                          <a:cs typeface="+mn-cs"/>
+                        </a:rPr>
+                        <a:t>集群变化</a:t>
+                      </a:r>
+                      <a:endParaRPr lang="en-US" altLang="zh-CN" sz="2000" b="1" kern="1200" dirty="0" smtClean="0">
+                        <a:solidFill>
+                          <a:schemeClr val="bg1"/>
+                        </a:solidFill>
+                        <a:latin typeface="+mn-lt"/>
+                        <a:ea typeface="+mn-ea"/>
+                        <a:cs typeface="+mn-cs"/>
+                      </a:endParaRPr>
+                    </a:p>
+                    <a:p>
+                      <a:pPr marL="457200" marR="0" indent="-457200" algn="l" defTabSz="914400" rtl="0" eaLnBrk="1" fontAlgn="auto" latinLnBrk="0" hangingPunct="1">
+                        <a:lnSpc>
+                          <a:spcPct val="100000"/>
+                        </a:lnSpc>
+                        <a:spcBef>
+                          <a:spcPts val="0"/>
+                        </a:spcBef>
+                        <a:spcAft>
+                          <a:spcPts val="0"/>
+                        </a:spcAft>
+                        <a:buClrTx/>
+                        <a:buSzTx/>
+                        <a:buFontTx/>
+                        <a:buAutoNum type="arabicParenBoth"/>
+                        <a:tabLst/>
+                        <a:defRPr/>
+                      </a:pPr>
+                      <a:r>
+                        <a:rPr lang="zh-CN" altLang="en-US" sz="2000" b="1" kern="1200" dirty="0" smtClean="0">
+                          <a:solidFill>
+                            <a:schemeClr val="bg1"/>
+                          </a:solidFill>
+                          <a:latin typeface="+mn-lt"/>
+                          <a:ea typeface="+mn-ea"/>
+                          <a:cs typeface="+mn-cs"/>
+                        </a:rPr>
+                        <a:t>每个</a:t>
+                      </a:r>
+                      <a:r>
+                        <a:rPr lang="en-US" altLang="zh-CN" sz="2000" b="1" kern="1200" dirty="0" err="1" smtClean="0">
+                          <a:solidFill>
+                            <a:schemeClr val="bg1"/>
+                          </a:solidFill>
+                          <a:latin typeface="+mn-lt"/>
+                          <a:ea typeface="+mn-ea"/>
+                          <a:cs typeface="+mn-cs"/>
+                        </a:rPr>
+                        <a:t>datasource</a:t>
+                      </a:r>
+                      <a:r>
+                        <a:rPr lang="zh-CN" altLang="en-US" sz="2000" b="1" kern="1200" dirty="0" smtClean="0">
+                          <a:solidFill>
+                            <a:schemeClr val="bg1"/>
+                          </a:solidFill>
+                          <a:latin typeface="+mn-lt"/>
+                          <a:ea typeface="+mn-ea"/>
+                          <a:cs typeface="+mn-cs"/>
+                        </a:rPr>
+                        <a:t>存放在此目录下</a:t>
+                      </a:r>
+                      <a:r>
+                        <a:rPr lang="en-US" altLang="zh-CN" sz="2000" b="1" kern="1200" dirty="0" smtClean="0">
+                          <a:solidFill>
+                            <a:schemeClr val="bg1"/>
+                          </a:solidFill>
+                          <a:latin typeface="+mn-lt"/>
+                          <a:ea typeface="+mn-ea"/>
+                          <a:cs typeface="+mn-cs"/>
+                        </a:rPr>
+                        <a:t>, </a:t>
+                      </a:r>
+                      <a:r>
+                        <a:rPr lang="zh-CN" altLang="en-US" sz="2000" b="1" kern="1200" dirty="0" smtClean="0">
+                          <a:solidFill>
+                            <a:schemeClr val="bg1"/>
+                          </a:solidFill>
+                          <a:latin typeface="+mn-lt"/>
+                          <a:ea typeface="+mn-ea"/>
+                          <a:cs typeface="+mn-cs"/>
+                        </a:rPr>
+                        <a:t>节点类型为</a:t>
+                      </a:r>
+                      <a:r>
+                        <a:rPr lang="en-US" altLang="zh-CN" sz="2000" b="1" kern="1200" dirty="0" smtClean="0">
+                          <a:solidFill>
+                            <a:schemeClr val="bg1"/>
+                          </a:solidFill>
+                          <a:latin typeface="+mn-lt"/>
+                          <a:ea typeface="+mn-ea"/>
+                          <a:cs typeface="+mn-cs"/>
+                        </a:rPr>
+                        <a:t>Sequential Persistent</a:t>
+                      </a:r>
+                      <a:r>
+                        <a:rPr lang="zh-CN" altLang="en-US" sz="2000" b="1" kern="1200" dirty="0" smtClean="0">
+                          <a:solidFill>
+                            <a:schemeClr val="bg1"/>
+                          </a:solidFill>
+                          <a:latin typeface="+mn-lt"/>
+                          <a:ea typeface="+mn-ea"/>
+                          <a:cs typeface="+mn-cs"/>
+                        </a:rPr>
+                        <a:t>节点</a:t>
+                      </a:r>
+                      <a:r>
+                        <a:rPr lang="en-US" altLang="zh-CN" sz="2000" b="1" kern="1200" dirty="0" smtClean="0">
+                          <a:solidFill>
+                            <a:schemeClr val="bg1"/>
+                          </a:solidFill>
+                          <a:latin typeface="+mn-lt"/>
+                          <a:ea typeface="+mn-ea"/>
+                          <a:cs typeface="+mn-cs"/>
+                        </a:rPr>
+                        <a:t>.</a:t>
+                      </a:r>
+                    </a:p>
+                  </a:txBody>
+                  <a:tcPr anchor="ctr"/>
+                </a:tc>
+              </a:tr>
+              <a:tr h="829128">
+                <a:tc rowSpan="3">
+                  <a:txBody>
+                    <a:bodyPr/>
+                    <a:lstStyle/>
+                    <a:p>
+                      <a:r>
+                        <a:rPr lang="en-US" altLang="zh-CN" sz="2400" b="1" dirty="0" err="1" smtClean="0">
+                          <a:solidFill>
+                            <a:schemeClr val="bg1"/>
+                          </a:solidFill>
+                        </a:rPr>
+                        <a:t>redis</a:t>
+                      </a:r>
+                      <a:r>
+                        <a:rPr lang="en-US" altLang="zh-CN" sz="2400" b="1" dirty="0" smtClean="0">
+                          <a:solidFill>
+                            <a:schemeClr val="bg1"/>
+                          </a:solidFill>
+                        </a:rPr>
+                        <a:t>-cluster</a:t>
+                      </a:r>
+                      <a:endParaRPr lang="zh-CN" altLang="en-US" sz="2400" b="1" dirty="0">
+                        <a:solidFill>
+                          <a:schemeClr val="bg1"/>
+                        </a:solidFill>
+                      </a:endParaRPr>
+                    </a:p>
+                  </a:txBody>
+                  <a:tcPr anchor="ctr"/>
+                </a:tc>
+                <a:tc>
+                  <a:txBody>
+                    <a:bodyPr/>
+                    <a:lstStyle/>
+                    <a:p>
+                      <a:pPr marL="0" marR="0" indent="0" algn="l" defTabSz="914400" rtl="0" eaLnBrk="1" fontAlgn="auto" latinLnBrk="0" hangingPunct="1">
+                        <a:lnSpc>
+                          <a:spcPct val="100000"/>
+                        </a:lnSpc>
+                        <a:spcBef>
+                          <a:spcPts val="0"/>
+                        </a:spcBef>
+                        <a:spcAft>
+                          <a:spcPts val="0"/>
+                        </a:spcAft>
+                        <a:buClrTx/>
+                        <a:buSzTx/>
+                        <a:buFontTx/>
+                        <a:buNone/>
+                        <a:tabLst/>
+                        <a:defRPr/>
+                      </a:pPr>
+                      <a:r>
+                        <a:rPr lang="en-US" altLang="zh-CN" sz="2400" b="1" dirty="0" smtClean="0">
+                          <a:solidFill>
+                            <a:schemeClr val="bg1"/>
+                          </a:solidFill>
+                        </a:rPr>
+                        <a:t>/cache/${namespace}/group/</a:t>
+                      </a:r>
+                    </a:p>
+                  </a:txBody>
+                  <a:tcPr anchor="ctr"/>
+                </a:tc>
+                <a:tc>
+                  <a:txBody>
+                    <a:bodyPr/>
+                    <a:lstStyle/>
+                    <a:p>
+                      <a:pPr marL="457200" indent="-457200">
+                        <a:buAutoNum type="arabicParenBoth"/>
+                      </a:pPr>
+                      <a:r>
+                        <a:rPr lang="zh-CN" altLang="en-US" sz="2000" b="1" dirty="0" smtClean="0">
+                          <a:solidFill>
+                            <a:schemeClr val="bg1"/>
+                          </a:solidFill>
+                        </a:rPr>
+                        <a:t>集群中组的存放路径</a:t>
+                      </a:r>
+                      <a:r>
+                        <a:rPr lang="en-US" altLang="zh-CN" sz="2000" b="1" dirty="0" smtClean="0">
+                          <a:solidFill>
+                            <a:schemeClr val="bg1"/>
+                          </a:solidFill>
+                        </a:rPr>
+                        <a:t>,</a:t>
+                      </a:r>
+                      <a:r>
+                        <a:rPr lang="en-US" altLang="zh-CN" sz="2000" b="1" baseline="0" dirty="0" smtClean="0">
+                          <a:solidFill>
+                            <a:schemeClr val="bg1"/>
+                          </a:solidFill>
+                        </a:rPr>
+                        <a:t> </a:t>
+                      </a:r>
+                      <a:r>
+                        <a:rPr lang="zh-CN" altLang="en-US" sz="2000" b="1" baseline="0" dirty="0" smtClean="0">
+                          <a:solidFill>
+                            <a:schemeClr val="bg1"/>
+                          </a:solidFill>
+                        </a:rPr>
+                        <a:t>对此路径添加</a:t>
+                      </a:r>
+                      <a:r>
+                        <a:rPr lang="en-US" altLang="zh-CN" sz="2000" b="1" kern="1200" dirty="0" err="1" smtClean="0">
+                          <a:solidFill>
+                            <a:schemeClr val="bg1"/>
+                          </a:solidFill>
+                          <a:latin typeface="+mn-lt"/>
+                          <a:ea typeface="+mn-ea"/>
+                          <a:cs typeface="+mn-cs"/>
+                        </a:rPr>
+                        <a:t>NodeChildrenChanged</a:t>
+                      </a:r>
+                      <a:r>
+                        <a:rPr lang="en-US" altLang="zh-CN" sz="2000" b="1" kern="1200" dirty="0" smtClean="0">
+                          <a:solidFill>
+                            <a:schemeClr val="bg1"/>
+                          </a:solidFill>
+                          <a:latin typeface="+mn-lt"/>
+                          <a:ea typeface="+mn-ea"/>
+                          <a:cs typeface="+mn-cs"/>
+                        </a:rPr>
+                        <a:t> watch</a:t>
+                      </a:r>
+                    </a:p>
+                    <a:p>
+                      <a:pPr marL="457200" marR="0" indent="-457200" algn="l" defTabSz="914400" rtl="0" eaLnBrk="1" fontAlgn="auto" latinLnBrk="0" hangingPunct="1">
+                        <a:lnSpc>
+                          <a:spcPct val="100000"/>
+                        </a:lnSpc>
+                        <a:spcBef>
+                          <a:spcPts val="0"/>
+                        </a:spcBef>
+                        <a:spcAft>
+                          <a:spcPts val="0"/>
+                        </a:spcAft>
+                        <a:buClrTx/>
+                        <a:buSzTx/>
+                        <a:buFontTx/>
+                        <a:buAutoNum type="arabicParenBoth"/>
+                        <a:tabLst/>
+                        <a:defRPr/>
+                      </a:pPr>
+                      <a:r>
+                        <a:rPr lang="zh-CN" altLang="en-US" sz="2000" b="1" kern="1200" dirty="0" smtClean="0">
+                          <a:solidFill>
+                            <a:schemeClr val="bg1"/>
+                          </a:solidFill>
+                          <a:latin typeface="+mn-lt"/>
+                          <a:ea typeface="+mn-ea"/>
+                          <a:cs typeface="+mn-cs"/>
+                        </a:rPr>
+                        <a:t>每个分组信息存放到</a:t>
+                      </a:r>
+                      <a:r>
+                        <a:rPr lang="en-US" altLang="zh-CN" sz="2000" b="1" dirty="0" smtClean="0">
+                          <a:solidFill>
+                            <a:schemeClr val="bg1"/>
+                          </a:solidFill>
+                        </a:rPr>
+                        <a:t>/cache/${namespace}/group/${</a:t>
+                      </a:r>
+                      <a:r>
+                        <a:rPr lang="en-US" altLang="zh-CN" sz="2000" b="1" dirty="0" err="1" smtClean="0">
+                          <a:solidFill>
+                            <a:schemeClr val="bg1"/>
+                          </a:solidFill>
+                        </a:rPr>
+                        <a:t>groupIndex</a:t>
+                      </a:r>
+                      <a:r>
+                        <a:rPr lang="en-US" altLang="zh-CN" sz="2000" b="1" dirty="0" smtClean="0">
+                          <a:solidFill>
+                            <a:schemeClr val="bg1"/>
+                          </a:solidFill>
+                        </a:rPr>
+                        <a:t>}</a:t>
+                      </a:r>
+                    </a:p>
+                  </a:txBody>
+                  <a:tcPr anchor="ctr"/>
+                </a:tc>
+              </a:tr>
+              <a:tr h="829128">
+                <a:tc vMerge="1">
+                  <a:txBody>
+                    <a:bodyPr/>
+                    <a:lstStyle/>
+                    <a:p>
+                      <a:endParaRPr lang="zh-CN" altLang="en-US" sz="2400" b="1" dirty="0">
+                        <a:solidFill>
+                          <a:schemeClr val="bg1"/>
+                        </a:solidFill>
+                      </a:endParaRPr>
+                    </a:p>
+                  </a:txBody>
+                  <a:tcPr anchor="ctr"/>
+                </a:tc>
+                <a:tc>
+                  <a:txBody>
+                    <a:bodyPr/>
+                    <a:lstStyle/>
+                    <a:p>
+                      <a:pPr marL="0" marR="0" indent="0" algn="l" defTabSz="914400" rtl="0" eaLnBrk="1" fontAlgn="auto" latinLnBrk="0" hangingPunct="1">
+                        <a:lnSpc>
+                          <a:spcPct val="100000"/>
+                        </a:lnSpc>
+                        <a:spcBef>
+                          <a:spcPts val="0"/>
+                        </a:spcBef>
+                        <a:spcAft>
+                          <a:spcPts val="0"/>
+                        </a:spcAft>
+                        <a:buClrTx/>
+                        <a:buSzTx/>
+                        <a:buFontTx/>
+                        <a:buNone/>
+                        <a:tabLst/>
+                        <a:defRPr/>
+                      </a:pPr>
+                      <a:r>
+                        <a:rPr lang="en-US" altLang="zh-CN" sz="2400" b="1" dirty="0" smtClean="0">
+                          <a:solidFill>
+                            <a:schemeClr val="bg1"/>
+                          </a:solidFill>
+                        </a:rPr>
+                        <a:t>/cache/${namespace}/group/${</a:t>
+                      </a:r>
+                      <a:r>
+                        <a:rPr lang="en-US" altLang="zh-CN" sz="2400" b="1" dirty="0" err="1" smtClean="0">
+                          <a:solidFill>
+                            <a:schemeClr val="bg1"/>
+                          </a:solidFill>
+                        </a:rPr>
+                        <a:t>groupIndex</a:t>
+                      </a:r>
+                      <a:r>
+                        <a:rPr lang="en-US" altLang="zh-CN" sz="2400" b="1" dirty="0" smtClean="0">
+                          <a:solidFill>
+                            <a:schemeClr val="bg1"/>
+                          </a:solidFill>
+                        </a:rPr>
+                        <a:t>}/slot</a:t>
+                      </a:r>
+                      <a:endParaRPr lang="zh-CN" altLang="en-US" sz="2400" b="1" dirty="0" smtClean="0">
+                        <a:solidFill>
+                          <a:schemeClr val="bg1"/>
+                        </a:solidFill>
+                      </a:endParaRPr>
+                    </a:p>
+                  </a:txBody>
+                  <a:tcPr anchor="ctr"/>
+                </a:tc>
+                <a:tc>
+                  <a:txBody>
+                    <a:bodyPr/>
+                    <a:lstStyle/>
+                    <a:p>
+                      <a:r>
+                        <a:rPr lang="zh-CN" altLang="en-US" sz="2000" b="1" dirty="0" smtClean="0">
+                          <a:solidFill>
+                            <a:schemeClr val="bg1"/>
+                          </a:solidFill>
+                        </a:rPr>
+                        <a:t>每个分组拥有的槽点数信息</a:t>
+                      </a:r>
+                      <a:r>
+                        <a:rPr lang="en-US" altLang="zh-CN" sz="2000" b="1" dirty="0" smtClean="0">
+                          <a:solidFill>
+                            <a:schemeClr val="bg1"/>
+                          </a:solidFill>
+                        </a:rPr>
+                        <a:t>, </a:t>
+                      </a:r>
+                      <a:r>
+                        <a:rPr lang="zh-CN" altLang="en-US" sz="2000" b="1" dirty="0" smtClean="0">
+                          <a:solidFill>
+                            <a:schemeClr val="bg1"/>
+                          </a:solidFill>
+                        </a:rPr>
+                        <a:t>用于</a:t>
+                      </a:r>
+                      <a:r>
+                        <a:rPr lang="en-US" altLang="zh-CN" sz="2000" b="1" dirty="0" err="1" smtClean="0">
+                          <a:solidFill>
+                            <a:schemeClr val="bg1"/>
+                          </a:solidFill>
+                        </a:rPr>
+                        <a:t>sharding</a:t>
+                      </a:r>
+                      <a:r>
+                        <a:rPr lang="en-US" altLang="zh-CN" sz="2000" b="1" dirty="0" smtClean="0">
+                          <a:solidFill>
+                            <a:schemeClr val="bg1"/>
+                          </a:solidFill>
+                        </a:rPr>
+                        <a:t>/</a:t>
+                      </a:r>
+                      <a:r>
+                        <a:rPr lang="en-US" altLang="zh-CN" sz="2000" b="1" dirty="0" err="1" smtClean="0">
+                          <a:solidFill>
+                            <a:schemeClr val="bg1"/>
+                          </a:solidFill>
+                        </a:rPr>
+                        <a:t>resharding</a:t>
+                      </a:r>
+                      <a:endParaRPr lang="zh-CN" altLang="en-US" sz="2000" b="1" dirty="0">
+                        <a:solidFill>
+                          <a:schemeClr val="bg1"/>
+                        </a:solidFill>
+                      </a:endParaRPr>
+                    </a:p>
+                  </a:txBody>
+                  <a:tcPr anchor="ctr"/>
+                </a:tc>
+              </a:tr>
+              <a:tr h="829128">
+                <a:tc vMerge="1">
+                  <a:txBody>
+                    <a:bodyPr/>
+                    <a:lstStyle/>
+                    <a:p>
+                      <a:endParaRPr lang="zh-CN" altLang="en-US" sz="2400" b="1" dirty="0">
+                        <a:solidFill>
+                          <a:schemeClr val="bg1"/>
+                        </a:solidFill>
+                      </a:endParaRPr>
+                    </a:p>
+                  </a:txBody>
+                  <a:tcPr anchor="ctr"/>
+                </a:tc>
+                <a:tc>
+                  <a:txBody>
+                    <a:bodyPr/>
+                    <a:lstStyle/>
+                    <a:p>
+                      <a:pPr marL="0" marR="0" indent="0" algn="l" defTabSz="914400" rtl="0" eaLnBrk="1" fontAlgn="auto" latinLnBrk="0" hangingPunct="1">
+                        <a:lnSpc>
+                          <a:spcPct val="100000"/>
+                        </a:lnSpc>
+                        <a:spcBef>
+                          <a:spcPts val="0"/>
+                        </a:spcBef>
+                        <a:spcAft>
+                          <a:spcPts val="0"/>
+                        </a:spcAft>
+                        <a:buClrTx/>
+                        <a:buSzTx/>
+                        <a:buFontTx/>
+                        <a:buNone/>
+                        <a:tabLst/>
+                        <a:defRPr/>
+                      </a:pPr>
+                      <a:r>
+                        <a:rPr lang="en-US" altLang="zh-CN" sz="2400" b="1" dirty="0" smtClean="0">
+                          <a:solidFill>
+                            <a:schemeClr val="bg1"/>
+                          </a:solidFill>
+                        </a:rPr>
+                        <a:t>/cache/${namespace}/group/${</a:t>
+                      </a:r>
+                      <a:r>
+                        <a:rPr lang="en-US" altLang="zh-CN" sz="2400" b="1" dirty="0" err="1" smtClean="0">
+                          <a:solidFill>
+                            <a:schemeClr val="bg1"/>
+                          </a:solidFill>
+                        </a:rPr>
+                        <a:t>groupIndex</a:t>
+                      </a:r>
+                      <a:r>
+                        <a:rPr lang="en-US" altLang="zh-CN" sz="2400" b="1" dirty="0" smtClean="0">
+                          <a:solidFill>
+                            <a:schemeClr val="bg1"/>
+                          </a:solidFill>
+                        </a:rPr>
+                        <a:t>}/master</a:t>
+                      </a:r>
+                      <a:endParaRPr lang="zh-CN" altLang="en-US" sz="2400" b="1" dirty="0" smtClean="0">
+                        <a:solidFill>
+                          <a:schemeClr val="bg1"/>
+                        </a:solidFill>
+                      </a:endParaRPr>
+                    </a:p>
+                  </a:txBody>
+                  <a:tcPr anchor="ctr"/>
+                </a:tc>
+                <a:tc>
+                  <a:txBody>
+                    <a:bodyPr/>
+                    <a:lstStyle/>
+                    <a:p>
+                      <a:r>
+                        <a:rPr lang="zh-CN" altLang="en-US" sz="2000" b="1" dirty="0" smtClean="0">
+                          <a:solidFill>
+                            <a:schemeClr val="bg1"/>
+                          </a:solidFill>
+                        </a:rPr>
+                        <a:t>每个分组中</a:t>
+                      </a:r>
+                      <a:r>
+                        <a:rPr lang="en-US" altLang="zh-CN" sz="2000" b="1" dirty="0" smtClean="0">
+                          <a:solidFill>
+                            <a:schemeClr val="bg1"/>
+                          </a:solidFill>
+                        </a:rPr>
+                        <a:t>master </a:t>
+                      </a:r>
+                      <a:r>
+                        <a:rPr lang="en-US" altLang="zh-CN" sz="2000" b="1" dirty="0" err="1" smtClean="0">
+                          <a:solidFill>
+                            <a:schemeClr val="bg1"/>
+                          </a:solidFill>
+                        </a:rPr>
+                        <a:t>redis</a:t>
+                      </a:r>
+                      <a:r>
+                        <a:rPr lang="zh-CN" altLang="en-US" sz="2000" b="1" dirty="0" smtClean="0">
+                          <a:solidFill>
+                            <a:schemeClr val="bg1"/>
+                          </a:solidFill>
+                        </a:rPr>
+                        <a:t>节点存放信息</a:t>
+                      </a:r>
+                      <a:r>
+                        <a:rPr lang="en-US" altLang="zh-CN" sz="2000" b="1" dirty="0" smtClean="0">
+                          <a:solidFill>
+                            <a:schemeClr val="bg1"/>
+                          </a:solidFill>
+                        </a:rPr>
+                        <a:t>. </a:t>
+                      </a:r>
+                      <a:r>
+                        <a:rPr lang="zh-CN" altLang="en-US" sz="2000" b="1" dirty="0" smtClean="0">
+                          <a:solidFill>
+                            <a:schemeClr val="bg1"/>
+                          </a:solidFill>
+                        </a:rPr>
+                        <a:t>一个分组只能有一个</a:t>
+                      </a:r>
+                      <a:r>
+                        <a:rPr lang="en-US" altLang="zh-CN" sz="2000" b="1" dirty="0" smtClean="0">
+                          <a:solidFill>
+                            <a:schemeClr val="bg1"/>
+                          </a:solidFill>
+                        </a:rPr>
+                        <a:t>master</a:t>
+                      </a:r>
+                      <a:r>
+                        <a:rPr lang="zh-CN" altLang="en-US" sz="2000" b="1" dirty="0" smtClean="0">
+                          <a:solidFill>
+                            <a:schemeClr val="bg1"/>
+                          </a:solidFill>
+                        </a:rPr>
+                        <a:t>节点</a:t>
+                      </a:r>
+                      <a:endParaRPr lang="zh-CN" altLang="en-US" sz="2000" b="1" dirty="0">
+                        <a:solidFill>
+                          <a:schemeClr val="bg1"/>
+                        </a:solidFill>
+                      </a:endParaRPr>
+                    </a:p>
+                  </a:txBody>
+                  <a:tcPr anchor="ctr"/>
+                </a:tc>
+              </a:tr>
+            </a:tbl>
+          </a:graphicData>
+        </a:graphic>
+      </p:graphicFrame>
+    </p:spTree>
+  </p:cSld>
+  <p:clrMapOvr>
+    <a:masterClrMapping/>
+  </p:clrMapOvr>
+  <p:transition spd="med"/>
+  <p:timing>
+    <p:tnLst>
+      <p:par>
+        <p:cTn id="1" dur="indefinite" restart="never" nodeType="tmRoot"/>
+      </p:par>
+    </p:tnLst>
+  </p:timing>
+</p:sld>
+</file>
+
+<file path=ppt/slides/slide2.xml><?xml version="1.0" encoding="utf-8"?>
+<p:sld xmlns:a="http://schemas.openxmlformats.org/drawingml/2006/main" xmlns:r="http://schemas.openxmlformats.org/officeDocument/2006/relationships" xmlns:p="http://schemas.openxmlformats.org/presentationml/2006/main">
+  <p:cSld>
+    <p:spTree>
+      <p:nvGrpSpPr>
+        <p:cNvPr id="1" name=""/>
+        <p:cNvGrpSpPr/>
+        <p:nvPr/>
+      </p:nvGrpSpPr>
+      <p:grpSpPr>
+        <a:xfrm>
+          <a:off x="0" y="0"/>
+          <a:ext cx="0" cy="0"/>
+          <a:chOff x="0" y="0"/>
+          <a:chExt cx="0" cy="0"/>
+        </a:xfrm>
+      </p:grpSpPr>
+      <p:sp>
+        <p:nvSpPr>
+          <p:cNvPr id="4098" name="未知"/>
+          <p:cNvSpPr>
+            <a:spLocks/>
+          </p:cNvSpPr>
+          <p:nvPr/>
+        </p:nvSpPr>
+        <p:spPr bwMode="auto">
+          <a:xfrm>
+            <a:off x="22225" y="844550"/>
+            <a:ext cx="5041900" cy="76200"/>
+          </a:xfrm>
+          <a:custGeom>
+            <a:avLst/>
+            <a:gdLst>
+              <a:gd name="T0" fmla="*/ 0 w 5367"/>
+              <a:gd name="T1" fmla="*/ 0 h 644"/>
+              <a:gd name="T2" fmla="*/ 2147483647 w 5367"/>
+              <a:gd name="T3" fmla="*/ 0 h 644"/>
+              <a:gd name="T4" fmla="*/ 0 60000 65536"/>
+              <a:gd name="T5" fmla="*/ 0 60000 65536"/>
+              <a:gd name="T6" fmla="*/ 0 w 5367"/>
+              <a:gd name="T7" fmla="*/ 0 h 644"/>
+              <a:gd name="T8" fmla="*/ 5367 w 5367"/>
+              <a:gd name="T9" fmla="*/ 644 h 644"/>
+            </a:gdLst>
+            <a:ahLst/>
+            <a:cxnLst>
+              <a:cxn ang="T4">
+                <a:pos x="T0" y="T1"/>
+              </a:cxn>
+              <a:cxn ang="T5">
+                <a:pos x="T2" y="T3"/>
+              </a:cxn>
+            </a:cxnLst>
+            <a:rect l="T6" t="T7" r="T8" b="T9"/>
+            <a:pathLst>
+              <a:path w="5367" h="644">
+                <a:moveTo>
+                  <a:pt x="0" y="0"/>
+                </a:moveTo>
+                <a:lnTo>
+                  <a:pt x="5367" y="0"/>
+                </a:lnTo>
+              </a:path>
+            </a:pathLst>
+          </a:custGeom>
+          <a:noFill/>
+          <a:ln w="22225">
+            <a:solidFill>
+              <a:srgbClr val="E83100"/>
+            </a:solidFill>
+            <a:round/>
+            <a:headEnd/>
+            <a:tailEnd/>
+          </a:ln>
+        </p:spPr>
+        <p:txBody>
+          <a:bodyPr lIns="0" tIns="0" rIns="0" bIns="0" anchor="ctr">
+            <a:spAutoFit/>
+          </a:bodyPr>
+          <a:lstStyle/>
+          <a:p>
+            <a:endParaRPr lang="zh-CN" altLang="en-US"/>
+          </a:p>
+        </p:txBody>
+      </p:sp>
+      <p:sp>
+        <p:nvSpPr>
+          <p:cNvPr id="4099" name="Rectangle 5" descr="harmony_tile_blue"/>
+          <p:cNvSpPr>
+            <a:spLocks noChangeArrowheads="1"/>
+          </p:cNvSpPr>
+          <p:nvPr/>
+        </p:nvSpPr>
+        <p:spPr bwMode="auto">
+          <a:xfrm>
+            <a:off x="741363" y="5092700"/>
+            <a:ext cx="11593512" cy="650875"/>
+          </a:xfrm>
+          <a:prstGeom prst="rect">
+            <a:avLst/>
+          </a:prstGeom>
+          <a:noFill/>
+          <a:ln w="9525">
+            <a:noFill/>
+            <a:miter lim="800000"/>
+            <a:headEnd/>
+            <a:tailEnd/>
+          </a:ln>
+        </p:spPr>
+        <p:txBody>
+          <a:bodyPr lIns="50800" tIns="50800" rIns="50800" bIns="50800" anchor="ctr">
+            <a:spAutoFit/>
+          </a:bodyPr>
+          <a:lstStyle/>
+          <a:p>
+            <a:pPr algn="l"/>
+            <a:endParaRPr lang="zh-CN" altLang="en-US">
+              <a:ea typeface="宋体" pitchFamily="2" charset="-122"/>
+            </a:endParaRPr>
+          </a:p>
+        </p:txBody>
+      </p:sp>
+      <p:sp>
+        <p:nvSpPr>
+          <p:cNvPr id="4100" name="TextBox 3"/>
+          <p:cNvSpPr txBox="1">
+            <a:spLocks noChangeArrowheads="1"/>
+          </p:cNvSpPr>
+          <p:nvPr/>
+        </p:nvSpPr>
+        <p:spPr bwMode="auto">
+          <a:xfrm>
+            <a:off x="598488" y="31750"/>
+            <a:ext cx="1511300" cy="830263"/>
+          </a:xfrm>
+          <a:prstGeom prst="rect">
+            <a:avLst/>
+          </a:prstGeom>
+          <a:noFill/>
+          <a:ln w="9525">
+            <a:noFill/>
+            <a:miter lim="800000"/>
+            <a:headEnd/>
+            <a:tailEnd/>
+          </a:ln>
+        </p:spPr>
+        <p:txBody>
+          <a:bodyPr>
+            <a:spAutoFit/>
+          </a:bodyPr>
+          <a:lstStyle/>
+          <a:p>
+            <a:pPr algn="l"/>
+            <a:r>
+              <a:rPr lang="zh-CN" altLang="en-US" sz="4800"/>
+              <a:t>目录</a:t>
+            </a:r>
+          </a:p>
+        </p:txBody>
+      </p:sp>
+      <p:sp>
+        <p:nvSpPr>
+          <p:cNvPr id="4101" name="TextBox 4"/>
+          <p:cNvSpPr txBox="1">
+            <a:spLocks noChangeArrowheads="1"/>
+          </p:cNvSpPr>
+          <p:nvPr/>
+        </p:nvSpPr>
+        <p:spPr bwMode="auto">
+          <a:xfrm>
+            <a:off x="1462088" y="1997075"/>
+            <a:ext cx="8064500" cy="5078413"/>
+          </a:xfrm>
+          <a:prstGeom prst="rect">
+            <a:avLst/>
+          </a:prstGeom>
+          <a:noFill/>
+          <a:ln w="9525">
+            <a:noFill/>
+            <a:miter lim="800000"/>
+            <a:headEnd/>
+            <a:tailEnd/>
+          </a:ln>
+        </p:spPr>
+        <p:txBody>
+          <a:bodyPr>
+            <a:spAutoFit/>
+          </a:bodyPr>
+          <a:lstStyle/>
+          <a:p>
+            <a:pPr algn="l"/>
+            <a:r>
+              <a:rPr lang="en-US" altLang="zh-CN" dirty="0"/>
+              <a:t>Part 1: </a:t>
+            </a:r>
+            <a:r>
+              <a:rPr lang="zh-CN" altLang="en-US" dirty="0"/>
+              <a:t>任务分析</a:t>
+            </a:r>
+            <a:endParaRPr lang="en-US" altLang="zh-CN" dirty="0"/>
+          </a:p>
+          <a:p>
+            <a:pPr algn="l"/>
+            <a:endParaRPr lang="en-US" altLang="zh-CN" dirty="0"/>
+          </a:p>
+          <a:p>
+            <a:pPr algn="l"/>
+            <a:r>
+              <a:rPr lang="en-US" altLang="zh-CN" dirty="0"/>
+              <a:t>Part 2: </a:t>
+            </a:r>
+            <a:r>
+              <a:rPr lang="zh-CN" altLang="en-US" dirty="0" smtClean="0"/>
+              <a:t>设计选型</a:t>
+            </a:r>
+            <a:endParaRPr lang="en-US" altLang="zh-CN" dirty="0"/>
+          </a:p>
+          <a:p>
+            <a:pPr algn="l"/>
+            <a:endParaRPr lang="en-US" altLang="zh-CN" dirty="0"/>
+          </a:p>
+          <a:p>
+            <a:pPr algn="l"/>
+            <a:r>
+              <a:rPr lang="en-US" altLang="zh-CN" dirty="0"/>
+              <a:t>Part 3: </a:t>
+            </a:r>
+            <a:r>
+              <a:rPr lang="zh-CN" altLang="en-US" dirty="0"/>
+              <a:t>整体设计</a:t>
+            </a:r>
+            <a:endParaRPr lang="en-US" altLang="zh-CN" dirty="0"/>
+          </a:p>
+          <a:p>
+            <a:pPr algn="l"/>
+            <a:endParaRPr lang="en-US" altLang="zh-CN" dirty="0"/>
+          </a:p>
+          <a:p>
+            <a:pPr algn="l"/>
+            <a:r>
+              <a:rPr lang="en-US" altLang="zh-CN" dirty="0"/>
+              <a:t>Part 4</a:t>
+            </a:r>
+            <a:r>
+              <a:rPr lang="en-US" altLang="zh-CN" dirty="0" smtClean="0"/>
+              <a:t>:</a:t>
+            </a:r>
+            <a:r>
+              <a:rPr lang="zh-CN" altLang="en-US" dirty="0" smtClean="0"/>
+              <a:t>细节设计</a:t>
+            </a:r>
+            <a:endParaRPr lang="en-US" altLang="zh-CN" dirty="0"/>
+          </a:p>
+          <a:p>
+            <a:pPr algn="l"/>
+            <a:endParaRPr lang="en-US" altLang="zh-CN" dirty="0"/>
+          </a:p>
+          <a:p>
+            <a:pPr algn="l"/>
+            <a:r>
+              <a:rPr lang="en-US" altLang="zh-CN" dirty="0"/>
+              <a:t>Part 5: </a:t>
+            </a:r>
+            <a:r>
+              <a:rPr lang="zh-CN" altLang="en-US" dirty="0"/>
+              <a:t>设计总结</a:t>
+            </a:r>
+          </a:p>
+        </p:txBody>
+      </p:sp>
+    </p:spTree>
+  </p:cSld>
+  <p:clrMapOvr>
+    <a:masterClrMapping/>
+  </p:clrMapOvr>
+  <p:transition spd="med"/>
+  <p:timing>
+    <p:tnLst>
+      <p:par>
+        <p:cTn id="1" dur="indefinite" restart="never" nodeType="tmRoot"/>
+      </p:par>
+    </p:tnLst>
+  </p:timing>
+</p:sld>
+</file>
+
+<file path=ppt/slides/slide20.xml><?xml version="1.0" encoding="utf-8"?>
+<p:sld xmlns:a="http://schemas.openxmlformats.org/drawingml/2006/main" xmlns:r="http://schemas.openxmlformats.org/officeDocument/2006/relationships" xmlns:p="http://schemas.openxmlformats.org/presentationml/2006/main">
+  <p:cSld>
+    <p:spTree>
+      <p:nvGrpSpPr>
+        <p:cNvPr id="1" name=""/>
+        <p:cNvGrpSpPr/>
+        <p:nvPr/>
+      </p:nvGrpSpPr>
+      <p:grpSpPr>
+        <a:xfrm>
+          <a:off x="0" y="0"/>
+          <a:ext cx="0" cy="0"/>
+          <a:chOff x="0" y="0"/>
+          <a:chExt cx="0" cy="0"/>
+        </a:xfrm>
+      </p:grpSpPr>
+      <p:sp>
+        <p:nvSpPr>
+          <p:cNvPr id="7170" name="Text Box 2" descr="harmony_tile_blue"/>
+          <p:cNvSpPr txBox="1">
+            <a:spLocks noChangeArrowheads="1"/>
+          </p:cNvSpPr>
+          <p:nvPr/>
+        </p:nvSpPr>
+        <p:spPr bwMode="auto">
+          <a:xfrm>
+            <a:off x="311150" y="125413"/>
+            <a:ext cx="5905500" cy="650875"/>
+          </a:xfrm>
+          <a:prstGeom prst="rect">
+            <a:avLst/>
+          </a:prstGeom>
+          <a:noFill/>
+          <a:ln w="9525">
+            <a:noFill/>
+            <a:miter lim="800000"/>
+            <a:headEnd/>
+            <a:tailEnd/>
+          </a:ln>
+        </p:spPr>
+        <p:txBody>
+          <a:bodyPr lIns="50800" tIns="50800" rIns="50800" bIns="50800">
+            <a:spAutoFit/>
+          </a:bodyPr>
+          <a:lstStyle/>
+          <a:p>
+            <a:pPr marL="342900" algn="l">
+              <a:spcBef>
+                <a:spcPct val="50000"/>
+              </a:spcBef>
+            </a:pPr>
+            <a:endParaRPr lang="zh-CN" altLang="en-US">
+              <a:ea typeface="黑体" pitchFamily="49" charset="-122"/>
+            </a:endParaRPr>
+          </a:p>
+        </p:txBody>
+      </p:sp>
+      <p:sp>
+        <p:nvSpPr>
+          <p:cNvPr id="7172" name="未知"/>
+          <p:cNvSpPr>
+            <a:spLocks/>
+          </p:cNvSpPr>
+          <p:nvPr/>
+        </p:nvSpPr>
+        <p:spPr bwMode="auto">
+          <a:xfrm>
+            <a:off x="22225" y="844550"/>
+            <a:ext cx="5041900" cy="76200"/>
+          </a:xfrm>
+          <a:custGeom>
+            <a:avLst/>
+            <a:gdLst>
+              <a:gd name="T0" fmla="*/ 0 w 5367"/>
+              <a:gd name="T1" fmla="*/ 0 h 644"/>
+              <a:gd name="T2" fmla="*/ 2147483647 w 5367"/>
+              <a:gd name="T3" fmla="*/ 0 h 644"/>
+              <a:gd name="T4" fmla="*/ 0 60000 65536"/>
+              <a:gd name="T5" fmla="*/ 0 60000 65536"/>
+              <a:gd name="T6" fmla="*/ 0 w 5367"/>
+              <a:gd name="T7" fmla="*/ 0 h 644"/>
+              <a:gd name="T8" fmla="*/ 5367 w 5367"/>
+              <a:gd name="T9" fmla="*/ 644 h 644"/>
+            </a:gdLst>
+            <a:ahLst/>
+            <a:cxnLst>
+              <a:cxn ang="T4">
+                <a:pos x="T0" y="T1"/>
+              </a:cxn>
+              <a:cxn ang="T5">
+                <a:pos x="T2" y="T3"/>
+              </a:cxn>
+            </a:cxnLst>
+            <a:rect l="T6" t="T7" r="T8" b="T9"/>
+            <a:pathLst>
+              <a:path w="5367" h="644">
+                <a:moveTo>
+                  <a:pt x="0" y="0"/>
+                </a:moveTo>
+                <a:lnTo>
+                  <a:pt x="5367" y="0"/>
+                </a:lnTo>
+              </a:path>
+            </a:pathLst>
+          </a:custGeom>
+          <a:noFill/>
+          <a:ln w="22225">
+            <a:solidFill>
+              <a:srgbClr val="E83100"/>
+            </a:solidFill>
+            <a:round/>
+            <a:headEnd/>
+            <a:tailEnd/>
+          </a:ln>
+        </p:spPr>
+        <p:txBody>
+          <a:bodyPr lIns="0" tIns="0" rIns="0" bIns="0" anchor="ctr">
+            <a:spAutoFit/>
+          </a:bodyPr>
+          <a:lstStyle/>
+          <a:p>
+            <a:endParaRPr lang="zh-CN" altLang="en-US"/>
+          </a:p>
+        </p:txBody>
+      </p:sp>
+      <p:sp>
+        <p:nvSpPr>
+          <p:cNvPr id="7173" name="TextBox 5"/>
+          <p:cNvSpPr txBox="1">
+            <a:spLocks noChangeArrowheads="1"/>
+          </p:cNvSpPr>
+          <p:nvPr/>
+        </p:nvSpPr>
+        <p:spPr bwMode="auto">
+          <a:xfrm>
+            <a:off x="165696" y="31750"/>
+            <a:ext cx="7776864" cy="830997"/>
+          </a:xfrm>
+          <a:prstGeom prst="rect">
+            <a:avLst/>
+          </a:prstGeom>
+          <a:noFill/>
+          <a:ln w="9525">
+            <a:noFill/>
+            <a:miter lim="800000"/>
+            <a:headEnd/>
+            <a:tailEnd/>
+          </a:ln>
+        </p:spPr>
+        <p:txBody>
+          <a:bodyPr wrap="square">
+            <a:spAutoFit/>
+          </a:bodyPr>
+          <a:lstStyle/>
+          <a:p>
+            <a:pPr algn="l"/>
+            <a:r>
+              <a:rPr lang="en-US" altLang="zh-CN" sz="4800" dirty="0"/>
+              <a:t>Part </a:t>
+            </a:r>
+            <a:r>
+              <a:rPr lang="en-US" altLang="zh-CN" sz="4800" dirty="0" smtClean="0"/>
+              <a:t>4- </a:t>
+            </a:r>
+            <a:r>
+              <a:rPr lang="en-US" altLang="zh-CN" sz="4800" dirty="0" err="1" smtClean="0"/>
+              <a:t>zk</a:t>
+            </a:r>
+            <a:r>
+              <a:rPr lang="zh-CN" altLang="en-US" sz="4800" dirty="0" smtClean="0"/>
+              <a:t>资源管理</a:t>
+            </a:r>
+            <a:r>
+              <a:rPr lang="en-US" altLang="zh-CN" sz="4800" dirty="0" smtClean="0"/>
+              <a:t>(</a:t>
+            </a:r>
+            <a:r>
+              <a:rPr lang="zh-CN" altLang="en-US" sz="4800" dirty="0" smtClean="0"/>
+              <a:t>二</a:t>
+            </a:r>
+            <a:r>
+              <a:rPr lang="en-US" altLang="zh-CN" sz="4800" dirty="0" smtClean="0"/>
+              <a:t>)</a:t>
+            </a:r>
+            <a:endParaRPr lang="zh-CN" altLang="en-US" sz="4800" dirty="0"/>
+          </a:p>
+        </p:txBody>
+      </p:sp>
+      <p:graphicFrame>
+        <p:nvGraphicFramePr>
+          <p:cNvPr id="7" name="表格 6"/>
+          <p:cNvGraphicFramePr>
+            <a:graphicFrameLocks noGrp="1"/>
+          </p:cNvGraphicFramePr>
+          <p:nvPr/>
+        </p:nvGraphicFramePr>
+        <p:xfrm>
+          <a:off x="453728" y="2201232"/>
+          <a:ext cx="12169352" cy="4835808"/>
+        </p:xfrm>
+        <a:graphic>
+          <a:graphicData uri="http://schemas.openxmlformats.org/drawingml/2006/table">
+            <a:tbl>
+              <a:tblPr firstRow="1" bandRow="1">
+                <a:tableStyleId>{5C22544A-7EE6-4342-B048-85BDC9FD1C3A}</a:tableStyleId>
+              </a:tblPr>
+              <a:tblGrid>
+                <a:gridCol w="2664296"/>
+                <a:gridCol w="4320480"/>
+                <a:gridCol w="5184576"/>
+              </a:tblGrid>
+              <a:tr h="1017302">
+                <a:tc>
+                  <a:txBody>
+                    <a:bodyPr/>
+                    <a:lstStyle/>
+                    <a:p>
+                      <a:pPr algn="ctr"/>
+                      <a:r>
+                        <a:rPr lang="zh-CN" altLang="en-US" sz="2400" b="1" dirty="0" smtClean="0"/>
+                        <a:t>管理资源</a:t>
+                      </a:r>
+                      <a:endParaRPr lang="zh-CN" altLang="en-US" sz="2400" b="1" dirty="0"/>
+                    </a:p>
+                  </a:txBody>
+                  <a:tcPr anchor="ctr"/>
+                </a:tc>
+                <a:tc>
+                  <a:txBody>
+                    <a:bodyPr/>
+                    <a:lstStyle/>
+                    <a:p>
+                      <a:pPr algn="ctr"/>
+                      <a:r>
+                        <a:rPr lang="zh-CN" altLang="en-US" sz="2400" b="1" dirty="0" smtClean="0"/>
+                        <a:t>路径</a:t>
+                      </a:r>
+                      <a:endParaRPr lang="zh-CN" altLang="en-US" sz="2400" b="1" dirty="0"/>
+                    </a:p>
+                  </a:txBody>
+                  <a:tcPr anchor="ctr"/>
+                </a:tc>
+                <a:tc>
+                  <a:txBody>
+                    <a:bodyPr/>
+                    <a:lstStyle/>
+                    <a:p>
+                      <a:pPr algn="ctr"/>
+                      <a:r>
+                        <a:rPr lang="zh-CN" altLang="en-US" sz="2400" b="1" dirty="0" smtClean="0"/>
+                        <a:t>说明</a:t>
+                      </a:r>
+                      <a:endParaRPr lang="zh-CN" altLang="en-US" sz="2400" b="1" dirty="0"/>
+                    </a:p>
+                  </a:txBody>
+                  <a:tcPr anchor="ctr"/>
+                </a:tc>
+              </a:tr>
+              <a:tr h="1898266">
+                <a:tc rowSpan="2">
+                  <a:txBody>
+                    <a:bodyPr/>
+                    <a:lstStyle/>
+                    <a:p>
+                      <a:pPr marL="0" marR="0" indent="0" algn="l" defTabSz="914400" rtl="0" eaLnBrk="1" fontAlgn="auto" latinLnBrk="0" hangingPunct="1">
+                        <a:lnSpc>
+                          <a:spcPct val="100000"/>
+                        </a:lnSpc>
+                        <a:spcBef>
+                          <a:spcPts val="0"/>
+                        </a:spcBef>
+                        <a:spcAft>
+                          <a:spcPts val="0"/>
+                        </a:spcAft>
+                        <a:buClrTx/>
+                        <a:buSzTx/>
+                        <a:buFontTx/>
+                        <a:buNone/>
+                        <a:tabLst/>
+                        <a:defRPr/>
+                      </a:pPr>
+                      <a:r>
+                        <a:rPr lang="en-US" altLang="zh-CN" sz="2400" b="1" dirty="0" err="1" smtClean="0">
+                          <a:solidFill>
+                            <a:schemeClr val="bg1"/>
+                          </a:solidFill>
+                        </a:rPr>
+                        <a:t>redis</a:t>
+                      </a:r>
+                      <a:r>
+                        <a:rPr lang="en-US" altLang="zh-CN" sz="2400" b="1" dirty="0" smtClean="0">
+                          <a:solidFill>
+                            <a:schemeClr val="bg1"/>
+                          </a:solidFill>
+                        </a:rPr>
+                        <a:t>-cluster</a:t>
+                      </a:r>
+                      <a:endParaRPr lang="zh-CN" altLang="en-US" sz="2400" b="1" dirty="0" smtClean="0">
+                        <a:solidFill>
+                          <a:schemeClr val="bg1"/>
+                        </a:solidFill>
+                      </a:endParaRPr>
+                    </a:p>
+                    <a:p>
+                      <a:endParaRPr lang="zh-CN" altLang="en-US" sz="2400" b="1" dirty="0">
+                        <a:solidFill>
+                          <a:schemeClr val="bg1"/>
+                        </a:solidFill>
+                      </a:endParaRPr>
+                    </a:p>
+                  </a:txBody>
+                  <a:tcPr anchor="ctr"/>
+                </a:tc>
+                <a:tc>
+                  <a:txBody>
+                    <a:bodyPr/>
+                    <a:lstStyle/>
+                    <a:p>
+                      <a:pPr marL="0" marR="0" indent="0" algn="l" defTabSz="914400" rtl="0" eaLnBrk="1" fontAlgn="auto" latinLnBrk="0" hangingPunct="1">
+                        <a:lnSpc>
+                          <a:spcPct val="100000"/>
+                        </a:lnSpc>
+                        <a:spcBef>
+                          <a:spcPts val="0"/>
+                        </a:spcBef>
+                        <a:spcAft>
+                          <a:spcPts val="0"/>
+                        </a:spcAft>
+                        <a:buClrTx/>
+                        <a:buSzTx/>
+                        <a:buFontTx/>
+                        <a:buNone/>
+                        <a:tabLst/>
+                        <a:defRPr/>
+                      </a:pPr>
+                      <a:r>
+                        <a:rPr lang="en-US" altLang="zh-CN" sz="2400" b="1" dirty="0" smtClean="0">
+                          <a:solidFill>
+                            <a:schemeClr val="bg1"/>
+                          </a:solidFill>
+                        </a:rPr>
+                        <a:t>/cache/${namespace}/group/${</a:t>
+                      </a:r>
+                      <a:r>
+                        <a:rPr lang="en-US" altLang="zh-CN" sz="2400" b="1" dirty="0" err="1" smtClean="0">
+                          <a:solidFill>
+                            <a:schemeClr val="bg1"/>
+                          </a:solidFill>
+                        </a:rPr>
+                        <a:t>groupIndex</a:t>
+                      </a:r>
+                      <a:r>
+                        <a:rPr lang="en-US" altLang="zh-CN" sz="2400" b="1" dirty="0" smtClean="0">
+                          <a:solidFill>
+                            <a:schemeClr val="bg1"/>
+                          </a:solidFill>
+                        </a:rPr>
+                        <a:t>}/slave/</a:t>
+                      </a:r>
+                      <a:endParaRPr lang="zh-CN" altLang="en-US" sz="2400" b="1" dirty="0" smtClean="0">
+                        <a:solidFill>
+                          <a:schemeClr val="bg1"/>
+                        </a:solidFill>
+                      </a:endParaRPr>
+                    </a:p>
+                    <a:p>
+                      <a:endParaRPr lang="zh-CN" altLang="en-US" sz="2400" b="1" dirty="0">
+                        <a:solidFill>
+                          <a:schemeClr val="bg1"/>
+                        </a:solidFill>
+                      </a:endParaRPr>
+                    </a:p>
+                  </a:txBody>
+                  <a:tcPr anchor="ctr"/>
+                </a:tc>
+                <a:tc>
+                  <a:txBody>
+                    <a:bodyPr/>
+                    <a:lstStyle/>
+                    <a:p>
+                      <a:pPr marL="457200" marR="0" lvl="0" indent="-457200" algn="l" defTabSz="914400" rtl="0" eaLnBrk="1" fontAlgn="auto" latinLnBrk="0" hangingPunct="1">
+                        <a:lnSpc>
+                          <a:spcPct val="100000"/>
+                        </a:lnSpc>
+                        <a:spcBef>
+                          <a:spcPts val="0"/>
+                        </a:spcBef>
+                        <a:spcAft>
+                          <a:spcPts val="0"/>
+                        </a:spcAft>
+                        <a:buClrTx/>
+                        <a:buSzTx/>
+                        <a:buFont typeface="Arial" pitchFamily="34" charset="0"/>
+                        <a:buAutoNum type="arabicParenBoth"/>
+                        <a:tabLst/>
+                        <a:defRPr/>
+                      </a:pPr>
+                      <a:r>
+                        <a:rPr lang="zh-CN" altLang="en-US" sz="2000" b="1" dirty="0" smtClean="0">
+                          <a:solidFill>
+                            <a:schemeClr val="bg1"/>
+                          </a:solidFill>
+                        </a:rPr>
+                        <a:t>分组中</a:t>
+                      </a:r>
+                      <a:r>
+                        <a:rPr lang="en-US" altLang="zh-CN" sz="2000" b="1" dirty="0" smtClean="0">
+                          <a:solidFill>
+                            <a:schemeClr val="bg1"/>
+                          </a:solidFill>
+                        </a:rPr>
+                        <a:t>slave </a:t>
+                      </a:r>
+                      <a:r>
+                        <a:rPr lang="en-US" altLang="zh-CN" sz="2000" b="1" dirty="0" err="1" smtClean="0">
+                          <a:solidFill>
+                            <a:schemeClr val="bg1"/>
+                          </a:solidFill>
+                        </a:rPr>
+                        <a:t>redis</a:t>
+                      </a:r>
+                      <a:r>
+                        <a:rPr lang="zh-CN" altLang="en-US" sz="2000" b="1" dirty="0" smtClean="0">
+                          <a:solidFill>
+                            <a:schemeClr val="bg1"/>
+                          </a:solidFill>
+                        </a:rPr>
+                        <a:t>节点存放路径</a:t>
+                      </a:r>
+                      <a:r>
+                        <a:rPr lang="en-US" altLang="zh-CN" sz="2000" b="1" dirty="0" smtClean="0">
+                          <a:solidFill>
+                            <a:schemeClr val="bg1"/>
+                          </a:solidFill>
+                        </a:rPr>
+                        <a:t>.</a:t>
+                      </a:r>
+                      <a:r>
+                        <a:rPr lang="en-US" altLang="zh-CN" sz="2000" b="1" baseline="0" dirty="0" smtClean="0">
+                          <a:solidFill>
+                            <a:schemeClr val="bg1"/>
+                          </a:solidFill>
+                        </a:rPr>
+                        <a:t> </a:t>
+                      </a:r>
+                      <a:r>
+                        <a:rPr lang="zh-CN" altLang="en-US" sz="2000" b="1" baseline="0" dirty="0" smtClean="0">
+                          <a:solidFill>
+                            <a:schemeClr val="bg1"/>
+                          </a:solidFill>
+                        </a:rPr>
+                        <a:t>一个分组可能有多个</a:t>
+                      </a:r>
+                      <a:r>
+                        <a:rPr lang="en-US" altLang="zh-CN" sz="2000" b="1" baseline="0" dirty="0" smtClean="0">
+                          <a:solidFill>
+                            <a:schemeClr val="bg1"/>
+                          </a:solidFill>
+                        </a:rPr>
+                        <a:t>slave</a:t>
+                      </a:r>
+                      <a:r>
+                        <a:rPr lang="zh-CN" altLang="en-US" sz="2000" b="1" baseline="0" dirty="0" smtClean="0">
+                          <a:solidFill>
+                            <a:schemeClr val="bg1"/>
+                          </a:solidFill>
+                        </a:rPr>
+                        <a:t>节点</a:t>
+                      </a:r>
+                      <a:endParaRPr lang="en-US" altLang="zh-CN" sz="2000" b="1" baseline="0" dirty="0" smtClean="0">
+                        <a:solidFill>
+                          <a:schemeClr val="bg1"/>
+                        </a:solidFill>
+                      </a:endParaRPr>
+                    </a:p>
+                    <a:p>
+                      <a:pPr marL="457200" marR="0" lvl="0" indent="-457200" algn="l" defTabSz="914400" rtl="0" eaLnBrk="1" fontAlgn="auto" latinLnBrk="0" hangingPunct="1">
+                        <a:lnSpc>
+                          <a:spcPct val="100000"/>
+                        </a:lnSpc>
+                        <a:spcBef>
+                          <a:spcPts val="0"/>
+                        </a:spcBef>
+                        <a:spcAft>
+                          <a:spcPts val="0"/>
+                        </a:spcAft>
+                        <a:buClrTx/>
+                        <a:buSzTx/>
+                        <a:buFont typeface="Arial" pitchFamily="34" charset="0"/>
+                        <a:buAutoNum type="arabicParenBoth"/>
+                        <a:tabLst/>
+                        <a:defRPr/>
+                      </a:pPr>
+                      <a:r>
+                        <a:rPr lang="zh-CN" altLang="en-US" sz="2000" b="1" baseline="0" dirty="0" smtClean="0">
+                          <a:solidFill>
+                            <a:schemeClr val="bg1"/>
+                          </a:solidFill>
+                        </a:rPr>
+                        <a:t>每个</a:t>
+                      </a:r>
+                      <a:r>
+                        <a:rPr lang="en-US" altLang="zh-CN" sz="2000" b="1" baseline="0" dirty="0" smtClean="0">
+                          <a:solidFill>
+                            <a:schemeClr val="bg1"/>
+                          </a:solidFill>
+                        </a:rPr>
+                        <a:t>slave</a:t>
+                      </a:r>
+                      <a:r>
+                        <a:rPr lang="zh-CN" altLang="en-US" sz="2000" b="1" baseline="0" dirty="0" smtClean="0">
+                          <a:solidFill>
+                            <a:schemeClr val="bg1"/>
+                          </a:solidFill>
+                        </a:rPr>
+                        <a:t>节点存放到</a:t>
+                      </a:r>
+                      <a:r>
+                        <a:rPr lang="en-US" altLang="zh-CN" sz="2000" b="1" dirty="0" smtClean="0">
+                          <a:solidFill>
+                            <a:schemeClr val="bg1"/>
+                          </a:solidFill>
+                        </a:rPr>
+                        <a:t>/cache/${namespace}/group/${</a:t>
+                      </a:r>
+                      <a:r>
+                        <a:rPr lang="en-US" altLang="zh-CN" sz="2000" b="1" dirty="0" err="1" smtClean="0">
+                          <a:solidFill>
+                            <a:schemeClr val="bg1"/>
+                          </a:solidFill>
+                        </a:rPr>
+                        <a:t>groupIndex</a:t>
+                      </a:r>
+                      <a:r>
+                        <a:rPr lang="en-US" altLang="zh-CN" sz="2000" b="1" dirty="0" smtClean="0">
+                          <a:solidFill>
+                            <a:schemeClr val="bg1"/>
+                          </a:solidFill>
+                        </a:rPr>
+                        <a:t>}/slave/${</a:t>
+                      </a:r>
+                      <a:r>
+                        <a:rPr lang="en-US" altLang="zh-CN" sz="2000" b="1" dirty="0" err="1" smtClean="0">
+                          <a:solidFill>
+                            <a:schemeClr val="bg1"/>
+                          </a:solidFill>
+                        </a:rPr>
+                        <a:t>slaveIndex</a:t>
+                      </a:r>
+                      <a:r>
+                        <a:rPr lang="en-US" altLang="zh-CN" sz="2000" b="1" dirty="0" smtClean="0">
+                          <a:solidFill>
+                            <a:schemeClr val="bg1"/>
+                          </a:solidFill>
+                        </a:rPr>
+                        <a:t>}</a:t>
+                      </a:r>
+                      <a:r>
+                        <a:rPr lang="zh-CN" altLang="en-US" sz="2000" b="1" dirty="0" smtClean="0">
+                          <a:solidFill>
+                            <a:schemeClr val="bg1"/>
+                          </a:solidFill>
+                        </a:rPr>
+                        <a:t>上</a:t>
+                      </a:r>
+                      <a:r>
+                        <a:rPr lang="en-US" altLang="zh-CN" sz="2000" b="1" dirty="0" smtClean="0">
+                          <a:solidFill>
+                            <a:schemeClr val="bg1"/>
+                          </a:solidFill>
+                        </a:rPr>
+                        <a:t>.</a:t>
+                      </a:r>
+                      <a:endParaRPr lang="zh-CN" altLang="en-US" sz="2400" b="1" dirty="0" smtClean="0">
+                        <a:solidFill>
+                          <a:schemeClr val="bg1"/>
+                        </a:solidFill>
+                      </a:endParaRPr>
+                    </a:p>
+                  </a:txBody>
+                  <a:tcPr anchor="ctr"/>
+                </a:tc>
+              </a:tr>
+              <a:tr h="1017302">
+                <a:tc vMerge="1">
+                  <a:txBody>
+                    <a:bodyPr/>
+                    <a:lstStyle/>
+                    <a:p>
+                      <a:endParaRPr lang="zh-CN" altLang="en-US" sz="2400" b="1" dirty="0">
+                        <a:solidFill>
+                          <a:schemeClr val="bg1"/>
+                        </a:solidFill>
+                      </a:endParaRPr>
+                    </a:p>
+                  </a:txBody>
+                  <a:tcPr anchor="ctr"/>
+                </a:tc>
+                <a:tc>
+                  <a:txBody>
+                    <a:bodyPr/>
+                    <a:lstStyle/>
+                    <a:p>
+                      <a:pPr marL="0" marR="0" indent="0" algn="l" defTabSz="914400" rtl="0" eaLnBrk="1" fontAlgn="auto" latinLnBrk="0" hangingPunct="1">
+                        <a:lnSpc>
+                          <a:spcPct val="100000"/>
+                        </a:lnSpc>
+                        <a:spcBef>
+                          <a:spcPts val="0"/>
+                        </a:spcBef>
+                        <a:spcAft>
+                          <a:spcPts val="0"/>
+                        </a:spcAft>
+                        <a:buClrTx/>
+                        <a:buSzTx/>
+                        <a:buFontTx/>
+                        <a:buNone/>
+                        <a:tabLst/>
+                        <a:defRPr/>
+                      </a:pPr>
+                      <a:r>
+                        <a:rPr lang="en-US" altLang="zh-CN" sz="2400" b="1" dirty="0" smtClean="0">
+                          <a:solidFill>
+                            <a:schemeClr val="bg1"/>
+                          </a:solidFill>
+                        </a:rPr>
+                        <a:t>/cache/${namespace}/group/${</a:t>
+                      </a:r>
+                      <a:r>
+                        <a:rPr lang="en-US" altLang="zh-CN" sz="2400" b="1" dirty="0" err="1" smtClean="0">
+                          <a:solidFill>
+                            <a:schemeClr val="bg1"/>
+                          </a:solidFill>
+                        </a:rPr>
+                        <a:t>groupIndex</a:t>
+                      </a:r>
+                      <a:r>
+                        <a:rPr lang="en-US" altLang="zh-CN" sz="2400" b="1" dirty="0" smtClean="0">
+                          <a:solidFill>
+                            <a:schemeClr val="bg1"/>
+                          </a:solidFill>
+                        </a:rPr>
+                        <a:t>}/down/</a:t>
+                      </a:r>
+                      <a:endParaRPr lang="zh-CN" altLang="en-US" sz="2400" b="1" dirty="0" smtClean="0">
+                        <a:solidFill>
+                          <a:schemeClr val="bg1"/>
+                        </a:solidFill>
+                      </a:endParaRPr>
+                    </a:p>
+                  </a:txBody>
+                  <a:tcPr anchor="ctr"/>
+                </a:tc>
+                <a:tc>
+                  <a:txBody>
+                    <a:bodyPr/>
+                    <a:lstStyle/>
+                    <a:p>
+                      <a:pPr marL="457200" marR="0" indent="-457200" algn="l" defTabSz="914400" rtl="0" eaLnBrk="1" fontAlgn="auto" latinLnBrk="0" hangingPunct="1">
+                        <a:lnSpc>
+                          <a:spcPct val="100000"/>
+                        </a:lnSpc>
+                        <a:spcBef>
+                          <a:spcPts val="0"/>
+                        </a:spcBef>
+                        <a:spcAft>
+                          <a:spcPts val="0"/>
+                        </a:spcAft>
+                        <a:buClrTx/>
+                        <a:buSzTx/>
+                        <a:buFontTx/>
+                        <a:buAutoNum type="arabicParenBoth"/>
+                        <a:tabLst/>
+                        <a:defRPr/>
+                      </a:pPr>
+                      <a:r>
+                        <a:rPr lang="zh-CN" altLang="en-US" sz="2000" b="1" kern="1200" dirty="0" smtClean="0">
+                          <a:solidFill>
+                            <a:schemeClr val="bg1"/>
+                          </a:solidFill>
+                          <a:latin typeface="+mn-lt"/>
+                          <a:ea typeface="+mn-ea"/>
+                          <a:cs typeface="+mn-cs"/>
+                        </a:rPr>
+                        <a:t>分组中宕机节点的存放路径</a:t>
+                      </a:r>
+                      <a:r>
+                        <a:rPr lang="en-US" altLang="zh-CN" sz="2000" b="1" kern="1200" dirty="0" smtClean="0">
+                          <a:solidFill>
+                            <a:schemeClr val="bg1"/>
+                          </a:solidFill>
+                          <a:latin typeface="+mn-lt"/>
+                          <a:ea typeface="+mn-ea"/>
+                          <a:cs typeface="+mn-cs"/>
+                        </a:rPr>
+                        <a:t>.</a:t>
+                      </a:r>
+                      <a:r>
+                        <a:rPr lang="zh-CN" altLang="en-US" sz="2000" b="1" kern="1200" dirty="0" smtClean="0">
+                          <a:solidFill>
+                            <a:schemeClr val="bg1"/>
+                          </a:solidFill>
+                          <a:latin typeface="+mn-lt"/>
+                          <a:ea typeface="+mn-ea"/>
+                          <a:cs typeface="+mn-cs"/>
+                        </a:rPr>
+                        <a:t>宕机节点可能来源于</a:t>
+                      </a:r>
+                      <a:r>
+                        <a:rPr lang="en-US" altLang="zh-CN" sz="2000" b="1" kern="1200" dirty="0" smtClean="0">
+                          <a:solidFill>
+                            <a:schemeClr val="bg1"/>
+                          </a:solidFill>
+                          <a:latin typeface="+mn-lt"/>
+                          <a:ea typeface="+mn-ea"/>
+                          <a:cs typeface="+mn-cs"/>
+                        </a:rPr>
+                        <a:t>master</a:t>
+                      </a:r>
+                      <a:r>
+                        <a:rPr lang="zh-CN" altLang="en-US" sz="2000" b="1" kern="1200" dirty="0" smtClean="0">
+                          <a:solidFill>
+                            <a:schemeClr val="bg1"/>
+                          </a:solidFill>
+                          <a:latin typeface="+mn-lt"/>
+                          <a:ea typeface="+mn-ea"/>
+                          <a:cs typeface="+mn-cs"/>
+                        </a:rPr>
+                        <a:t>节点</a:t>
+                      </a:r>
+                      <a:r>
+                        <a:rPr lang="en-US" altLang="zh-CN" sz="2000" b="1" kern="1200" dirty="0" smtClean="0">
+                          <a:solidFill>
+                            <a:schemeClr val="bg1"/>
+                          </a:solidFill>
+                          <a:latin typeface="+mn-lt"/>
+                          <a:ea typeface="+mn-ea"/>
+                          <a:cs typeface="+mn-cs"/>
+                        </a:rPr>
+                        <a:t>,</a:t>
+                      </a:r>
+                      <a:r>
+                        <a:rPr lang="en-US" altLang="zh-CN" sz="2000" b="1" kern="1200" baseline="0" dirty="0" smtClean="0">
+                          <a:solidFill>
+                            <a:schemeClr val="bg1"/>
+                          </a:solidFill>
+                          <a:latin typeface="+mn-lt"/>
+                          <a:ea typeface="+mn-ea"/>
+                          <a:cs typeface="+mn-cs"/>
+                        </a:rPr>
+                        <a:t> </a:t>
+                      </a:r>
+                      <a:r>
+                        <a:rPr lang="zh-CN" altLang="en-US" sz="2000" b="1" kern="1200" baseline="0" dirty="0" smtClean="0">
+                          <a:solidFill>
+                            <a:schemeClr val="bg1"/>
+                          </a:solidFill>
+                          <a:latin typeface="+mn-lt"/>
+                          <a:ea typeface="+mn-ea"/>
+                          <a:cs typeface="+mn-cs"/>
+                        </a:rPr>
+                        <a:t>也可能来源于</a:t>
+                      </a:r>
+                      <a:r>
+                        <a:rPr lang="en-US" altLang="zh-CN" sz="2000" b="1" kern="1200" baseline="0" dirty="0" smtClean="0">
+                          <a:solidFill>
+                            <a:schemeClr val="bg1"/>
+                          </a:solidFill>
+                          <a:latin typeface="+mn-lt"/>
+                          <a:ea typeface="+mn-ea"/>
+                          <a:cs typeface="+mn-cs"/>
+                        </a:rPr>
+                        <a:t>slave</a:t>
+                      </a:r>
+                      <a:r>
+                        <a:rPr lang="zh-CN" altLang="en-US" sz="2000" b="1" kern="1200" baseline="0" dirty="0" smtClean="0">
+                          <a:solidFill>
+                            <a:schemeClr val="bg1"/>
+                          </a:solidFill>
+                          <a:latin typeface="+mn-lt"/>
+                          <a:ea typeface="+mn-ea"/>
+                          <a:cs typeface="+mn-cs"/>
+                        </a:rPr>
+                        <a:t>节点</a:t>
+                      </a:r>
+                      <a:endParaRPr lang="en-US" altLang="zh-CN" sz="2000" b="1" kern="1200" baseline="0" dirty="0" smtClean="0">
+                        <a:solidFill>
+                          <a:schemeClr val="bg1"/>
+                        </a:solidFill>
+                        <a:latin typeface="+mn-lt"/>
+                        <a:ea typeface="+mn-ea"/>
+                        <a:cs typeface="+mn-cs"/>
+                      </a:endParaRPr>
+                    </a:p>
+                    <a:p>
+                      <a:pPr marL="457200" marR="0" indent="-457200" algn="l" defTabSz="914400" rtl="0" eaLnBrk="1" fontAlgn="auto" latinLnBrk="0" hangingPunct="1">
+                        <a:lnSpc>
+                          <a:spcPct val="100000"/>
+                        </a:lnSpc>
+                        <a:spcBef>
+                          <a:spcPts val="0"/>
+                        </a:spcBef>
+                        <a:spcAft>
+                          <a:spcPts val="0"/>
+                        </a:spcAft>
+                        <a:buClrTx/>
+                        <a:buSzTx/>
+                        <a:buFontTx/>
+                        <a:buAutoNum type="arabicParenBoth"/>
+                        <a:tabLst/>
+                        <a:defRPr/>
+                      </a:pPr>
+                      <a:r>
+                        <a:rPr lang="zh-CN" altLang="en-US" sz="2000" b="1" kern="1200" baseline="0" dirty="0" smtClean="0">
+                          <a:solidFill>
+                            <a:schemeClr val="bg1"/>
+                          </a:solidFill>
+                          <a:latin typeface="+mn-lt"/>
+                          <a:ea typeface="+mn-ea"/>
+                          <a:cs typeface="+mn-cs"/>
+                        </a:rPr>
+                        <a:t>每个宕机节点存放到</a:t>
+                      </a:r>
+                      <a:r>
+                        <a:rPr lang="en-US" altLang="zh-CN" sz="2000" b="1" dirty="0" smtClean="0">
+                          <a:solidFill>
+                            <a:schemeClr val="bg1"/>
+                          </a:solidFill>
+                        </a:rPr>
+                        <a:t>/cache/${namespace}/group/${</a:t>
+                      </a:r>
+                      <a:r>
+                        <a:rPr lang="en-US" altLang="zh-CN" sz="2000" b="1" dirty="0" err="1" smtClean="0">
+                          <a:solidFill>
+                            <a:schemeClr val="bg1"/>
+                          </a:solidFill>
+                        </a:rPr>
+                        <a:t>groupIndex</a:t>
+                      </a:r>
+                      <a:r>
+                        <a:rPr lang="en-US" altLang="zh-CN" sz="2000" b="1" dirty="0" smtClean="0">
+                          <a:solidFill>
+                            <a:schemeClr val="bg1"/>
+                          </a:solidFill>
+                        </a:rPr>
+                        <a:t>}/down/${</a:t>
+                      </a:r>
+                      <a:r>
+                        <a:rPr lang="en-US" altLang="zh-CN" sz="2000" b="1" dirty="0" err="1" smtClean="0">
+                          <a:solidFill>
+                            <a:schemeClr val="bg1"/>
+                          </a:solidFill>
+                        </a:rPr>
+                        <a:t>downIndex</a:t>
+                      </a:r>
+                      <a:r>
+                        <a:rPr lang="en-US" altLang="zh-CN" sz="2000" b="1" dirty="0" smtClean="0">
+                          <a:solidFill>
+                            <a:schemeClr val="bg1"/>
+                          </a:solidFill>
+                        </a:rPr>
+                        <a:t>}</a:t>
+                      </a:r>
+                      <a:r>
+                        <a:rPr lang="zh-CN" altLang="en-US" sz="2000" b="1" dirty="0" smtClean="0">
+                          <a:solidFill>
+                            <a:schemeClr val="bg1"/>
+                          </a:solidFill>
+                        </a:rPr>
+                        <a:t>上</a:t>
+                      </a:r>
+                    </a:p>
+                  </a:txBody>
+                  <a:tcPr anchor="ctr"/>
+                </a:tc>
+              </a:tr>
+            </a:tbl>
+          </a:graphicData>
+        </a:graphic>
+      </p:graphicFrame>
+    </p:spTree>
+  </p:cSld>
+  <p:clrMapOvr>
+    <a:masterClrMapping/>
+  </p:clrMapOvr>
+  <p:transition spd="med"/>
+  <p:timing>
+    <p:tnLst>
+      <p:par>
+        <p:cTn id="1" dur="indefinite" restart="never" nodeType="tmRoot"/>
+      </p:par>
+    </p:tnLst>
+  </p:timing>
+</p:sld>
+</file>
+
+<file path=ppt/slides/slide21.xml><?xml version="1.0" encoding="utf-8"?>
+<p:sld xmlns:a="http://schemas.openxmlformats.org/drawingml/2006/main" xmlns:r="http://schemas.openxmlformats.org/officeDocument/2006/relationships" xmlns:p="http://schemas.openxmlformats.org/presentationml/2006/main">
+  <p:cSld>
+    <p:spTree>
+      <p:nvGrpSpPr>
+        <p:cNvPr id="1" name=""/>
+        <p:cNvGrpSpPr/>
+        <p:nvPr/>
+      </p:nvGrpSpPr>
+      <p:grpSpPr>
+        <a:xfrm>
+          <a:off x="0" y="0"/>
+          <a:ext cx="0" cy="0"/>
+          <a:chOff x="0" y="0"/>
+          <a:chExt cx="0" cy="0"/>
+        </a:xfrm>
+      </p:grpSpPr>
+      <p:sp>
+        <p:nvSpPr>
+          <p:cNvPr id="7170" name="Text Box 2" descr="harmony_tile_blue"/>
+          <p:cNvSpPr txBox="1">
+            <a:spLocks noChangeArrowheads="1"/>
+          </p:cNvSpPr>
+          <p:nvPr/>
+        </p:nvSpPr>
+        <p:spPr bwMode="auto">
+          <a:xfrm>
+            <a:off x="311150" y="125413"/>
+            <a:ext cx="5905500" cy="650875"/>
+          </a:xfrm>
+          <a:prstGeom prst="rect">
+            <a:avLst/>
+          </a:prstGeom>
+          <a:noFill/>
+          <a:ln w="9525">
+            <a:noFill/>
+            <a:miter lim="800000"/>
+            <a:headEnd/>
+            <a:tailEnd/>
+          </a:ln>
+        </p:spPr>
+        <p:txBody>
+          <a:bodyPr lIns="50800" tIns="50800" rIns="50800" bIns="50800">
+            <a:spAutoFit/>
+          </a:bodyPr>
+          <a:lstStyle/>
+          <a:p>
+            <a:pPr marL="342900" algn="l">
+              <a:spcBef>
+                <a:spcPct val="50000"/>
+              </a:spcBef>
+            </a:pPr>
+            <a:endParaRPr lang="zh-CN" altLang="en-US">
+              <a:ea typeface="黑体" pitchFamily="49" charset="-122"/>
+            </a:endParaRPr>
+          </a:p>
+        </p:txBody>
+      </p:sp>
+      <p:sp>
+        <p:nvSpPr>
+          <p:cNvPr id="7172" name="未知"/>
+          <p:cNvSpPr>
+            <a:spLocks/>
+          </p:cNvSpPr>
+          <p:nvPr/>
+        </p:nvSpPr>
+        <p:spPr bwMode="auto">
+          <a:xfrm>
+            <a:off x="22225" y="844550"/>
+            <a:ext cx="5041900" cy="76200"/>
+          </a:xfrm>
+          <a:custGeom>
+            <a:avLst/>
+            <a:gdLst>
+              <a:gd name="T0" fmla="*/ 0 w 5367"/>
+              <a:gd name="T1" fmla="*/ 0 h 644"/>
+              <a:gd name="T2" fmla="*/ 2147483647 w 5367"/>
+              <a:gd name="T3" fmla="*/ 0 h 644"/>
+              <a:gd name="T4" fmla="*/ 0 60000 65536"/>
+              <a:gd name="T5" fmla="*/ 0 60000 65536"/>
+              <a:gd name="T6" fmla="*/ 0 w 5367"/>
+              <a:gd name="T7" fmla="*/ 0 h 644"/>
+              <a:gd name="T8" fmla="*/ 5367 w 5367"/>
+              <a:gd name="T9" fmla="*/ 644 h 644"/>
+            </a:gdLst>
+            <a:ahLst/>
+            <a:cxnLst>
+              <a:cxn ang="T4">
+                <a:pos x="T0" y="T1"/>
+              </a:cxn>
+              <a:cxn ang="T5">
+                <a:pos x="T2" y="T3"/>
+              </a:cxn>
+            </a:cxnLst>
+            <a:rect l="T6" t="T7" r="T8" b="T9"/>
+            <a:pathLst>
+              <a:path w="5367" h="644">
+                <a:moveTo>
+                  <a:pt x="0" y="0"/>
+                </a:moveTo>
+                <a:lnTo>
+                  <a:pt x="5367" y="0"/>
+                </a:lnTo>
+              </a:path>
+            </a:pathLst>
+          </a:custGeom>
+          <a:noFill/>
+          <a:ln w="22225">
+            <a:solidFill>
+              <a:srgbClr val="E83100"/>
+            </a:solidFill>
+            <a:round/>
+            <a:headEnd/>
+            <a:tailEnd/>
+          </a:ln>
+        </p:spPr>
+        <p:txBody>
+          <a:bodyPr lIns="0" tIns="0" rIns="0" bIns="0" anchor="ctr">
+            <a:spAutoFit/>
+          </a:bodyPr>
+          <a:lstStyle/>
+          <a:p>
+            <a:endParaRPr lang="zh-CN" altLang="en-US"/>
+          </a:p>
+        </p:txBody>
+      </p:sp>
+      <p:sp>
+        <p:nvSpPr>
+          <p:cNvPr id="7173" name="TextBox 5"/>
+          <p:cNvSpPr txBox="1">
+            <a:spLocks noChangeArrowheads="1"/>
+          </p:cNvSpPr>
+          <p:nvPr/>
+        </p:nvSpPr>
+        <p:spPr bwMode="auto">
+          <a:xfrm>
+            <a:off x="165696" y="31750"/>
+            <a:ext cx="9793088" cy="830997"/>
+          </a:xfrm>
+          <a:prstGeom prst="rect">
+            <a:avLst/>
+          </a:prstGeom>
+          <a:noFill/>
+          <a:ln w="9525">
+            <a:noFill/>
+            <a:miter lim="800000"/>
+            <a:headEnd/>
+            <a:tailEnd/>
+          </a:ln>
+        </p:spPr>
+        <p:txBody>
+          <a:bodyPr wrap="square">
+            <a:spAutoFit/>
+          </a:bodyPr>
+          <a:lstStyle/>
+          <a:p>
+            <a:pPr algn="l"/>
+            <a:r>
+              <a:rPr lang="en-US" altLang="zh-CN" sz="4800" dirty="0"/>
+              <a:t>Part </a:t>
+            </a:r>
+            <a:r>
+              <a:rPr lang="en-US" altLang="zh-CN" sz="4800" dirty="0" smtClean="0"/>
+              <a:t>4- </a:t>
+            </a:r>
+            <a:r>
+              <a:rPr lang="en-US" altLang="zh-CN" sz="4800" dirty="0" smtClean="0"/>
+              <a:t>server-proxy</a:t>
+            </a:r>
+            <a:r>
+              <a:rPr lang="zh-CN" altLang="en-US" sz="4800" dirty="0" smtClean="0"/>
+              <a:t>配置文件说明</a:t>
+            </a:r>
+            <a:endParaRPr lang="zh-CN" altLang="en-US" sz="4800" dirty="0"/>
+          </a:p>
+        </p:txBody>
+      </p:sp>
+      <p:graphicFrame>
+        <p:nvGraphicFramePr>
+          <p:cNvPr id="6" name="表格 5"/>
+          <p:cNvGraphicFramePr>
+            <a:graphicFrameLocks noGrp="1"/>
+          </p:cNvGraphicFramePr>
+          <p:nvPr/>
+        </p:nvGraphicFramePr>
+        <p:xfrm>
+          <a:off x="453727" y="1043361"/>
+          <a:ext cx="12025338" cy="7649863"/>
+        </p:xfrm>
+        <a:graphic>
+          <a:graphicData uri="http://schemas.openxmlformats.org/drawingml/2006/table">
+            <a:tbl>
+              <a:tblPr firstRow="1" bandRow="1">
+                <a:tableStyleId>{5C22544A-7EE6-4342-B048-85BDC9FD1C3A}</a:tableStyleId>
+              </a:tblPr>
+              <a:tblGrid>
+                <a:gridCol w="4008446"/>
+                <a:gridCol w="4008446"/>
+                <a:gridCol w="4008446"/>
+              </a:tblGrid>
+              <a:tr h="699993">
+                <a:tc>
+                  <a:txBody>
+                    <a:bodyPr/>
+                    <a:lstStyle/>
+                    <a:p>
+                      <a:pPr algn="ctr"/>
+                      <a:r>
+                        <a:rPr lang="zh-CN" altLang="en-US" sz="2400" dirty="0" smtClean="0"/>
+                        <a:t>类型</a:t>
+                      </a:r>
+                      <a:endParaRPr lang="zh-CN" altLang="en-US" sz="2400" dirty="0"/>
+                    </a:p>
+                  </a:txBody>
+                  <a:tcPr anchor="ctr"/>
+                </a:tc>
+                <a:tc>
+                  <a:txBody>
+                    <a:bodyPr/>
+                    <a:lstStyle/>
+                    <a:p>
+                      <a:pPr algn="ctr"/>
+                      <a:r>
+                        <a:rPr lang="zh-CN" altLang="en-US" sz="2400" dirty="0" smtClean="0"/>
+                        <a:t>配置项</a:t>
+                      </a:r>
+                      <a:endParaRPr lang="zh-CN" altLang="en-US" sz="2400" dirty="0"/>
+                    </a:p>
+                  </a:txBody>
+                  <a:tcPr anchor="ctr"/>
+                </a:tc>
+                <a:tc>
+                  <a:txBody>
+                    <a:bodyPr/>
+                    <a:lstStyle/>
+                    <a:p>
+                      <a:pPr algn="ctr"/>
+                      <a:r>
+                        <a:rPr lang="zh-CN" altLang="en-US" sz="2400" dirty="0" smtClean="0"/>
+                        <a:t>说明</a:t>
+                      </a:r>
+                      <a:endParaRPr lang="zh-CN" altLang="en-US" sz="2400" dirty="0"/>
+                    </a:p>
+                  </a:txBody>
+                  <a:tcPr anchor="ctr"/>
+                </a:tc>
+              </a:tr>
+              <a:tr h="895402">
+                <a:tc>
+                  <a:txBody>
+                    <a:bodyPr/>
+                    <a:lstStyle/>
+                    <a:p>
+                      <a:r>
+                        <a:rPr lang="zh-CN" altLang="en-US" sz="2400" dirty="0" smtClean="0">
+                          <a:solidFill>
+                            <a:schemeClr val="bg1">
+                              <a:lumMod val="50000"/>
+                            </a:schemeClr>
+                          </a:solidFill>
+                        </a:rPr>
+                        <a:t>全局配置</a:t>
+                      </a:r>
+                      <a:r>
+                        <a:rPr lang="en-US" altLang="zh-CN" sz="2400" dirty="0" smtClean="0">
+                          <a:solidFill>
+                            <a:schemeClr val="bg1">
+                              <a:lumMod val="50000"/>
+                            </a:schemeClr>
+                          </a:solidFill>
+                        </a:rPr>
+                        <a:t>(global)</a:t>
+                      </a:r>
+                      <a:endParaRPr lang="zh-CN" altLang="en-US" sz="2400" dirty="0">
+                        <a:solidFill>
+                          <a:schemeClr val="bg1">
+                            <a:lumMod val="50000"/>
+                          </a:schemeClr>
+                        </a:solidFill>
+                      </a:endParaRPr>
+                    </a:p>
+                  </a:txBody>
+                  <a:tcPr anchor="ctr"/>
+                </a:tc>
+                <a:tc>
+                  <a:txBody>
+                    <a:bodyPr/>
+                    <a:lstStyle/>
+                    <a:p>
+                      <a:r>
+                        <a:rPr lang="en-US" altLang="zh-CN" sz="2400" dirty="0" smtClean="0">
+                          <a:solidFill>
+                            <a:schemeClr val="bg1">
+                              <a:lumMod val="50000"/>
+                            </a:schemeClr>
+                          </a:solidFill>
+                        </a:rPr>
+                        <a:t>namespace</a:t>
+                      </a:r>
+                      <a:endParaRPr lang="zh-CN" altLang="en-US" sz="2400" dirty="0">
+                        <a:solidFill>
+                          <a:schemeClr val="bg1">
+                            <a:lumMod val="50000"/>
+                          </a:schemeClr>
+                        </a:solidFill>
+                      </a:endParaRPr>
+                    </a:p>
+                  </a:txBody>
+                  <a:tcPr anchor="ctr"/>
+                </a:tc>
+                <a:tc>
+                  <a:txBody>
+                    <a:bodyPr/>
+                    <a:lstStyle/>
+                    <a:p>
+                      <a:r>
+                        <a:rPr lang="zh-CN" altLang="en-US" sz="1800" dirty="0" smtClean="0">
+                          <a:solidFill>
+                            <a:schemeClr val="bg1">
+                              <a:lumMod val="50000"/>
+                            </a:schemeClr>
+                          </a:solidFill>
+                        </a:rPr>
+                        <a:t>名称空间</a:t>
+                      </a:r>
+                      <a:r>
+                        <a:rPr lang="en-US" altLang="zh-CN" sz="1800" dirty="0" smtClean="0">
+                          <a:solidFill>
+                            <a:schemeClr val="bg1">
+                              <a:lumMod val="50000"/>
+                            </a:schemeClr>
+                          </a:solidFill>
+                        </a:rPr>
+                        <a:t>, </a:t>
+                      </a:r>
+                      <a:r>
+                        <a:rPr lang="zh-CN" altLang="en-US" sz="1800" dirty="0" smtClean="0">
+                          <a:solidFill>
+                            <a:schemeClr val="bg1">
+                              <a:lumMod val="50000"/>
+                            </a:schemeClr>
+                          </a:solidFill>
+                        </a:rPr>
+                        <a:t>一个</a:t>
+                      </a:r>
+                      <a:r>
+                        <a:rPr lang="en-US" altLang="zh-CN" sz="1800" dirty="0" err="1" smtClean="0">
+                          <a:solidFill>
+                            <a:schemeClr val="bg1">
+                              <a:lumMod val="50000"/>
+                            </a:schemeClr>
+                          </a:solidFill>
+                        </a:rPr>
+                        <a:t>redis</a:t>
+                      </a:r>
+                      <a:r>
+                        <a:rPr lang="en-US" altLang="zh-CN" sz="1800" baseline="0" dirty="0" smtClean="0">
+                          <a:solidFill>
+                            <a:schemeClr val="bg1">
+                              <a:lumMod val="50000"/>
+                            </a:schemeClr>
+                          </a:solidFill>
+                        </a:rPr>
+                        <a:t> cluster</a:t>
+                      </a:r>
+                      <a:r>
+                        <a:rPr lang="zh-CN" altLang="en-US" sz="1800" baseline="0" dirty="0" smtClean="0">
+                          <a:solidFill>
+                            <a:schemeClr val="bg1">
+                              <a:lumMod val="50000"/>
+                            </a:schemeClr>
+                          </a:solidFill>
+                        </a:rPr>
+                        <a:t>对应一个名称空间</a:t>
+                      </a:r>
+                      <a:r>
+                        <a:rPr lang="en-US" altLang="zh-CN" sz="1800" baseline="0" dirty="0" smtClean="0">
+                          <a:solidFill>
+                            <a:schemeClr val="bg1">
+                              <a:lumMod val="50000"/>
+                            </a:schemeClr>
+                          </a:solidFill>
+                        </a:rPr>
+                        <a:t>,</a:t>
+                      </a:r>
+                      <a:r>
+                        <a:rPr lang="zh-CN" altLang="en-US" sz="1800" baseline="0" dirty="0" smtClean="0">
+                          <a:solidFill>
+                            <a:schemeClr val="bg1">
+                              <a:lumMod val="50000"/>
+                            </a:schemeClr>
+                          </a:solidFill>
+                        </a:rPr>
+                        <a:t>供一个业务线或业务应用使用</a:t>
+                      </a:r>
+                      <a:endParaRPr lang="zh-CN" altLang="en-US" sz="1800" dirty="0">
+                        <a:solidFill>
+                          <a:schemeClr val="bg1">
+                            <a:lumMod val="50000"/>
+                          </a:schemeClr>
+                        </a:solidFill>
+                      </a:endParaRPr>
+                    </a:p>
+                  </a:txBody>
+                  <a:tcPr anchor="ctr"/>
+                </a:tc>
+              </a:tr>
+              <a:tr h="1980738">
+                <a:tc>
+                  <a:txBody>
+                    <a:bodyPr/>
+                    <a:lstStyle/>
+                    <a:p>
+                      <a:endParaRPr lang="zh-CN" altLang="en-US" sz="2400" dirty="0">
+                        <a:solidFill>
+                          <a:schemeClr val="bg1">
+                            <a:lumMod val="50000"/>
+                          </a:schemeClr>
+                        </a:solidFill>
+                      </a:endParaRPr>
+                    </a:p>
+                  </a:txBody>
+                  <a:tcPr anchor="ctr"/>
+                </a:tc>
+                <a:tc>
+                  <a:txBody>
+                    <a:bodyPr/>
+                    <a:lstStyle/>
+                    <a:p>
+                      <a:r>
+                        <a:rPr lang="en-US" altLang="zh-CN" sz="2400" dirty="0" smtClean="0">
+                          <a:solidFill>
+                            <a:schemeClr val="bg1">
+                              <a:lumMod val="50000"/>
+                            </a:schemeClr>
+                          </a:solidFill>
+                        </a:rPr>
+                        <a:t>slot</a:t>
+                      </a:r>
+                      <a:endParaRPr lang="zh-CN" altLang="en-US" sz="2400" dirty="0">
+                        <a:solidFill>
+                          <a:schemeClr val="bg1">
+                            <a:lumMod val="50000"/>
+                          </a:schemeClr>
+                        </a:solidFill>
+                      </a:endParaRPr>
+                    </a:p>
+                  </a:txBody>
+                  <a:tcPr anchor="ctr"/>
+                </a:tc>
+                <a:tc>
+                  <a:txBody>
+                    <a:bodyPr/>
+                    <a:lstStyle/>
+                    <a:p>
+                      <a:r>
+                        <a:rPr lang="zh-CN" altLang="en-US" sz="1800" dirty="0" smtClean="0">
+                          <a:solidFill>
+                            <a:schemeClr val="bg1">
+                              <a:lumMod val="50000"/>
+                            </a:schemeClr>
+                          </a:solidFill>
+                        </a:rPr>
+                        <a:t>总槽数</a:t>
+                      </a:r>
+                      <a:r>
+                        <a:rPr lang="en-US" altLang="zh-CN" sz="1800" dirty="0" smtClean="0">
+                          <a:solidFill>
+                            <a:schemeClr val="bg1">
+                              <a:lumMod val="50000"/>
+                            </a:schemeClr>
+                          </a:solidFill>
+                        </a:rPr>
+                        <a:t>, </a:t>
+                      </a:r>
+                      <a:r>
+                        <a:rPr lang="zh-CN" altLang="en-US" sz="1800" dirty="0" smtClean="0">
+                          <a:solidFill>
+                            <a:schemeClr val="bg1">
+                              <a:lumMod val="50000"/>
+                            </a:schemeClr>
+                          </a:solidFill>
+                        </a:rPr>
+                        <a:t>用于计算每个</a:t>
+                      </a:r>
+                      <a:r>
+                        <a:rPr lang="en-US" altLang="zh-CN" sz="1800" dirty="0" smtClean="0">
+                          <a:solidFill>
+                            <a:schemeClr val="bg1">
+                              <a:lumMod val="50000"/>
+                            </a:schemeClr>
+                          </a:solidFill>
+                        </a:rPr>
+                        <a:t>group</a:t>
+                      </a:r>
+                      <a:r>
+                        <a:rPr lang="zh-CN" altLang="en-US" sz="1800" dirty="0" smtClean="0">
+                          <a:solidFill>
+                            <a:schemeClr val="bg1">
+                              <a:lumMod val="50000"/>
+                            </a:schemeClr>
+                          </a:solidFill>
+                        </a:rPr>
+                        <a:t>可分配的槽点范围</a:t>
+                      </a:r>
+                      <a:r>
+                        <a:rPr lang="en-US" altLang="zh-CN" sz="1800" dirty="0" smtClean="0">
+                          <a:solidFill>
+                            <a:schemeClr val="bg1">
+                              <a:lumMod val="50000"/>
+                            </a:schemeClr>
+                          </a:solidFill>
+                        </a:rPr>
+                        <a:t>.</a:t>
+                      </a:r>
+                      <a:r>
+                        <a:rPr lang="en-US" altLang="zh-CN" sz="1800" baseline="0" dirty="0" smtClean="0">
+                          <a:solidFill>
+                            <a:schemeClr val="bg1">
+                              <a:lumMod val="50000"/>
+                            </a:schemeClr>
+                          </a:solidFill>
+                        </a:rPr>
+                        <a:t> </a:t>
+                      </a:r>
+                      <a:r>
+                        <a:rPr lang="zh-CN" altLang="en-US" sz="1800" baseline="0" dirty="0" smtClean="0">
+                          <a:solidFill>
+                            <a:schemeClr val="bg1">
+                              <a:lumMod val="50000"/>
+                            </a:schemeClr>
+                          </a:solidFill>
+                        </a:rPr>
+                        <a:t>要求</a:t>
+                      </a:r>
+                      <a:r>
+                        <a:rPr lang="en-US" altLang="zh-CN" sz="1800" baseline="0" dirty="0" smtClean="0">
+                          <a:solidFill>
+                            <a:schemeClr val="bg1">
+                              <a:lumMod val="50000"/>
+                            </a:schemeClr>
+                          </a:solidFill>
+                        </a:rPr>
+                        <a:t>:</a:t>
+                      </a:r>
+                    </a:p>
+                    <a:p>
+                      <a:pPr marL="457200" indent="-457200">
+                        <a:buAutoNum type="arabicParenBoth"/>
+                      </a:pPr>
+                      <a:r>
+                        <a:rPr lang="zh-CN" altLang="en-US" sz="1800" baseline="0" dirty="0" smtClean="0">
+                          <a:solidFill>
+                            <a:schemeClr val="bg1">
+                              <a:lumMod val="50000"/>
+                            </a:schemeClr>
+                          </a:solidFill>
+                        </a:rPr>
+                        <a:t>总槽数</a:t>
+                      </a:r>
+                      <a:r>
+                        <a:rPr lang="en-US" altLang="zh-CN" sz="1800" baseline="0" dirty="0" smtClean="0">
+                          <a:solidFill>
+                            <a:schemeClr val="bg1">
+                              <a:lumMod val="50000"/>
+                            </a:schemeClr>
+                          </a:solidFill>
+                        </a:rPr>
+                        <a:t>&gt;=group</a:t>
+                      </a:r>
+                      <a:r>
+                        <a:rPr lang="zh-CN" altLang="en-US" sz="1800" baseline="0" dirty="0" smtClean="0">
+                          <a:solidFill>
+                            <a:schemeClr val="bg1">
+                              <a:lumMod val="50000"/>
+                            </a:schemeClr>
+                          </a:solidFill>
+                        </a:rPr>
+                        <a:t>数</a:t>
+                      </a:r>
+                      <a:r>
+                        <a:rPr lang="en-US" altLang="zh-CN" sz="1800" baseline="0" dirty="0" smtClean="0">
+                          <a:solidFill>
+                            <a:schemeClr val="bg1">
+                              <a:lumMod val="50000"/>
+                            </a:schemeClr>
+                          </a:solidFill>
+                        </a:rPr>
+                        <a:t>, </a:t>
+                      </a:r>
+                      <a:r>
+                        <a:rPr lang="zh-CN" altLang="en-US" sz="1800" baseline="0" dirty="0" smtClean="0">
+                          <a:solidFill>
+                            <a:schemeClr val="bg1">
+                              <a:lumMod val="50000"/>
+                            </a:schemeClr>
+                          </a:solidFill>
+                        </a:rPr>
+                        <a:t>否则有些</a:t>
+                      </a:r>
+                      <a:r>
+                        <a:rPr lang="en-US" altLang="zh-CN" sz="1800" baseline="0" dirty="0" smtClean="0">
+                          <a:solidFill>
+                            <a:schemeClr val="bg1">
+                              <a:lumMod val="50000"/>
+                            </a:schemeClr>
+                          </a:solidFill>
+                        </a:rPr>
+                        <a:t>group</a:t>
+                      </a:r>
+                      <a:r>
+                        <a:rPr lang="zh-CN" altLang="en-US" sz="1800" baseline="0" dirty="0" smtClean="0">
+                          <a:solidFill>
+                            <a:schemeClr val="bg1">
+                              <a:lumMod val="50000"/>
+                            </a:schemeClr>
+                          </a:solidFill>
+                        </a:rPr>
+                        <a:t>会分配不到槽点</a:t>
+                      </a:r>
+                      <a:endParaRPr lang="en-US" altLang="zh-CN" sz="1800" baseline="0" dirty="0" smtClean="0">
+                        <a:solidFill>
+                          <a:schemeClr val="bg1">
+                            <a:lumMod val="50000"/>
+                          </a:schemeClr>
+                        </a:solidFill>
+                      </a:endParaRPr>
+                    </a:p>
+                    <a:p>
+                      <a:pPr marL="457200" indent="-457200">
+                        <a:buAutoNum type="arabicParenBoth"/>
+                      </a:pPr>
+                      <a:r>
+                        <a:rPr lang="zh-CN" altLang="en-US" sz="1800" baseline="0" dirty="0" smtClean="0">
+                          <a:solidFill>
+                            <a:schemeClr val="bg1">
+                              <a:lumMod val="50000"/>
+                            </a:schemeClr>
+                          </a:solidFill>
+                        </a:rPr>
+                        <a:t>总槽数尽可能大</a:t>
+                      </a:r>
+                      <a:r>
+                        <a:rPr lang="en-US" altLang="zh-CN" sz="1800" baseline="0" dirty="0" smtClean="0">
+                          <a:solidFill>
+                            <a:schemeClr val="bg1">
+                              <a:lumMod val="50000"/>
+                            </a:schemeClr>
+                          </a:solidFill>
+                        </a:rPr>
+                        <a:t>(</a:t>
+                      </a:r>
+                      <a:r>
+                        <a:rPr lang="zh-CN" altLang="en-US" sz="1800" baseline="0" dirty="0" smtClean="0">
+                          <a:solidFill>
+                            <a:schemeClr val="bg1">
+                              <a:lumMod val="50000"/>
+                            </a:schemeClr>
+                          </a:solidFill>
+                        </a:rPr>
+                        <a:t>比如</a:t>
+                      </a:r>
+                      <a:r>
+                        <a:rPr lang="en-US" altLang="zh-CN" sz="1800" baseline="0" dirty="0" smtClean="0">
+                          <a:solidFill>
+                            <a:schemeClr val="bg1">
+                              <a:lumMod val="50000"/>
+                            </a:schemeClr>
+                          </a:solidFill>
+                        </a:rPr>
+                        <a:t>1024), </a:t>
+                      </a:r>
+                      <a:r>
+                        <a:rPr lang="zh-CN" altLang="en-US" sz="1800" baseline="0" dirty="0" smtClean="0">
+                          <a:solidFill>
+                            <a:schemeClr val="bg1">
+                              <a:lumMod val="50000"/>
+                            </a:schemeClr>
+                          </a:solidFill>
+                        </a:rPr>
+                        <a:t>这样</a:t>
+                      </a:r>
+                      <a:r>
+                        <a:rPr lang="en-US" altLang="zh-CN" sz="1800" baseline="0" dirty="0" err="1" smtClean="0">
+                          <a:solidFill>
+                            <a:schemeClr val="bg1">
+                              <a:lumMod val="50000"/>
+                            </a:schemeClr>
+                          </a:solidFill>
+                        </a:rPr>
+                        <a:t>sharding</a:t>
+                      </a:r>
+                      <a:r>
+                        <a:rPr lang="en-US" altLang="zh-CN" sz="1800" baseline="0" dirty="0" smtClean="0">
+                          <a:solidFill>
+                            <a:schemeClr val="bg1">
+                              <a:lumMod val="50000"/>
+                            </a:schemeClr>
+                          </a:solidFill>
+                        </a:rPr>
+                        <a:t>/</a:t>
+                      </a:r>
+                      <a:r>
+                        <a:rPr lang="en-US" altLang="zh-CN" sz="1800" baseline="0" dirty="0" err="1" smtClean="0">
+                          <a:solidFill>
+                            <a:schemeClr val="bg1">
+                              <a:lumMod val="50000"/>
+                            </a:schemeClr>
+                          </a:solidFill>
+                        </a:rPr>
+                        <a:t>resharding</a:t>
+                      </a:r>
+                      <a:r>
+                        <a:rPr lang="zh-CN" altLang="en-US" sz="1800" baseline="0" dirty="0" smtClean="0">
+                          <a:solidFill>
+                            <a:schemeClr val="bg1">
+                              <a:lumMod val="50000"/>
+                            </a:schemeClr>
+                          </a:solidFill>
+                        </a:rPr>
+                        <a:t>时对可用性影响小</a:t>
+                      </a:r>
+                      <a:endParaRPr lang="zh-CN" altLang="en-US" sz="1800" dirty="0">
+                        <a:solidFill>
+                          <a:schemeClr val="bg1">
+                            <a:lumMod val="50000"/>
+                          </a:schemeClr>
+                        </a:solidFill>
+                      </a:endParaRPr>
+                    </a:p>
+                  </a:txBody>
+                  <a:tcPr anchor="ctr"/>
+                </a:tc>
+              </a:tr>
+              <a:tr h="699993">
+                <a:tc>
+                  <a:txBody>
+                    <a:bodyPr/>
+                    <a:lstStyle/>
+                    <a:p>
+                      <a:r>
+                        <a:rPr lang="zh-CN" altLang="en-US" sz="2400" dirty="0" smtClean="0">
+                          <a:solidFill>
+                            <a:schemeClr val="bg1">
+                              <a:lumMod val="50000"/>
+                            </a:schemeClr>
+                          </a:solidFill>
+                        </a:rPr>
+                        <a:t>协调器配置</a:t>
+                      </a:r>
+                      <a:r>
+                        <a:rPr lang="en-US" altLang="zh-CN" sz="2400" dirty="0" smtClean="0">
+                          <a:solidFill>
+                            <a:schemeClr val="bg1">
+                              <a:lumMod val="50000"/>
+                            </a:schemeClr>
+                          </a:solidFill>
+                        </a:rPr>
+                        <a:t>(coordinator)</a:t>
+                      </a:r>
+                      <a:endParaRPr lang="zh-CN" altLang="en-US" sz="2400" dirty="0">
+                        <a:solidFill>
+                          <a:schemeClr val="bg1">
+                            <a:lumMod val="50000"/>
+                          </a:schemeClr>
+                        </a:solidFill>
+                      </a:endParaRPr>
+                    </a:p>
+                  </a:txBody>
+                  <a:tcPr anchor="ctr"/>
+                </a:tc>
+                <a:tc>
+                  <a:txBody>
+                    <a:bodyPr/>
+                    <a:lstStyle/>
+                    <a:p>
+                      <a:r>
+                        <a:rPr lang="en-US" altLang="zh-CN" sz="2400" dirty="0" smtClean="0">
+                          <a:solidFill>
+                            <a:schemeClr val="bg1">
+                              <a:lumMod val="50000"/>
+                            </a:schemeClr>
+                          </a:solidFill>
+                        </a:rPr>
+                        <a:t>type</a:t>
+                      </a:r>
+                      <a:endParaRPr lang="zh-CN" altLang="en-US" sz="2400" dirty="0">
+                        <a:solidFill>
+                          <a:schemeClr val="bg1">
+                            <a:lumMod val="50000"/>
+                          </a:schemeClr>
+                        </a:solidFill>
+                      </a:endParaRPr>
+                    </a:p>
+                  </a:txBody>
+                  <a:tcPr anchor="ctr"/>
+                </a:tc>
+                <a:tc>
+                  <a:txBody>
+                    <a:bodyPr/>
+                    <a:lstStyle/>
+                    <a:p>
+                      <a:r>
+                        <a:rPr lang="zh-CN" altLang="en-US" sz="1800" dirty="0" smtClean="0">
+                          <a:solidFill>
+                            <a:schemeClr val="bg1">
+                              <a:lumMod val="50000"/>
+                            </a:schemeClr>
+                          </a:solidFill>
+                        </a:rPr>
+                        <a:t>协调器类型</a:t>
+                      </a:r>
+                      <a:r>
+                        <a:rPr lang="en-US" altLang="zh-CN" sz="1800" dirty="0" smtClean="0">
+                          <a:solidFill>
+                            <a:schemeClr val="bg1">
+                              <a:lumMod val="50000"/>
+                            </a:schemeClr>
+                          </a:solidFill>
+                        </a:rPr>
+                        <a:t>. </a:t>
+                      </a:r>
+                      <a:r>
+                        <a:rPr lang="zh-CN" altLang="en-US" sz="1800" dirty="0" smtClean="0">
+                          <a:solidFill>
+                            <a:schemeClr val="bg1">
+                              <a:lumMod val="50000"/>
+                            </a:schemeClr>
+                          </a:solidFill>
+                        </a:rPr>
+                        <a:t>目前用</a:t>
+                      </a:r>
+                      <a:r>
+                        <a:rPr lang="en-US" altLang="zh-CN" sz="1800" dirty="0" smtClean="0">
+                          <a:solidFill>
+                            <a:schemeClr val="bg1">
+                              <a:lumMod val="50000"/>
+                            </a:schemeClr>
+                          </a:solidFill>
+                        </a:rPr>
+                        <a:t>zookeeper</a:t>
+                      </a:r>
+                      <a:endParaRPr lang="zh-CN" altLang="en-US" sz="1800" dirty="0">
+                        <a:solidFill>
+                          <a:schemeClr val="bg1">
+                            <a:lumMod val="50000"/>
+                          </a:schemeClr>
+                        </a:solidFill>
+                      </a:endParaRPr>
+                    </a:p>
+                  </a:txBody>
+                  <a:tcPr anchor="ctr"/>
+                </a:tc>
+              </a:tr>
+              <a:tr h="895402">
+                <a:tc>
+                  <a:txBody>
+                    <a:bodyPr/>
+                    <a:lstStyle/>
+                    <a:p>
+                      <a:endParaRPr lang="zh-CN" altLang="en-US" sz="2400">
+                        <a:solidFill>
+                          <a:schemeClr val="bg1">
+                            <a:lumMod val="50000"/>
+                          </a:schemeClr>
+                        </a:solidFill>
+                      </a:endParaRPr>
+                    </a:p>
+                  </a:txBody>
+                  <a:tcPr anchor="ctr"/>
+                </a:tc>
+                <a:tc>
+                  <a:txBody>
+                    <a:bodyPr/>
+                    <a:lstStyle/>
+                    <a:p>
+                      <a:r>
+                        <a:rPr lang="en-US" altLang="zh-CN" sz="2400" dirty="0" smtClean="0">
+                          <a:solidFill>
+                            <a:schemeClr val="bg1">
+                              <a:lumMod val="50000"/>
+                            </a:schemeClr>
+                          </a:solidFill>
+                        </a:rPr>
+                        <a:t>address</a:t>
+                      </a:r>
+                      <a:endParaRPr lang="zh-CN" altLang="en-US" sz="2400" dirty="0">
+                        <a:solidFill>
+                          <a:schemeClr val="bg1">
+                            <a:lumMod val="50000"/>
+                          </a:schemeClr>
+                        </a:solidFill>
+                      </a:endParaRPr>
+                    </a:p>
+                  </a:txBody>
+                  <a:tcPr anchor="ctr"/>
+                </a:tc>
+                <a:tc>
+                  <a:txBody>
+                    <a:bodyPr/>
+                    <a:lstStyle/>
+                    <a:p>
+                      <a:r>
+                        <a:rPr lang="zh-CN" altLang="en-US" sz="1800" dirty="0" smtClean="0">
+                          <a:solidFill>
+                            <a:schemeClr val="bg1">
+                              <a:lumMod val="50000"/>
+                            </a:schemeClr>
+                          </a:solidFill>
+                        </a:rPr>
+                        <a:t>协调器集群地址</a:t>
+                      </a:r>
+                      <a:r>
+                        <a:rPr lang="en-US" altLang="zh-CN" sz="1800" dirty="0" smtClean="0">
+                          <a:solidFill>
+                            <a:schemeClr val="bg1">
+                              <a:lumMod val="50000"/>
+                            </a:schemeClr>
+                          </a:solidFill>
+                        </a:rPr>
+                        <a:t>. </a:t>
+                      </a:r>
+                      <a:r>
+                        <a:rPr lang="zh-CN" altLang="en-US" sz="1800" dirty="0" smtClean="0">
+                          <a:solidFill>
+                            <a:schemeClr val="bg1">
+                              <a:lumMod val="50000"/>
+                            </a:schemeClr>
+                          </a:solidFill>
+                        </a:rPr>
+                        <a:t>比如</a:t>
+                      </a:r>
+                      <a:r>
+                        <a:rPr lang="en-US" altLang="zh-CN" sz="1800" dirty="0" smtClean="0">
+                          <a:solidFill>
+                            <a:schemeClr val="bg1">
+                              <a:lumMod val="50000"/>
+                            </a:schemeClr>
+                          </a:solidFill>
+                        </a:rPr>
+                        <a:t>ip1:port1;ip2:port2;…</a:t>
+                      </a:r>
+                    </a:p>
+                    <a:p>
+                      <a:r>
+                        <a:rPr lang="zh-CN" altLang="en-US" sz="1800" dirty="0" smtClean="0">
+                          <a:solidFill>
+                            <a:schemeClr val="bg1">
+                              <a:lumMod val="50000"/>
+                            </a:schemeClr>
+                          </a:solidFill>
+                        </a:rPr>
+                        <a:t>多地址以分号分隔</a:t>
+                      </a:r>
+                      <a:endParaRPr lang="zh-CN" altLang="en-US" sz="1800" dirty="0">
+                        <a:solidFill>
+                          <a:schemeClr val="bg1">
+                            <a:lumMod val="50000"/>
+                          </a:schemeClr>
+                        </a:solidFill>
+                      </a:endParaRPr>
+                    </a:p>
+                  </a:txBody>
+                  <a:tcPr anchor="ctr"/>
+                </a:tc>
+              </a:tr>
+              <a:tr h="1709404">
+                <a:tc>
+                  <a:txBody>
+                    <a:bodyPr/>
+                    <a:lstStyle/>
+                    <a:p>
+                      <a:r>
+                        <a:rPr lang="zh-CN" altLang="en-US" sz="2400" dirty="0" smtClean="0">
+                          <a:solidFill>
+                            <a:schemeClr val="bg1">
+                              <a:lumMod val="50000"/>
+                            </a:schemeClr>
+                          </a:solidFill>
+                        </a:rPr>
+                        <a:t>数据迁移配置</a:t>
+                      </a:r>
+                      <a:r>
+                        <a:rPr lang="en-US" altLang="zh-CN" sz="2400" dirty="0" smtClean="0">
+                          <a:solidFill>
+                            <a:schemeClr val="bg1">
+                              <a:lumMod val="50000"/>
+                            </a:schemeClr>
+                          </a:solidFill>
+                        </a:rPr>
+                        <a:t>(migrate)</a:t>
+                      </a:r>
+                      <a:endParaRPr lang="zh-CN" altLang="en-US" sz="2400" dirty="0">
+                        <a:solidFill>
+                          <a:schemeClr val="bg1">
+                            <a:lumMod val="50000"/>
+                          </a:schemeClr>
+                        </a:solidFill>
+                      </a:endParaRPr>
+                    </a:p>
+                  </a:txBody>
+                  <a:tcPr anchor="ctr"/>
+                </a:tc>
+                <a:tc>
+                  <a:txBody>
+                    <a:bodyPr/>
+                    <a:lstStyle/>
+                    <a:p>
+                      <a:r>
+                        <a:rPr lang="en-US" altLang="zh-CN" sz="2400" dirty="0" err="1" smtClean="0">
+                          <a:solidFill>
+                            <a:schemeClr val="bg1">
+                              <a:lumMod val="50000"/>
+                            </a:schemeClr>
+                          </a:solidFill>
+                        </a:rPr>
+                        <a:t>slot.timeout</a:t>
+                      </a:r>
+                      <a:endParaRPr lang="zh-CN" altLang="en-US" sz="2400" dirty="0">
+                        <a:solidFill>
+                          <a:schemeClr val="bg1">
+                            <a:lumMod val="50000"/>
+                          </a:schemeClr>
+                        </a:solidFill>
+                      </a:endParaRPr>
+                    </a:p>
+                  </a:txBody>
+                  <a:tcPr anchor="ctr"/>
+                </a:tc>
+                <a:tc>
+                  <a:txBody>
+                    <a:bodyPr/>
+                    <a:lstStyle/>
+                    <a:p>
+                      <a:r>
+                        <a:rPr lang="en-US" altLang="zh-CN" sz="1800" dirty="0" err="1" smtClean="0">
+                          <a:solidFill>
+                            <a:schemeClr val="bg1">
+                              <a:lumMod val="50000"/>
+                            </a:schemeClr>
+                          </a:solidFill>
+                        </a:rPr>
+                        <a:t>sharding</a:t>
+                      </a:r>
+                      <a:r>
+                        <a:rPr lang="en-US" altLang="zh-CN" sz="1800" dirty="0" smtClean="0">
+                          <a:solidFill>
+                            <a:schemeClr val="bg1">
+                              <a:lumMod val="50000"/>
+                            </a:schemeClr>
+                          </a:solidFill>
+                        </a:rPr>
+                        <a:t>/</a:t>
+                      </a:r>
+                      <a:r>
+                        <a:rPr lang="en-US" altLang="zh-CN" sz="1800" dirty="0" err="1" smtClean="0">
+                          <a:solidFill>
+                            <a:schemeClr val="bg1">
+                              <a:lumMod val="50000"/>
+                            </a:schemeClr>
+                          </a:solidFill>
+                        </a:rPr>
+                        <a:t>resharding</a:t>
+                      </a:r>
+                      <a:r>
+                        <a:rPr lang="zh-CN" altLang="en-US" sz="1800" dirty="0" smtClean="0">
+                          <a:solidFill>
+                            <a:schemeClr val="bg1">
+                              <a:lumMod val="50000"/>
+                            </a:schemeClr>
+                          </a:solidFill>
+                        </a:rPr>
+                        <a:t>时的数据迁移是以单个槽点</a:t>
+                      </a:r>
+                      <a:r>
+                        <a:rPr lang="en-US" altLang="zh-CN" sz="1800" dirty="0" smtClean="0">
+                          <a:solidFill>
+                            <a:schemeClr val="bg1">
+                              <a:lumMod val="50000"/>
+                            </a:schemeClr>
+                          </a:solidFill>
+                        </a:rPr>
+                        <a:t>(slot)</a:t>
+                      </a:r>
+                      <a:r>
+                        <a:rPr lang="zh-CN" altLang="en-US" sz="1800" dirty="0" smtClean="0">
+                          <a:solidFill>
+                            <a:schemeClr val="bg1">
+                              <a:lumMod val="50000"/>
+                            </a:schemeClr>
+                          </a:solidFill>
+                        </a:rPr>
+                        <a:t>为迁移单位</a:t>
+                      </a:r>
+                      <a:r>
+                        <a:rPr lang="en-US" altLang="zh-CN" sz="1800" dirty="0" smtClean="0">
+                          <a:solidFill>
+                            <a:schemeClr val="bg1">
+                              <a:lumMod val="50000"/>
+                            </a:schemeClr>
+                          </a:solidFill>
+                        </a:rPr>
+                        <a:t>. </a:t>
+                      </a:r>
+                      <a:r>
+                        <a:rPr lang="zh-CN" altLang="en-US" sz="1800" dirty="0" smtClean="0">
+                          <a:solidFill>
+                            <a:schemeClr val="bg1">
+                              <a:lumMod val="50000"/>
+                            </a:schemeClr>
+                          </a:solidFill>
+                        </a:rPr>
+                        <a:t>在此槽点数据迁移时</a:t>
+                      </a:r>
+                      <a:r>
+                        <a:rPr lang="en-US" altLang="zh-CN" sz="1800" dirty="0" smtClean="0">
+                          <a:solidFill>
+                            <a:schemeClr val="bg1">
+                              <a:lumMod val="50000"/>
+                            </a:schemeClr>
+                          </a:solidFill>
+                        </a:rPr>
+                        <a:t>, </a:t>
+                      </a:r>
+                      <a:r>
+                        <a:rPr lang="zh-CN" altLang="en-US" sz="1800" dirty="0" smtClean="0">
+                          <a:solidFill>
+                            <a:schemeClr val="bg1">
+                              <a:lumMod val="50000"/>
+                            </a:schemeClr>
+                          </a:solidFill>
+                        </a:rPr>
+                        <a:t>所有对此槽点的数据操作均不可用</a:t>
+                      </a:r>
+                      <a:r>
+                        <a:rPr lang="en-US" altLang="zh-CN" sz="1800" dirty="0" smtClean="0">
+                          <a:solidFill>
+                            <a:schemeClr val="bg1">
+                              <a:lumMod val="50000"/>
+                            </a:schemeClr>
+                          </a:solidFill>
+                        </a:rPr>
+                        <a:t>. </a:t>
+                      </a:r>
+                      <a:r>
+                        <a:rPr lang="zh-CN" altLang="en-US" sz="1800" dirty="0" smtClean="0">
+                          <a:solidFill>
+                            <a:schemeClr val="bg1">
+                              <a:lumMod val="50000"/>
+                            </a:schemeClr>
+                          </a:solidFill>
+                        </a:rPr>
+                        <a:t>如客户端有对此槽点的数据操作</a:t>
+                      </a:r>
+                      <a:r>
+                        <a:rPr lang="en-US" altLang="zh-CN" sz="1800" dirty="0" smtClean="0">
+                          <a:solidFill>
+                            <a:schemeClr val="bg1">
+                              <a:lumMod val="50000"/>
+                            </a:schemeClr>
+                          </a:solidFill>
+                        </a:rPr>
+                        <a:t>, </a:t>
+                      </a:r>
+                      <a:r>
+                        <a:rPr lang="zh-CN" altLang="en-US" sz="1800" dirty="0" smtClean="0">
+                          <a:solidFill>
+                            <a:schemeClr val="bg1">
+                              <a:lumMod val="50000"/>
+                            </a:schemeClr>
+                          </a:solidFill>
+                        </a:rPr>
+                        <a:t>等待的超时时间</a:t>
+                      </a:r>
+                      <a:endParaRPr lang="zh-CN" altLang="en-US" sz="1800" dirty="0">
+                        <a:solidFill>
+                          <a:schemeClr val="bg1">
+                            <a:lumMod val="50000"/>
+                          </a:schemeClr>
+                        </a:solidFill>
+                      </a:endParaRPr>
+                    </a:p>
+                  </a:txBody>
+                  <a:tcPr anchor="ctr"/>
+                </a:tc>
+              </a:tr>
+              <a:tr h="699993">
+                <a:tc>
+                  <a:txBody>
+                    <a:bodyPr/>
+                    <a:lstStyle/>
+                    <a:p>
+                      <a:endParaRPr lang="zh-CN" altLang="en-US" sz="2400">
+                        <a:solidFill>
+                          <a:schemeClr val="bg1">
+                            <a:lumMod val="50000"/>
+                          </a:schemeClr>
+                        </a:solidFill>
+                      </a:endParaRPr>
+                    </a:p>
+                  </a:txBody>
+                  <a:tcPr anchor="ctr"/>
+                </a:tc>
+                <a:tc>
+                  <a:txBody>
+                    <a:bodyPr/>
+                    <a:lstStyle/>
+                    <a:p>
+                      <a:r>
+                        <a:rPr lang="en-US" altLang="zh-CN" sz="2400" dirty="0" err="1" smtClean="0">
+                          <a:solidFill>
+                            <a:schemeClr val="bg1">
+                              <a:lumMod val="50000"/>
+                            </a:schemeClr>
+                          </a:solidFill>
+                        </a:rPr>
+                        <a:t>slot.retries</a:t>
+                      </a:r>
+                      <a:endParaRPr lang="zh-CN" altLang="en-US" sz="2400" dirty="0">
+                        <a:solidFill>
+                          <a:schemeClr val="bg1">
+                            <a:lumMod val="50000"/>
+                          </a:schemeClr>
+                        </a:solidFill>
+                      </a:endParaRPr>
+                    </a:p>
+                  </a:txBody>
+                  <a:tcPr anchor="ctr"/>
+                </a:tc>
+                <a:tc>
+                  <a:txBody>
+                    <a:bodyPr/>
+                    <a:lstStyle/>
+                    <a:p>
+                      <a:r>
+                        <a:rPr lang="zh-CN" altLang="en-US" sz="1800" dirty="0" smtClean="0">
+                          <a:solidFill>
+                            <a:schemeClr val="bg1">
+                              <a:lumMod val="50000"/>
+                            </a:schemeClr>
+                          </a:solidFill>
+                        </a:rPr>
+                        <a:t>客户端在槽点数据迁移不可用时</a:t>
+                      </a:r>
+                      <a:r>
+                        <a:rPr lang="en-US" altLang="zh-CN" sz="1800" dirty="0" smtClean="0">
+                          <a:solidFill>
+                            <a:schemeClr val="bg1">
+                              <a:lumMod val="50000"/>
+                            </a:schemeClr>
+                          </a:solidFill>
+                        </a:rPr>
+                        <a:t>,</a:t>
+                      </a:r>
+                      <a:r>
+                        <a:rPr lang="zh-CN" altLang="en-US" sz="1800" dirty="0" smtClean="0">
+                          <a:solidFill>
+                            <a:schemeClr val="bg1">
+                              <a:lumMod val="50000"/>
+                            </a:schemeClr>
+                          </a:solidFill>
+                        </a:rPr>
+                        <a:t>等待的重试次数</a:t>
+                      </a:r>
+                      <a:endParaRPr lang="zh-CN" altLang="en-US" sz="1800" dirty="0">
+                        <a:solidFill>
+                          <a:schemeClr val="bg1">
+                            <a:lumMod val="50000"/>
+                          </a:schemeClr>
+                        </a:solidFill>
+                      </a:endParaRPr>
+                    </a:p>
+                  </a:txBody>
+                  <a:tcPr anchor="ctr"/>
+                </a:tc>
+              </a:tr>
+            </a:tbl>
+          </a:graphicData>
+        </a:graphic>
+      </p:graphicFrame>
+    </p:spTree>
+  </p:cSld>
+  <p:clrMapOvr>
+    <a:masterClrMapping/>
+  </p:clrMapOvr>
+  <p:transition spd="med"/>
+  <p:timing>
+    <p:tnLst>
+      <p:par>
+        <p:cTn id="1" dur="indefinite" restart="never" nodeType="tmRoot"/>
+      </p:par>
+    </p:tnLst>
+  </p:timing>
+</p:sld>
+</file>
+
+<file path=ppt/slides/slide22.xml><?xml version="1.0" encoding="utf-8"?>
 <p:sld xmlns:a="http://schemas.openxmlformats.org/drawingml/2006/main" xmlns:r="http://schemas.openxmlformats.org/officeDocument/2006/relationships" xmlns:p="http://schemas.openxmlformats.org/presentationml/2006/main" showMasterSp="0">
   <p:cSld>
     <p:spTree>
@@ -15412,292 +19483,6 @@
                 <a:ea typeface="黑体" pitchFamily="49" charset="-122"/>
               </a:rPr>
               <a:t>谢     谢</a:t>
-            </a:r>
-          </a:p>
-        </p:txBody>
-      </p:sp>
-    </p:spTree>
-  </p:cSld>
-  <p:clrMapOvr>
-    <a:masterClrMapping/>
-  </p:clrMapOvr>
-  <p:transition spd="med"/>
-  <p:timing>
-    <p:tnLst>
-      <p:par>
-        <p:cTn id="1" dur="indefinite" restart="never" nodeType="tmRoot"/>
-      </p:par>
-    </p:tnLst>
-  </p:timing>
-</p:sld>
-</file>
-
-<file path=ppt/slides/slide2.xml><?xml version="1.0" encoding="utf-8"?>
-<p:sld xmlns:a="http://schemas.openxmlformats.org/drawingml/2006/main" xmlns:r="http://schemas.openxmlformats.org/officeDocument/2006/relationships" xmlns:p="http://schemas.openxmlformats.org/presentationml/2006/main">
-  <p:cSld>
-    <p:spTree>
-      <p:nvGrpSpPr>
-        <p:cNvPr id="1" name=""/>
-        <p:cNvGrpSpPr/>
-        <p:nvPr/>
-      </p:nvGrpSpPr>
-      <p:grpSpPr>
-        <a:xfrm>
-          <a:off x="0" y="0"/>
-          <a:ext cx="0" cy="0"/>
-          <a:chOff x="0" y="0"/>
-          <a:chExt cx="0" cy="0"/>
-        </a:xfrm>
-      </p:grpSpPr>
-      <p:sp>
-        <p:nvSpPr>
-          <p:cNvPr id="4098" name="未知"/>
-          <p:cNvSpPr>
-            <a:spLocks/>
-          </p:cNvSpPr>
-          <p:nvPr/>
-        </p:nvSpPr>
-        <p:spPr bwMode="auto">
-          <a:xfrm>
-            <a:off x="22225" y="844550"/>
-            <a:ext cx="5041900" cy="76200"/>
-          </a:xfrm>
-          <a:custGeom>
-            <a:avLst/>
-            <a:gdLst>
-              <a:gd name="T0" fmla="*/ 0 w 5367"/>
-              <a:gd name="T1" fmla="*/ 0 h 644"/>
-              <a:gd name="T2" fmla="*/ 2147483647 w 5367"/>
-              <a:gd name="T3" fmla="*/ 0 h 644"/>
-              <a:gd name="T4" fmla="*/ 0 60000 65536"/>
-              <a:gd name="T5" fmla="*/ 0 60000 65536"/>
-              <a:gd name="T6" fmla="*/ 0 w 5367"/>
-              <a:gd name="T7" fmla="*/ 0 h 644"/>
-              <a:gd name="T8" fmla="*/ 5367 w 5367"/>
-              <a:gd name="T9" fmla="*/ 644 h 644"/>
-            </a:gdLst>
-            <a:ahLst/>
-            <a:cxnLst>
-              <a:cxn ang="T4">
-                <a:pos x="T0" y="T1"/>
-              </a:cxn>
-              <a:cxn ang="T5">
-                <a:pos x="T2" y="T3"/>
-              </a:cxn>
-            </a:cxnLst>
-            <a:rect l="T6" t="T7" r="T8" b="T9"/>
-            <a:pathLst>
-              <a:path w="5367" h="644">
-                <a:moveTo>
-                  <a:pt x="0" y="0"/>
-                </a:moveTo>
-                <a:lnTo>
-                  <a:pt x="5367" y="0"/>
-                </a:lnTo>
-              </a:path>
-            </a:pathLst>
-          </a:custGeom>
-          <a:noFill/>
-          <a:ln w="22225">
-            <a:solidFill>
-              <a:srgbClr val="E83100"/>
-            </a:solidFill>
-            <a:round/>
-            <a:headEnd/>
-            <a:tailEnd/>
-          </a:ln>
-        </p:spPr>
-        <p:txBody>
-          <a:bodyPr lIns="0" tIns="0" rIns="0" bIns="0" anchor="ctr">
-            <a:spAutoFit/>
-          </a:bodyPr>
-          <a:lstStyle/>
-          <a:p>
-            <a:endParaRPr lang="zh-CN" altLang="en-US"/>
-          </a:p>
-        </p:txBody>
-      </p:sp>
-      <p:sp>
-        <p:nvSpPr>
-          <p:cNvPr id="4099" name="Rectangle 5" descr="harmony_tile_blue"/>
-          <p:cNvSpPr>
-            <a:spLocks noChangeArrowheads="1"/>
-          </p:cNvSpPr>
-          <p:nvPr/>
-        </p:nvSpPr>
-        <p:spPr bwMode="auto">
-          <a:xfrm>
-            <a:off x="741363" y="5092700"/>
-            <a:ext cx="11593512" cy="650875"/>
-          </a:xfrm>
-          <a:prstGeom prst="rect">
-            <a:avLst/>
-          </a:prstGeom>
-          <a:noFill/>
-          <a:ln w="9525">
-            <a:noFill/>
-            <a:miter lim="800000"/>
-            <a:headEnd/>
-            <a:tailEnd/>
-          </a:ln>
-        </p:spPr>
-        <p:txBody>
-          <a:bodyPr lIns="50800" tIns="50800" rIns="50800" bIns="50800" anchor="ctr">
-            <a:spAutoFit/>
-          </a:bodyPr>
-          <a:lstStyle/>
-          <a:p>
-            <a:pPr algn="l"/>
-            <a:endParaRPr lang="zh-CN" altLang="en-US">
-              <a:ea typeface="宋体" pitchFamily="2" charset="-122"/>
-            </a:endParaRPr>
-          </a:p>
-        </p:txBody>
-      </p:sp>
-      <p:sp>
-        <p:nvSpPr>
-          <p:cNvPr id="4100" name="TextBox 3"/>
-          <p:cNvSpPr txBox="1">
-            <a:spLocks noChangeArrowheads="1"/>
-          </p:cNvSpPr>
-          <p:nvPr/>
-        </p:nvSpPr>
-        <p:spPr bwMode="auto">
-          <a:xfrm>
-            <a:off x="598488" y="31750"/>
-            <a:ext cx="1511300" cy="830263"/>
-          </a:xfrm>
-          <a:prstGeom prst="rect">
-            <a:avLst/>
-          </a:prstGeom>
-          <a:noFill/>
-          <a:ln w="9525">
-            <a:noFill/>
-            <a:miter lim="800000"/>
-            <a:headEnd/>
-            <a:tailEnd/>
-          </a:ln>
-        </p:spPr>
-        <p:txBody>
-          <a:bodyPr>
-            <a:spAutoFit/>
-          </a:bodyPr>
-          <a:lstStyle/>
-          <a:p>
-            <a:pPr algn="l"/>
-            <a:r>
-              <a:rPr lang="zh-CN" altLang="en-US" sz="4800"/>
-              <a:t>目录</a:t>
-            </a:r>
-          </a:p>
-        </p:txBody>
-      </p:sp>
-      <p:sp>
-        <p:nvSpPr>
-          <p:cNvPr id="4101" name="TextBox 4"/>
-          <p:cNvSpPr txBox="1">
-            <a:spLocks noChangeArrowheads="1"/>
-          </p:cNvSpPr>
-          <p:nvPr/>
-        </p:nvSpPr>
-        <p:spPr bwMode="auto">
-          <a:xfrm>
-            <a:off x="1462088" y="1997075"/>
-            <a:ext cx="8064500" cy="5078413"/>
-          </a:xfrm>
-          <a:prstGeom prst="rect">
-            <a:avLst/>
-          </a:prstGeom>
-          <a:noFill/>
-          <a:ln w="9525">
-            <a:noFill/>
-            <a:miter lim="800000"/>
-            <a:headEnd/>
-            <a:tailEnd/>
-          </a:ln>
-        </p:spPr>
-        <p:txBody>
-          <a:bodyPr>
-            <a:spAutoFit/>
-          </a:bodyPr>
-          <a:lstStyle/>
-          <a:p>
-            <a:pPr algn="l"/>
-            <a:r>
-              <a:rPr lang="en-US" altLang="zh-CN" dirty="0"/>
-              <a:t>Part 1: </a:t>
-            </a:r>
-            <a:r>
-              <a:rPr lang="zh-CN" altLang="en-US" dirty="0"/>
-              <a:t>任务分析</a:t>
-            </a:r>
-            <a:endParaRPr lang="en-US" altLang="zh-CN" dirty="0"/>
-          </a:p>
-          <a:p>
-            <a:pPr algn="l"/>
-            <a:endParaRPr lang="en-US" altLang="zh-CN" dirty="0"/>
-          </a:p>
-          <a:p>
-            <a:pPr algn="l"/>
-            <a:r>
-              <a:rPr lang="en-US" altLang="zh-CN" dirty="0"/>
-              <a:t>Part 2: </a:t>
-            </a:r>
-            <a:r>
-              <a:rPr lang="zh-CN" altLang="en-US" dirty="0" smtClean="0"/>
-              <a:t>设计选型</a:t>
-            </a:r>
-            <a:endParaRPr lang="en-US" altLang="zh-CN" dirty="0"/>
-          </a:p>
-          <a:p>
-            <a:pPr algn="l"/>
-            <a:endParaRPr lang="en-US" altLang="zh-CN" dirty="0"/>
-          </a:p>
-          <a:p>
-            <a:pPr algn="l"/>
-            <a:r>
-              <a:rPr lang="en-US" altLang="zh-CN" dirty="0"/>
-              <a:t>Part 3: </a:t>
-            </a:r>
-            <a:r>
-              <a:rPr lang="zh-CN" altLang="en-US" dirty="0"/>
-              <a:t>整体设计</a:t>
-            </a:r>
-            <a:endParaRPr lang="en-US" altLang="zh-CN" dirty="0"/>
-          </a:p>
-          <a:p>
-            <a:pPr algn="l"/>
-            <a:endParaRPr lang="en-US" altLang="zh-CN" dirty="0"/>
-          </a:p>
-          <a:p>
-            <a:pPr algn="l"/>
-            <a:r>
-              <a:rPr lang="en-US" altLang="zh-CN" dirty="0"/>
-              <a:t>Part 4</a:t>
-            </a:r>
-            <a:r>
-              <a:rPr lang="en-US" altLang="zh-CN" dirty="0" smtClean="0"/>
-              <a:t>:</a:t>
-            </a:r>
-            <a:r>
-              <a:rPr lang="zh-CN" altLang="en-US" dirty="0" smtClean="0"/>
-              <a:t>细节设计</a:t>
-            </a:r>
-            <a:endParaRPr lang="en-US" altLang="zh-CN" dirty="0"/>
-          </a:p>
-          <a:p>
-            <a:pPr algn="l"/>
-            <a:endParaRPr lang="en-US" altLang="zh-CN" dirty="0"/>
-          </a:p>
-          <a:p>
-            <a:pPr algn="l"/>
-            <a:r>
-              <a:rPr lang="en-US" altLang="zh-CN" dirty="0"/>
-              <a:t>Part 5: </a:t>
-            </a:r>
-            <a:r>
-              <a:rPr lang="zh-CN" altLang="en-US" dirty="0"/>
-              <a:t>设计总结</a:t>
             </a:r>
           </a:p>
         </p:txBody>
@@ -20976,18 +24761,7 @@
                           <a:ea typeface="+mn-ea"/>
                           <a:cs typeface="+mn-cs"/>
                         </a:rPr>
-                        <a:t>server </a:t>
-                      </a:r>
-                      <a:r>
-                        <a:rPr lang="en-US" altLang="zh-CN" sz="1800" b="1" kern="1200" dirty="0" smtClean="0">
-                          <a:solidFill>
-                            <a:schemeClr val="lt1"/>
-                          </a:solidFill>
-                          <a:latin typeface="+mn-lt"/>
-                          <a:ea typeface="+mn-ea"/>
-                          <a:cs typeface="+mn-cs"/>
-                        </a:rPr>
-                        <a:t>proxy </a:t>
+                        <a:t>server proxy </a:t>
                       </a:r>
                       <a:r>
                         <a:rPr lang="en-US" altLang="zh-CN" sz="1800" b="1" kern="1200" dirty="0" err="1" smtClean="0">
@@ -21320,18 +25094,7 @@
                           <a:ea typeface="+mn-ea"/>
                           <a:cs typeface="+mn-cs"/>
                         </a:rPr>
-                        <a:t>存储</a:t>
-                      </a:r>
-                      <a:r>
-                        <a:rPr lang="zh-CN" altLang="en-US" sz="1800" b="1" kern="1200" dirty="0" smtClean="0">
-                          <a:solidFill>
-                            <a:schemeClr val="lt1"/>
-                          </a:solidFill>
-                          <a:latin typeface="+mn-lt"/>
-                          <a:ea typeface="+mn-ea"/>
-                          <a:cs typeface="+mn-cs"/>
-                        </a:rPr>
-                        <a:t>操作和集群管理分离</a:t>
+                        <a:t>存储操作和集群管理分离</a:t>
                       </a:r>
                     </a:p>
                   </a:txBody>
@@ -22443,18 +26206,7 @@
                           <a:ea typeface="+mn-ea"/>
                           <a:cs typeface="+mn-cs"/>
                         </a:rPr>
-                        <a:t>实现难度</a:t>
-                      </a:r>
-                      <a:r>
-                        <a:rPr lang="zh-CN" altLang="en-US" sz="1800" b="1" kern="1200" baseline="0" dirty="0" smtClean="0">
-                          <a:solidFill>
-                            <a:schemeClr val="lt1"/>
-                          </a:solidFill>
-                          <a:latin typeface="+mn-lt"/>
-                          <a:ea typeface="+mn-ea"/>
-                          <a:cs typeface="+mn-cs"/>
-                        </a:rPr>
-                        <a:t>高</a:t>
+                        <a:t>实现难度高</a:t>
                       </a:r>
                       <a:endParaRPr lang="en-US" altLang="zh-CN" sz="1800" b="1" kern="1200" baseline="0" dirty="0" smtClean="0">
                         <a:solidFill>
@@ -23230,13 +26982,7 @@
               <a:rPr lang="en-US" altLang="zh-CN" dirty="0" smtClean="0">
                 <a:hlinkClick r:id="rId2"/>
               </a:rPr>
-              <a:t>http://</a:t>
-            </a:r>
-            <a:r>
-              <a:rPr lang="en-US" altLang="zh-CN" dirty="0" smtClean="0">
-                <a:hlinkClick r:id="rId2"/>
-              </a:rPr>
-              <a:t>redis.io/topics/protocol</a:t>
+              <a:t>http://redis.io/topics/protocol</a:t>
             </a:r>
             <a:r>
               <a:rPr lang="en-US" altLang="zh-CN" dirty="0" smtClean="0"/>
@@ -23257,13 +27003,7 @@
               <a:rPr lang="en-US" altLang="zh-CN" dirty="0" smtClean="0">
                 <a:hlinkClick r:id="rId3"/>
               </a:rPr>
-              <a:t>http://</a:t>
-            </a:r>
-            <a:r>
-              <a:rPr lang="en-US" altLang="zh-CN" dirty="0" smtClean="0">
-                <a:hlinkClick r:id="rId3"/>
-              </a:rPr>
-              <a:t>www.redis.cn/topics/protocol.html</a:t>
+              <a:t>http://www.redis.cn/topics/protocol.html</a:t>
             </a:r>
             <a:r>
               <a:rPr lang="en-US" altLang="zh-CN" dirty="0" smtClean="0"/>
@@ -23284,13 +27024,7 @@
               <a:rPr lang="en-US" dirty="0" smtClean="0">
                 <a:hlinkClick r:id="rId4"/>
               </a:rPr>
-              <a:t>https://</a:t>
-            </a:r>
-            <a:r>
-              <a:rPr lang="en-US" dirty="0" smtClean="0">
-                <a:hlinkClick r:id="rId4"/>
-              </a:rPr>
-              <a:t>github.com/spullara/redis-protocol.git</a:t>
+              <a:t>https://github.com/spullara/redis-protocol.git</a:t>
             </a:r>
             <a:r>
               <a:rPr lang="en-US" dirty="0" smtClean="0"/>
@@ -23560,11 +27294,7 @@
             </a:r>
             <a:r>
               <a:rPr lang="zh-CN" altLang="en-US" sz="4800" dirty="0" smtClean="0"/>
-              <a:t>代理层实现</a:t>
-            </a:r>
-            <a:r>
-              <a:rPr lang="zh-CN" altLang="en-US" sz="4800" dirty="0" smtClean="0"/>
-              <a:t>考虑二</a:t>
+              <a:t>代理层实现考虑二</a:t>
             </a:r>
             <a:r>
               <a:rPr lang="en-US" altLang="zh-CN" sz="4800" dirty="0" smtClean="0"/>

--- a/基于多数据库的分布式缓存系统方案设计.pptx
+++ b/基于多数据库的分布式缓存系统方案设计.pptx
@@ -520,6 +520,14 @@
           </a:bodyPr>
           <a:lstStyle/>
           <a:p>
+            <a:r>
+              <a:rPr lang="en-US" altLang="zh-CN" dirty="0" smtClean="0"/>
+              <a:t>FFS</a:t>
+            </a:r>
+            <a:r>
+              <a:rPr lang="zh-CN" altLang="en-US" dirty="0" smtClean="0"/>
+              <a:t>应该不予考虑</a:t>
+            </a:r>
             <a:endParaRPr lang="zh-CN" altLang="en-US" dirty="0"/>
           </a:p>
         </p:txBody>
@@ -1158,6 +1166,14 @@
           </a:bodyPr>
           <a:lstStyle/>
           <a:p>
+            <a:r>
+              <a:rPr lang="en-US" altLang="zh-CN" dirty="0" smtClean="0"/>
+              <a:t>FFS</a:t>
+            </a:r>
+            <a:r>
+              <a:rPr lang="zh-CN" altLang="en-US" dirty="0" smtClean="0"/>
+              <a:t>应该不予考虑</a:t>
+            </a:r>
             <a:endParaRPr lang="zh-CN" altLang="en-US" dirty="0"/>
           </a:p>
         </p:txBody>
@@ -1866,6 +1882,122 @@
 </p:notes>
 </file>
 
+<file path=ppt/notesSlides/notesSlide31.xml><?xml version="1.0" encoding="utf-8"?>
+<p:notes xmlns:a="http://schemas.openxmlformats.org/drawingml/2006/main" xmlns:r="http://schemas.openxmlformats.org/officeDocument/2006/relationships" xmlns:p="http://schemas.openxmlformats.org/presentationml/2006/main">
+  <p:cSld>
+    <p:spTree>
+      <p:nvGrpSpPr>
+        <p:cNvPr id="1" name=""/>
+        <p:cNvGrpSpPr/>
+        <p:nvPr/>
+      </p:nvGrpSpPr>
+      <p:grpSpPr>
+        <a:xfrm>
+          <a:off x="0" y="0"/>
+          <a:ext cx="0" cy="0"/>
+          <a:chOff x="0" y="0"/>
+          <a:chExt cx="0" cy="0"/>
+        </a:xfrm>
+      </p:grpSpPr>
+      <p:sp>
+        <p:nvSpPr>
+          <p:cNvPr id="2" name="幻灯片图像占位符 1"/>
+          <p:cNvSpPr>
+            <a:spLocks noGrp="1" noRot="1" noChangeAspect="1"/>
+          </p:cNvSpPr>
+          <p:nvPr>
+            <p:ph type="sldImg"/>
+          </p:nvPr>
+        </p:nvSpPr>
+        <p:spPr/>
+      </p:sp>
+      <p:sp>
+        <p:nvSpPr>
+          <p:cNvPr id="3" name="备注占位符 2"/>
+          <p:cNvSpPr>
+            <a:spLocks noGrp="1"/>
+          </p:cNvSpPr>
+          <p:nvPr>
+            <p:ph type="body" idx="1"/>
+          </p:nvPr>
+        </p:nvSpPr>
+        <p:spPr/>
+        <p:txBody>
+          <a:bodyPr>
+            <a:normAutofit/>
+          </a:bodyPr>
+          <a:lstStyle/>
+          <a:p>
+            <a:endParaRPr lang="zh-CN" altLang="en-US" dirty="0"/>
+          </a:p>
+        </p:txBody>
+      </p:sp>
+    </p:spTree>
+  </p:cSld>
+  <p:clrMapOvr>
+    <a:masterClrMapping/>
+  </p:clrMapOvr>
+</p:notes>
+</file>
+
+<file path=ppt/notesSlides/notesSlide32.xml><?xml version="1.0" encoding="utf-8"?>
+<p:notes xmlns:a="http://schemas.openxmlformats.org/drawingml/2006/main" xmlns:r="http://schemas.openxmlformats.org/officeDocument/2006/relationships" xmlns:p="http://schemas.openxmlformats.org/presentationml/2006/main">
+  <p:cSld>
+    <p:spTree>
+      <p:nvGrpSpPr>
+        <p:cNvPr id="1" name=""/>
+        <p:cNvGrpSpPr/>
+        <p:nvPr/>
+      </p:nvGrpSpPr>
+      <p:grpSpPr>
+        <a:xfrm>
+          <a:off x="0" y="0"/>
+          <a:ext cx="0" cy="0"/>
+          <a:chOff x="0" y="0"/>
+          <a:chExt cx="0" cy="0"/>
+        </a:xfrm>
+      </p:grpSpPr>
+      <p:sp>
+        <p:nvSpPr>
+          <p:cNvPr id="2" name="幻灯片图像占位符 1"/>
+          <p:cNvSpPr>
+            <a:spLocks noGrp="1" noRot="1" noChangeAspect="1"/>
+          </p:cNvSpPr>
+          <p:nvPr>
+            <p:ph type="sldImg"/>
+          </p:nvPr>
+        </p:nvSpPr>
+        <p:spPr/>
+      </p:sp>
+      <p:sp>
+        <p:nvSpPr>
+          <p:cNvPr id="3" name="备注占位符 2"/>
+          <p:cNvSpPr>
+            <a:spLocks noGrp="1"/>
+          </p:cNvSpPr>
+          <p:nvPr>
+            <p:ph type="body" idx="1"/>
+          </p:nvPr>
+        </p:nvSpPr>
+        <p:spPr/>
+        <p:txBody>
+          <a:bodyPr>
+            <a:normAutofit/>
+          </a:bodyPr>
+          <a:lstStyle/>
+          <a:p>
+            <a:endParaRPr lang="zh-CN" altLang="en-US" dirty="0"/>
+          </a:p>
+        </p:txBody>
+      </p:sp>
+    </p:spTree>
+  </p:cSld>
+  <p:clrMapOvr>
+    <a:masterClrMapping/>
+  </p:clrMapOvr>
+</p:notes>
+</file>
+
 <file path=ppt/notesSlides/notesSlide4.xml><?xml version="1.0" encoding="utf-8"?>
 <p:notes xmlns:a="http://schemas.openxmlformats.org/drawingml/2006/main" xmlns:r="http://schemas.openxmlformats.org/officeDocument/2006/relationships" xmlns:p="http://schemas.openxmlformats.org/presentationml/2006/main">
   <p:cSld>
@@ -1970,6 +2102,18 @@
           </a:bodyPr>
           <a:lstStyle/>
           <a:p>
+            <a:r>
+              <a:rPr lang="zh-CN" altLang="en-US" dirty="0" smtClean="0"/>
+              <a:t>文字错误</a:t>
+            </a:r>
+            <a:r>
+              <a:rPr lang="en-US" altLang="zh-CN" dirty="0" smtClean="0"/>
+              <a:t>:</a:t>
+            </a:r>
+            <a:r>
+              <a:rPr lang="zh-CN" altLang="en-US" dirty="0" smtClean="0"/>
+              <a:t>接口改为类型</a:t>
+            </a:r>
             <a:endParaRPr lang="zh-CN" altLang="en-US" dirty="0"/>
           </a:p>
         </p:txBody>
@@ -2028,6 +2172,18 @@
           </a:bodyPr>
           <a:lstStyle/>
           <a:p>
+            <a:r>
+              <a:rPr lang="zh-CN" altLang="en-US" dirty="0" smtClean="0"/>
+              <a:t>场景一问题应该是在同一个进程</a:t>
+            </a:r>
+            <a:r>
+              <a:rPr lang="en-US" altLang="zh-CN" dirty="0" smtClean="0"/>
+              <a:t>,</a:t>
+            </a:r>
+            <a:r>
+              <a:rPr lang="zh-CN" altLang="en-US" dirty="0" smtClean="0"/>
+              <a:t>不同线程中</a:t>
+            </a:r>
             <a:endParaRPr lang="zh-CN" altLang="en-US" dirty="0"/>
           </a:p>
         </p:txBody>
@@ -7315,29 +7471,8 @@
             </a:r>
             <a:r>
               <a:rPr lang="en-US" altLang="zh-CN" sz="3200" dirty="0" smtClean="0"/>
-              <a:t> </a:t>
-            </a:r>
-            <a:r>
-              <a:rPr lang="en-US" altLang="zh-CN" sz="3200" dirty="0" smtClean="0"/>
-              <a:t>  #</a:t>
-            </a:r>
-            <a:r>
-              <a:rPr lang="en-US" altLang="zh-CN" sz="3200" dirty="0" smtClean="0"/>
-              <a:t>product#id_1 </a:t>
-            </a:r>
-            <a:r>
-              <a:rPr lang="en-US" altLang="zh-CN" sz="3200" dirty="0" smtClean="0"/>
-              <a:t>  1000   #</a:t>
-            </a:r>
-            <a:r>
-              <a:rPr lang="en-US" altLang="zh-CN" sz="3200" dirty="0" smtClean="0"/>
-              <a:t>product#id_2 </a:t>
-            </a:r>
-            <a:r>
-              <a:rPr lang="en-US" altLang="zh-CN" sz="3200" dirty="0" smtClean="0"/>
-              <a:t>  1001</a:t>
-            </a:r>
-            <a:endParaRPr lang="en-US" altLang="zh-CN" sz="3200" dirty="0" smtClean="0"/>
+              <a:t>   #product#id_1   1000   #product#id_2   1001</a:t>
+            </a:r>
           </a:p>
           <a:p>
             <a:pPr lvl="1" algn="l">
@@ -7354,23 +7489,7 @@
             </a:r>
             <a:r>
               <a:rPr lang="en-US" altLang="zh-CN" sz="3200" dirty="0" smtClean="0"/>
-              <a:t> </a:t>
-            </a:r>
-            <a:r>
-              <a:rPr lang="en-US" altLang="zh-CN" sz="3200" dirty="0" smtClean="0"/>
-              <a:t>  #</a:t>
-            </a:r>
-            <a:r>
-              <a:rPr lang="en-US" altLang="zh-CN" sz="3200" dirty="0" smtClean="0"/>
-              <a:t>product#id_1 </a:t>
-            </a:r>
-            <a:r>
-              <a:rPr lang="en-US" altLang="zh-CN" sz="3200" dirty="0" smtClean="0"/>
-              <a:t>  #</a:t>
-            </a:r>
-            <a:r>
-              <a:rPr lang="en-US" altLang="zh-CN" sz="3200" dirty="0" smtClean="0"/>
-              <a:t>product#id_2</a:t>
+              <a:t>   #product#id_1   #product#id_2</a:t>
             </a:r>
           </a:p>
           <a:p>
@@ -9607,11 +9726,7 @@
             </a:r>
             <a:r>
               <a:rPr lang="zh-CN" altLang="en-US" sz="2800" dirty="0" smtClean="0"/>
-              <a:t>每个</a:t>
-            </a:r>
-            <a:r>
-              <a:rPr lang="zh-CN" altLang="en-US" sz="2800" dirty="0" smtClean="0"/>
-              <a:t>集群</a:t>
+              <a:t>每个集群</a:t>
             </a:r>
             <a:r>
               <a:rPr lang="en-US" altLang="zh-CN" sz="2800" dirty="0" err="1" smtClean="0"/>
@@ -9619,11 +9734,7 @@
             </a:r>
             <a:r>
               <a:rPr lang="zh-CN" altLang="en-US" sz="2800" dirty="0" smtClean="0"/>
-              <a:t>可</a:t>
-            </a:r>
-            <a:r>
-              <a:rPr lang="zh-CN" altLang="en-US" sz="2800" dirty="0" smtClean="0"/>
-              <a:t>分为若干个组</a:t>
+              <a:t>可分为若干个组</a:t>
             </a:r>
             <a:r>
               <a:rPr lang="en-US" altLang="zh-CN" sz="2800" dirty="0" smtClean="0"/>
@@ -11929,7 +12040,7 @@
           <p:nvPr/>
         </p:nvPicPr>
         <p:blipFill>
-          <a:blip r:embed="rId2"/>
+          <a:blip r:embed="rId3"/>
           <a:srcRect/>
           <a:stretch>
             <a:fillRect/>
@@ -12836,15 +12947,7 @@
                             <a:srgbClr val="000000"/>
                           </a:solidFill>
                         </a:rPr>
-                        <a:t>频繁写入的</a:t>
-                      </a:r>
-                      <a:r>
-                        <a:rPr lang="zh-CN" altLang="en-US" sz="2400" dirty="0" smtClean="0">
-                          <a:solidFill>
-                            <a:srgbClr val="000000"/>
-                          </a:solidFill>
-                        </a:rPr>
-                        <a:t>情况</a:t>
+                        <a:t>频繁写入的情况</a:t>
                       </a:r>
                       <a:endParaRPr lang="zh-CN" altLang="en-US" sz="2400" dirty="0">
                         <a:solidFill>
@@ -15314,7 +15417,23 @@
             </a:r>
             <a:r>
               <a:rPr lang="zh-CN" altLang="en-US" dirty="0" smtClean="0"/>
-              <a:t>可考虑按不同数据接口来设计库表</a:t>
+              <a:t>可考虑按不同</a:t>
+            </a:r>
+            <a:r>
+              <a:rPr lang="zh-CN" altLang="en-US" dirty="0" smtClean="0"/>
+              <a:t>数据</a:t>
+            </a:r>
+            <a:r>
+              <a:rPr lang="zh-CN" altLang="en-US" dirty="0" smtClean="0"/>
+              <a:t>类型</a:t>
+            </a:r>
+            <a:r>
+              <a:rPr lang="zh-CN" altLang="en-US" dirty="0" smtClean="0"/>
+              <a:t>来</a:t>
+            </a:r>
+            <a:r>
+              <a:rPr lang="zh-CN" altLang="en-US" dirty="0" smtClean="0"/>
+              <a:t>设计库表</a:t>
             </a:r>
             <a:endParaRPr lang="en-US" altLang="zh-CN" dirty="0" smtClean="0"/>
           </a:p>
@@ -15824,7 +15943,11 @@
           <a:p>
             <a:r>
               <a:rPr lang="en-US" altLang="zh-CN" sz="1800" dirty="0" smtClean="0"/>
-              <a:t>PROCESS A</a:t>
+              <a:t>THREAD </a:t>
+            </a:r>
+            <a:r>
+              <a:rPr lang="en-US" altLang="zh-CN" sz="1800" dirty="0" smtClean="0"/>
+              <a:t>A</a:t>
             </a:r>
             <a:endParaRPr lang="zh-CN" altLang="en-US" sz="1800" dirty="0"/>
           </a:p>
@@ -15854,7 +15977,11 @@
           <a:p>
             <a:r>
               <a:rPr lang="en-US" altLang="zh-CN" sz="1800" dirty="0" smtClean="0"/>
-              <a:t>PROCESS B</a:t>
+              <a:t>THREAD </a:t>
+            </a:r>
+            <a:r>
+              <a:rPr lang="en-US" altLang="zh-CN" sz="1800" dirty="0" smtClean="0"/>
+              <a:t>B</a:t>
             </a:r>
             <a:endParaRPr lang="zh-CN" altLang="en-US" sz="1800" dirty="0"/>
           </a:p>
@@ -18571,11 +18698,7 @@
             </a:r>
             <a:r>
               <a:rPr lang="zh-CN" altLang="en-US" sz="3200" dirty="0" smtClean="0"/>
-              <a:t>集群</a:t>
-            </a:r>
-            <a:r>
-              <a:rPr lang="zh-CN" altLang="en-US" sz="3200" dirty="0" smtClean="0"/>
-              <a:t>宕机告警</a:t>
+              <a:t>集群宕机告警</a:t>
             </a:r>
             <a:endParaRPr lang="en-US" altLang="zh-CN" sz="3200" dirty="0" smtClean="0"/>
           </a:p>
@@ -21844,11 +21967,7 @@
             </a:r>
             <a:r>
               <a:rPr lang="zh-CN" altLang="en-US" sz="2800" dirty="0" smtClean="0"/>
-              <a:t>对应</a:t>
-            </a:r>
-            <a:r>
-              <a:rPr lang="zh-CN" altLang="en-US" sz="2800" dirty="0" smtClean="0"/>
-              <a:t>一个</a:t>
+              <a:t>对应一个</a:t>
             </a:r>
             <a:r>
               <a:rPr lang="en-US" altLang="zh-CN" sz="2800" dirty="0" err="1" smtClean="0"/>
@@ -22076,19 +22195,7 @@
             </a:r>
             <a:r>
               <a:rPr lang="zh-CN" altLang="en-US" sz="2800" dirty="0" smtClean="0"/>
-              <a:t>统一数据源访问接口</a:t>
-            </a:r>
-            <a:r>
-              <a:rPr lang="zh-CN" altLang="en-US" sz="2800" dirty="0" smtClean="0"/>
-              <a:t>及</a:t>
-            </a:r>
-            <a:r>
-              <a:rPr lang="zh-CN" altLang="en-US" sz="2800" dirty="0" smtClean="0"/>
-              <a:t>持久性</a:t>
-            </a:r>
-            <a:r>
-              <a:rPr lang="zh-CN" altLang="en-US" sz="2800" dirty="0" smtClean="0"/>
-              <a:t>策略</a:t>
+              <a:t>统一数据源访问接口及持久性策略</a:t>
             </a:r>
             <a:endParaRPr lang="en-US" altLang="zh-CN" sz="2800" dirty="0" smtClean="0"/>
           </a:p>
@@ -22597,18 +22704,7 @@
                           <a:ea typeface="+mn-ea"/>
                           <a:cs typeface="+mn-cs"/>
                         </a:rPr>
-                        <a:t>节点类型</a:t>
-                      </a:r>
-                      <a:r>
-                        <a:rPr lang="zh-CN" altLang="en-US" sz="1600" b="1" kern="1200" dirty="0" smtClean="0">
-                          <a:solidFill>
-                            <a:schemeClr val="bg1"/>
-                          </a:solidFill>
-                          <a:latin typeface="+mn-lt"/>
-                          <a:ea typeface="+mn-ea"/>
-                          <a:cs typeface="+mn-cs"/>
-                        </a:rPr>
-                        <a:t>为</a:t>
+                        <a:t>节点类型为</a:t>
                       </a:r>
                       <a:r>
                         <a:rPr lang="en-US" altLang="zh-CN" sz="1600" b="1" kern="1200" dirty="0" smtClean="0">
@@ -27272,11 +27368,7 @@
             </a:r>
             <a:r>
               <a:rPr lang="zh-CN" altLang="en-US" sz="2400" dirty="0" smtClean="0"/>
-              <a:t>对已存在的</a:t>
-            </a:r>
-            <a:r>
-              <a:rPr lang="zh-CN" altLang="en-US" sz="2400" dirty="0" smtClean="0"/>
-              <a:t>数据源</a:t>
+              <a:t>对已存在的数据源</a:t>
             </a:r>
             <a:r>
               <a:rPr lang="en-US" altLang="zh-CN" sz="2400" dirty="0" smtClean="0"/>
@@ -27284,11 +27376,7 @@
             </a:r>
             <a:r>
               <a:rPr lang="zh-CN" altLang="en-US" sz="2400" dirty="0" smtClean="0"/>
-              <a:t>进行</a:t>
-            </a:r>
-            <a:r>
-              <a:rPr lang="zh-CN" altLang="en-US" sz="2400" dirty="0" smtClean="0"/>
-              <a:t>定时检测</a:t>
+              <a:t>进行定时检测</a:t>
             </a:r>
             <a:endParaRPr lang="en-US" altLang="zh-CN" sz="2400" dirty="0" smtClean="0"/>
           </a:p>
@@ -28963,30 +29051,7 @@
                   </a:outerShdw>
                 </a:effectLst>
               </a:rPr>
-              <a:t>持久化</a:t>
-            </a:r>
-            <a:r>
-              <a:rPr lang="zh-CN" altLang="en-US" dirty="0" smtClean="0">
-                <a:ln w="12700">
-                  <a:solidFill>
-                    <a:schemeClr val="tx2">
-                      <a:satMod val="155000"/>
-                    </a:schemeClr>
-                  </a:solidFill>
-                  <a:prstDash val="solid"/>
-                </a:ln>
-                <a:solidFill>
-                  <a:srgbClr val="FF0000"/>
-                </a:solidFill>
-                <a:effectLst>
-                  <a:outerShdw blurRad="41275" dist="20320" dir="1800000" algn="tl" rotWithShape="0">
-                    <a:srgbClr val="000000">
-                      <a:alpha val="40000"/>
-                    </a:srgbClr>
-                  </a:outerShdw>
-                </a:effectLst>
-              </a:rPr>
-              <a:t>策略</a:t>
+              <a:t>持久化策略</a:t>
             </a:r>
             <a:endParaRPr lang="zh-CN" altLang="en-US" dirty="0">
               <a:ln w="12700">
@@ -32852,7 +32917,6 @@
               <a:rPr lang="en-US" altLang="zh-CN" dirty="0" smtClean="0"/>
               <a:t>: </a:t>
             </a:r>
-            <a:endParaRPr lang="en-US" altLang="zh-CN" dirty="0" smtClean="0"/>
           </a:p>
           <a:p>
             <a:pPr algn="l"/>
@@ -35277,15 +35341,7 @@
                             <a:srgbClr val="000000"/>
                           </a:solidFill>
                         </a:rPr>
-                        <a:t>&gt; </a:t>
-                      </a:r>
-                      <a:r>
-                        <a:rPr lang="en-US" altLang="zh-CN" dirty="0" smtClean="0">
-                          <a:solidFill>
-                            <a:srgbClr val="000000"/>
-                          </a:solidFill>
-                        </a:rPr>
-                        <a:t>&lt;</a:t>
+                        <a:t>&gt; &lt;</a:t>
                       </a:r>
                       <a:r>
                         <a:rPr lang="en-US" altLang="zh-CN" dirty="0" err="1" smtClean="0">
@@ -36168,7 +36224,6 @@
               <a:rPr lang="en-US" altLang="zh-CN" dirty="0" smtClean="0"/>
               <a:t>:</a:t>
             </a:r>
-            <a:endParaRPr lang="en-US" altLang="zh-CN" dirty="0" smtClean="0"/>
           </a:p>
           <a:p>
             <a:pPr algn="l">
@@ -36181,11 +36236,7 @@
             </a:r>
             <a:r>
               <a:rPr lang="zh-CN" altLang="en-US" sz="3200" dirty="0" smtClean="0"/>
-              <a:t>加入的代理层对性能</a:t>
-            </a:r>
-            <a:r>
-              <a:rPr lang="zh-CN" altLang="en-US" sz="3200" dirty="0" smtClean="0"/>
-              <a:t>有性能影响</a:t>
+              <a:t>加入的代理层对性能有性能影响</a:t>
             </a:r>
             <a:endParaRPr lang="en-US" altLang="zh-CN" sz="3200" dirty="0" smtClean="0"/>
           </a:p>
@@ -37257,7 +37308,7 @@
             </a:avLst>
           </a:prstGeom>
           <a:blipFill dpi="0" rotWithShape="0">
-            <a:blip r:embed="rId2"/>
+            <a:blip r:embed="rId3"/>
             <a:srcRect/>
             <a:tile tx="0" ty="0" sx="100000" sy="100000" flip="none" algn="tl"/>
           </a:blipFill>
@@ -37299,7 +37350,7 @@
             </a:avLst>
           </a:prstGeom>
           <a:blipFill dpi="0" rotWithShape="0">
-            <a:blip r:embed="rId2"/>
+            <a:blip r:embed="rId3"/>
             <a:srcRect/>
             <a:tile tx="0" ty="0" sx="100000" sy="100000" flip="none" algn="tl"/>
           </a:blipFill>
@@ -37341,7 +37392,7 @@
             </a:avLst>
           </a:prstGeom>
           <a:blipFill dpi="0" rotWithShape="0">
-            <a:blip r:embed="rId2"/>
+            <a:blip r:embed="rId3"/>
             <a:srcRect/>
             <a:tile tx="0" ty="0" sx="100000" sy="100000" flip="none" algn="tl"/>
           </a:blipFill>
@@ -37383,7 +37434,7 @@
             </a:avLst>
           </a:prstGeom>
           <a:blipFill dpi="0" rotWithShape="0">
-            <a:blip r:embed="rId2"/>
+            <a:blip r:embed="rId3"/>
             <a:srcRect/>
             <a:tile tx="0" ty="0" sx="100000" sy="100000" flip="none" algn="tl"/>
           </a:blipFill>
@@ -37427,7 +37478,7 @@
             </a:avLst>
           </a:prstGeom>
           <a:blipFill dpi="0" rotWithShape="0">
-            <a:blip r:embed="rId2"/>
+            <a:blip r:embed="rId3"/>
             <a:srcRect/>
             <a:tile tx="0" ty="0" sx="100000" sy="100000" flip="none" algn="tl"/>
           </a:blipFill>
@@ -40075,18 +40126,7 @@
                           <a:ea typeface="+mn-ea"/>
                           <a:cs typeface="+mn-cs"/>
                         </a:rPr>
-                        <a:t>端</a:t>
-                      </a:r>
-                      <a:r>
-                        <a:rPr lang="zh-CN" altLang="en-US" sz="1800" b="1" kern="1200" dirty="0" smtClean="0">
-                          <a:solidFill>
-                            <a:schemeClr val="lt1"/>
-                          </a:solidFill>
-                          <a:latin typeface="+mn-lt"/>
-                          <a:ea typeface="+mn-ea"/>
-                          <a:cs typeface="+mn-cs"/>
-                        </a:rPr>
-                        <a:t>实现无中心的</a:t>
+                        <a:t>端实现无中心的</a:t>
                       </a:r>
                       <a:r>
                         <a:rPr lang="en-US" altLang="zh-CN" sz="1800" b="1" kern="1200" dirty="0" err="1" smtClean="0">
@@ -40630,14 +40670,6 @@
                         </a:rPr>
                         <a:t>HA</a:t>
                       </a:r>
-                      <a:endParaRPr lang="en-US" altLang="zh-CN" sz="1800" b="1" kern="1200" baseline="0" dirty="0" smtClean="0">
-                        <a:solidFill>
-                          <a:schemeClr val="lt1"/>
-                        </a:solidFill>
-                        <a:latin typeface="+mn-lt"/>
-                        <a:ea typeface="+mn-ea"/>
-                        <a:cs typeface="+mn-cs"/>
-                      </a:endParaRPr>
                     </a:p>
                   </a:txBody>
                   <a:tcPr anchor="ctr">
